--- a/out/production/[과제]/12차-김진용-2301111.pptx
+++ b/out/production/[과제]/12차-김진용-2301111.pptx
@@ -8607,10 +8607,4327 @@
       </p:sp>
       <p:sp>
         <p:nvSpPr>
-          <p:cNvPr id="3" name="TextBox 2">
+          <p:cNvPr id="3" name="Rectangle 1">
             <a:extLst>
               <a:ext uri="{FF2B5EF4-FFF2-40B4-BE49-F238E27FC236}">
-                <a16:creationId xmlns:a16="http://schemas.microsoft.com/office/drawing/2014/main" id="{56F4FA8A-C8BA-7322-725D-89525572AC49}"/>
+                <a16:creationId xmlns:a16="http://schemas.microsoft.com/office/drawing/2014/main" id="{F6422638-206D-8213-F007-AD58C7DAA471}"/>
+              </a:ext>
+            </a:extLst>
+          </p:cNvPr>
+          <p:cNvSpPr>
+            <a:spLocks noChangeArrowheads="1"/>
+          </p:cNvSpPr>
+          <p:nvPr/>
+        </p:nvSpPr>
+        <p:spPr bwMode="auto">
+          <a:xfrm>
+            <a:off x="220268" y="881109"/>
+            <a:ext cx="11778143" cy="5893921"/>
+          </a:xfrm>
+          <a:prstGeom prst="rect">
+            <a:avLst/>
+          </a:prstGeom>
+          <a:solidFill>
+            <a:srgbClr val="131314"/>
+          </a:solidFill>
+          <a:ln>
+            <a:noFill/>
+          </a:ln>
+          <a:effectLst/>
+          <a:extLst>
+            <a:ext uri="{91240B29-F687-4F45-9708-019B960494DF}">
+              <a14:hiddenLine xmlns:a14="http://schemas.microsoft.com/office/drawing/2010/main" w="9525">
+                <a:solidFill>
+                  <a:schemeClr val="tx1"/>
+                </a:solidFill>
+                <a:miter lim="800000"/>
+                <a:headEnd/>
+                <a:tailEnd/>
+              </a14:hiddenLine>
+            </a:ext>
+            <a:ext uri="{AF507438-7753-43E0-B8FC-AC1667EBCBE1}">
+              <a14:hiddenEffects xmlns:a14="http://schemas.microsoft.com/office/drawing/2010/main">
+                <a:effectLst>
+                  <a:outerShdw dist="35921" dir="2700000" algn="ctr" rotWithShape="0">
+                    <a:schemeClr val="bg2"/>
+                  </a:outerShdw>
+                </a:effectLst>
+              </a14:hiddenEffects>
+            </a:ext>
+          </a:extLst>
+        </p:spPr>
+        <p:txBody>
+          <a:bodyPr vert="horz" wrap="square" lIns="91440" tIns="45720" rIns="91440" bIns="45720" numCol="1" anchor="ctr" anchorCtr="0" compatLnSpc="1">
+            <a:prstTxWarp prst="textNoShape">
+              <a:avLst/>
+            </a:prstTxWarp>
+            <a:spAutoFit/>
+          </a:bodyPr>
+          <a:lstStyle/>
+          <a:p>
+            <a:pPr marL="0" marR="0" lvl="0" indent="0" algn="l" defTabSz="914400" rtl="0" eaLnBrk="0" fontAlgn="base" latinLnBrk="0" hangingPunct="0">
+              <a:lnSpc>
+                <a:spcPct val="100000"/>
+              </a:lnSpc>
+              <a:spcBef>
+                <a:spcPct val="0"/>
+              </a:spcBef>
+              <a:spcAft>
+                <a:spcPct val="0"/>
+              </a:spcAft>
+              <a:buClrTx/>
+              <a:buSzTx/>
+              <a:buFontTx/>
+              <a:buNone/>
+              <a:tabLst/>
+            </a:pPr>
+            <a:r>
+              <a:rPr kumimoji="0" lang="ko-KR" altLang="ko-KR" sz="1300" b="0" i="0" u="none" strike="noStrike" cap="none" normalizeH="0" baseline="0" dirty="0" err="1">
+                <a:ln>
+                  <a:noFill/>
+                </a:ln>
+                <a:solidFill>
+                  <a:srgbClr val="ED864A"/>
+                </a:solidFill>
+                <a:effectLst/>
+                <a:latin typeface="Arial Unicode MS" panose="020B0604020202020204" pitchFamily="50" charset="-127"/>
+                <a:ea typeface="JetBrains Mono"/>
+              </a:rPr>
+              <a:t>import</a:t>
+            </a:r>
+            <a:r>
+              <a:rPr kumimoji="0" lang="ko-KR" altLang="ko-KR" sz="1300" b="0" i="0" u="none" strike="noStrike" cap="none" normalizeH="0" baseline="0" dirty="0">
+                <a:ln>
+                  <a:noFill/>
+                </a:ln>
+                <a:solidFill>
+                  <a:srgbClr val="ED864A"/>
+                </a:solidFill>
+                <a:effectLst/>
+                <a:latin typeface="Arial Unicode MS" panose="020B0604020202020204" pitchFamily="50" charset="-127"/>
+                <a:ea typeface="JetBrains Mono"/>
+              </a:rPr>
+              <a:t> </a:t>
+            </a:r>
+            <a:r>
+              <a:rPr kumimoji="0" lang="ko-KR" altLang="ko-KR" sz="1300" b="0" i="0" u="none" strike="noStrike" cap="none" normalizeH="0" baseline="0" dirty="0" err="1">
+                <a:ln>
+                  <a:noFill/>
+                </a:ln>
+                <a:solidFill>
+                  <a:srgbClr val="FFFFFF"/>
+                </a:solidFill>
+                <a:effectLst/>
+                <a:latin typeface="Arial Unicode MS" panose="020B0604020202020204" pitchFamily="50" charset="-127"/>
+                <a:ea typeface="JetBrains Mono"/>
+              </a:rPr>
+              <a:t>java.util.Scanner</a:t>
+            </a:r>
+            <a:r>
+              <a:rPr kumimoji="0" lang="ko-KR" altLang="ko-KR" sz="1300" b="1" i="0" u="none" strike="noStrike" cap="none" normalizeH="0" baseline="0" dirty="0">
+                <a:ln>
+                  <a:noFill/>
+                </a:ln>
+                <a:solidFill>
+                  <a:srgbClr val="ED864A"/>
+                </a:solidFill>
+                <a:effectLst/>
+                <a:latin typeface="Arial Unicode MS" panose="020B0604020202020204" pitchFamily="50" charset="-127"/>
+                <a:ea typeface="JetBrains Mono"/>
+              </a:rPr>
+              <a:t>;</a:t>
+            </a:r>
+            <a:br>
+              <a:rPr kumimoji="0" lang="ko-KR" altLang="ko-KR" sz="1300" b="1" i="0" u="none" strike="noStrike" cap="none" normalizeH="0" baseline="0" dirty="0">
+                <a:ln>
+                  <a:noFill/>
+                </a:ln>
+                <a:solidFill>
+                  <a:srgbClr val="ED864A"/>
+                </a:solidFill>
+                <a:effectLst/>
+                <a:latin typeface="Arial Unicode MS" panose="020B0604020202020204" pitchFamily="50" charset="-127"/>
+                <a:ea typeface="JetBrains Mono"/>
+              </a:rPr>
+            </a:br>
+            <a:br>
+              <a:rPr kumimoji="0" lang="ko-KR" altLang="ko-KR" sz="1300" b="1" i="0" u="none" strike="noStrike" cap="none" normalizeH="0" baseline="0" dirty="0">
+                <a:ln>
+                  <a:noFill/>
+                </a:ln>
+                <a:solidFill>
+                  <a:srgbClr val="ED864A"/>
+                </a:solidFill>
+                <a:effectLst/>
+                <a:latin typeface="Arial Unicode MS" panose="020B0604020202020204" pitchFamily="50" charset="-127"/>
+                <a:ea typeface="JetBrains Mono"/>
+              </a:rPr>
+            </a:br>
+            <a:r>
+              <a:rPr kumimoji="0" lang="ko-KR" altLang="ko-KR" sz="1300" b="0" i="0" u="none" strike="noStrike" cap="none" normalizeH="0" baseline="0" dirty="0" err="1">
+                <a:ln>
+                  <a:noFill/>
+                </a:ln>
+                <a:solidFill>
+                  <a:srgbClr val="ED864A"/>
+                </a:solidFill>
+                <a:effectLst/>
+                <a:latin typeface="Arial Unicode MS" panose="020B0604020202020204" pitchFamily="50" charset="-127"/>
+                <a:ea typeface="JetBrains Mono"/>
+              </a:rPr>
+              <a:t>public</a:t>
+            </a:r>
+            <a:r>
+              <a:rPr kumimoji="0" lang="ko-KR" altLang="ko-KR" sz="1300" b="0" i="0" u="none" strike="noStrike" cap="none" normalizeH="0" baseline="0" dirty="0">
+                <a:ln>
+                  <a:noFill/>
+                </a:ln>
+                <a:solidFill>
+                  <a:srgbClr val="ED864A"/>
+                </a:solidFill>
+                <a:effectLst/>
+                <a:latin typeface="Arial Unicode MS" panose="020B0604020202020204" pitchFamily="50" charset="-127"/>
+                <a:ea typeface="JetBrains Mono"/>
+              </a:rPr>
+              <a:t> </a:t>
+            </a:r>
+            <a:r>
+              <a:rPr kumimoji="0" lang="ko-KR" altLang="ko-KR" sz="1300" b="0" i="0" u="none" strike="noStrike" cap="none" normalizeH="0" baseline="0" dirty="0" err="1">
+                <a:ln>
+                  <a:noFill/>
+                </a:ln>
+                <a:solidFill>
+                  <a:srgbClr val="ED864A"/>
+                </a:solidFill>
+                <a:effectLst/>
+                <a:latin typeface="Arial Unicode MS" panose="020B0604020202020204" pitchFamily="50" charset="-127"/>
+                <a:ea typeface="JetBrains Mono"/>
+              </a:rPr>
+              <a:t>class</a:t>
+            </a:r>
+            <a:r>
+              <a:rPr kumimoji="0" lang="ko-KR" altLang="ko-KR" sz="1300" b="0" i="0" u="none" strike="noStrike" cap="none" normalizeH="0" baseline="0" dirty="0">
+                <a:ln>
+                  <a:noFill/>
+                </a:ln>
+                <a:solidFill>
+                  <a:srgbClr val="ED864A"/>
+                </a:solidFill>
+                <a:effectLst/>
+                <a:latin typeface="Arial Unicode MS" panose="020B0604020202020204" pitchFamily="50" charset="-127"/>
+                <a:ea typeface="JetBrains Mono"/>
+              </a:rPr>
+              <a:t> </a:t>
+            </a:r>
+            <a:r>
+              <a:rPr kumimoji="0" lang="ko-KR" altLang="ko-KR" sz="1300" b="0" i="0" u="none" strike="noStrike" cap="none" normalizeH="0" baseline="0" dirty="0">
+                <a:ln>
+                  <a:noFill/>
+                </a:ln>
+                <a:solidFill>
+                  <a:srgbClr val="FFFFFF"/>
+                </a:solidFill>
+                <a:effectLst/>
+                <a:latin typeface="Arial Unicode MS" panose="020B0604020202020204" pitchFamily="50" charset="-127"/>
+                <a:ea typeface="JetBrains Mono"/>
+              </a:rPr>
+              <a:t>week12_Report3 </a:t>
+            </a:r>
+            <a:r>
+              <a:rPr kumimoji="0" lang="ko-KR" altLang="ko-KR" sz="1300" b="0" i="0" u="none" strike="noStrike" cap="none" normalizeH="0" baseline="0" dirty="0">
+                <a:ln>
+                  <a:noFill/>
+                </a:ln>
+                <a:solidFill>
+                  <a:srgbClr val="EBEBEB"/>
+                </a:solidFill>
+                <a:effectLst/>
+                <a:latin typeface="Arial Unicode MS" panose="020B0604020202020204" pitchFamily="50" charset="-127"/>
+                <a:ea typeface="JetBrains Mono"/>
+              </a:rPr>
+              <a:t>{</a:t>
+            </a:r>
+            <a:br>
+              <a:rPr kumimoji="0" lang="ko-KR" altLang="ko-KR" sz="1300" b="0" i="0" u="none" strike="noStrike" cap="none" normalizeH="0" baseline="0" dirty="0">
+                <a:ln>
+                  <a:noFill/>
+                </a:ln>
+                <a:solidFill>
+                  <a:srgbClr val="EBEBEB"/>
+                </a:solidFill>
+                <a:effectLst/>
+                <a:latin typeface="Arial Unicode MS" panose="020B0604020202020204" pitchFamily="50" charset="-127"/>
+                <a:ea typeface="JetBrains Mono"/>
+              </a:rPr>
+            </a:br>
+            <a:br>
+              <a:rPr kumimoji="0" lang="ko-KR" altLang="ko-KR" sz="1300" b="0" i="0" u="none" strike="noStrike" cap="none" normalizeH="0" baseline="0" dirty="0">
+                <a:ln>
+                  <a:noFill/>
+                </a:ln>
+                <a:solidFill>
+                  <a:srgbClr val="EBEBEB"/>
+                </a:solidFill>
+                <a:effectLst/>
+                <a:latin typeface="Arial Unicode MS" panose="020B0604020202020204" pitchFamily="50" charset="-127"/>
+                <a:ea typeface="JetBrains Mono"/>
+              </a:rPr>
+            </a:br>
+            <a:r>
+              <a:rPr kumimoji="0" lang="ko-KR" altLang="ko-KR" sz="1300" b="0" i="0" u="none" strike="noStrike" cap="none" normalizeH="0" baseline="0" dirty="0">
+                <a:ln>
+                  <a:noFill/>
+                </a:ln>
+                <a:solidFill>
+                  <a:srgbClr val="EBEBEB"/>
+                </a:solidFill>
+                <a:effectLst/>
+                <a:latin typeface="Arial Unicode MS" panose="020B0604020202020204" pitchFamily="50" charset="-127"/>
+                <a:ea typeface="JetBrains Mono"/>
+              </a:rPr>
+              <a:t>    </a:t>
+            </a:r>
+            <a:r>
+              <a:rPr kumimoji="0" lang="ko-KR" altLang="ko-KR" sz="1300" b="0" i="0" u="none" strike="noStrike" cap="none" normalizeH="0" baseline="0" dirty="0" err="1">
+                <a:ln>
+                  <a:noFill/>
+                </a:ln>
+                <a:solidFill>
+                  <a:srgbClr val="ED864A"/>
+                </a:solidFill>
+                <a:effectLst/>
+                <a:latin typeface="Arial Unicode MS" panose="020B0604020202020204" pitchFamily="50" charset="-127"/>
+                <a:ea typeface="JetBrains Mono"/>
+              </a:rPr>
+              <a:t>public</a:t>
+            </a:r>
+            <a:r>
+              <a:rPr kumimoji="0" lang="ko-KR" altLang="ko-KR" sz="1300" b="0" i="0" u="none" strike="noStrike" cap="none" normalizeH="0" baseline="0" dirty="0">
+                <a:ln>
+                  <a:noFill/>
+                </a:ln>
+                <a:solidFill>
+                  <a:srgbClr val="ED864A"/>
+                </a:solidFill>
+                <a:effectLst/>
+                <a:latin typeface="Arial Unicode MS" panose="020B0604020202020204" pitchFamily="50" charset="-127"/>
+                <a:ea typeface="JetBrains Mono"/>
+              </a:rPr>
+              <a:t> </a:t>
+            </a:r>
+            <a:r>
+              <a:rPr kumimoji="0" lang="ko-KR" altLang="ko-KR" sz="1300" b="0" i="0" u="none" strike="noStrike" cap="none" normalizeH="0" baseline="0" dirty="0" err="1">
+                <a:ln>
+                  <a:noFill/>
+                </a:ln>
+                <a:solidFill>
+                  <a:srgbClr val="ED864A"/>
+                </a:solidFill>
+                <a:effectLst/>
+                <a:latin typeface="Arial Unicode MS" panose="020B0604020202020204" pitchFamily="50" charset="-127"/>
+                <a:ea typeface="JetBrains Mono"/>
+              </a:rPr>
+              <a:t>static</a:t>
+            </a:r>
+            <a:r>
+              <a:rPr kumimoji="0" lang="ko-KR" altLang="ko-KR" sz="1300" b="0" i="0" u="none" strike="noStrike" cap="none" normalizeH="0" baseline="0" dirty="0">
+                <a:ln>
+                  <a:noFill/>
+                </a:ln>
+                <a:solidFill>
+                  <a:srgbClr val="ED864A"/>
+                </a:solidFill>
+                <a:effectLst/>
+                <a:latin typeface="Arial Unicode MS" panose="020B0604020202020204" pitchFamily="50" charset="-127"/>
+                <a:ea typeface="JetBrains Mono"/>
+              </a:rPr>
+              <a:t> </a:t>
+            </a:r>
+            <a:r>
+              <a:rPr kumimoji="0" lang="ko-KR" altLang="ko-KR" sz="1300" b="0" i="0" u="none" strike="noStrike" cap="none" normalizeH="0" baseline="0" dirty="0" err="1">
+                <a:ln>
+                  <a:noFill/>
+                </a:ln>
+                <a:solidFill>
+                  <a:srgbClr val="FFFFFF"/>
+                </a:solidFill>
+                <a:effectLst/>
+                <a:latin typeface="Arial Unicode MS" panose="020B0604020202020204" pitchFamily="50" charset="-127"/>
+                <a:ea typeface="JetBrains Mono"/>
+              </a:rPr>
+              <a:t>String</a:t>
+            </a:r>
+            <a:r>
+              <a:rPr kumimoji="0" lang="ko-KR" altLang="ko-KR" sz="1300" b="0" i="0" u="none" strike="noStrike" cap="none" normalizeH="0" baseline="0" dirty="0">
+                <a:ln>
+                  <a:noFill/>
+                </a:ln>
+                <a:solidFill>
+                  <a:srgbClr val="FFFFFF"/>
+                </a:solidFill>
+                <a:effectLst/>
+                <a:latin typeface="Arial Unicode MS" panose="020B0604020202020204" pitchFamily="50" charset="-127"/>
+                <a:ea typeface="JetBrains Mono"/>
+              </a:rPr>
+              <a:t> </a:t>
+            </a:r>
+            <a:r>
+              <a:rPr kumimoji="0" lang="ko-KR" altLang="ko-KR" sz="1300" b="0" i="0" u="none" strike="noStrike" cap="none" normalizeH="0" baseline="0" dirty="0" err="1">
+                <a:ln>
+                  <a:noFill/>
+                </a:ln>
+                <a:solidFill>
+                  <a:srgbClr val="FFCF40"/>
+                </a:solidFill>
+                <a:effectLst/>
+                <a:latin typeface="Arial Unicode MS" panose="020B0604020202020204" pitchFamily="50" charset="-127"/>
+                <a:ea typeface="JetBrains Mono"/>
+              </a:rPr>
+              <a:t>convertNumberToHangul</a:t>
+            </a:r>
+            <a:r>
+              <a:rPr kumimoji="0" lang="ko-KR" altLang="ko-KR" sz="1300" b="0" i="0" u="none" strike="noStrike" cap="none" normalizeH="0" baseline="0" dirty="0">
+                <a:ln>
+                  <a:noFill/>
+                </a:ln>
+                <a:solidFill>
+                  <a:srgbClr val="EBEBEB"/>
+                </a:solidFill>
+                <a:effectLst/>
+                <a:latin typeface="Arial Unicode MS" panose="020B0604020202020204" pitchFamily="50" charset="-127"/>
+                <a:ea typeface="JetBrains Mono"/>
+              </a:rPr>
+              <a:t>(</a:t>
+            </a:r>
+            <a:r>
+              <a:rPr kumimoji="0" lang="ko-KR" altLang="ko-KR" sz="1300" b="0" i="0" u="none" strike="noStrike" cap="none" normalizeH="0" baseline="0" dirty="0" err="1">
+                <a:ln>
+                  <a:noFill/>
+                </a:ln>
+                <a:solidFill>
+                  <a:srgbClr val="FFFFFF"/>
+                </a:solidFill>
+                <a:effectLst/>
+                <a:latin typeface="Arial Unicode MS" panose="020B0604020202020204" pitchFamily="50" charset="-127"/>
+                <a:ea typeface="JetBrains Mono"/>
+              </a:rPr>
+              <a:t>String</a:t>
+            </a:r>
+            <a:r>
+              <a:rPr kumimoji="0" lang="ko-KR" altLang="ko-KR" sz="1300" b="0" i="0" u="none" strike="noStrike" cap="none" normalizeH="0" baseline="0" dirty="0">
+                <a:ln>
+                  <a:noFill/>
+                </a:ln>
+                <a:solidFill>
+                  <a:srgbClr val="FFFFFF"/>
+                </a:solidFill>
+                <a:effectLst/>
+                <a:latin typeface="Arial Unicode MS" panose="020B0604020202020204" pitchFamily="50" charset="-127"/>
+                <a:ea typeface="JetBrains Mono"/>
+              </a:rPr>
+              <a:t> </a:t>
+            </a:r>
+            <a:r>
+              <a:rPr kumimoji="0" lang="ko-KR" altLang="ko-KR" sz="1300" b="0" i="0" u="none" strike="noStrike" cap="none" normalizeH="0" baseline="0" dirty="0" err="1">
+                <a:ln>
+                  <a:noFill/>
+                </a:ln>
+                <a:solidFill>
+                  <a:srgbClr val="FFFFFF"/>
+                </a:solidFill>
+                <a:effectLst/>
+                <a:latin typeface="Arial Unicode MS" panose="020B0604020202020204" pitchFamily="50" charset="-127"/>
+                <a:ea typeface="JetBrains Mono"/>
+              </a:rPr>
+              <a:t>number</a:t>
+            </a:r>
+            <a:r>
+              <a:rPr kumimoji="0" lang="ko-KR" altLang="ko-KR" sz="1300" b="0" i="0" u="none" strike="noStrike" cap="none" normalizeH="0" baseline="0" dirty="0">
+                <a:ln>
+                  <a:noFill/>
+                </a:ln>
+                <a:solidFill>
+                  <a:srgbClr val="EBEBEB"/>
+                </a:solidFill>
+                <a:effectLst/>
+                <a:latin typeface="Arial Unicode MS" panose="020B0604020202020204" pitchFamily="50" charset="-127"/>
+                <a:ea typeface="JetBrains Mono"/>
+              </a:rPr>
+              <a:t>) {</a:t>
+            </a:r>
+            <a:br>
+              <a:rPr kumimoji="0" lang="ko-KR" altLang="ko-KR" sz="1300" b="0" i="0" u="none" strike="noStrike" cap="none" normalizeH="0" baseline="0" dirty="0">
+                <a:ln>
+                  <a:noFill/>
+                </a:ln>
+                <a:solidFill>
+                  <a:srgbClr val="EBEBEB"/>
+                </a:solidFill>
+                <a:effectLst/>
+                <a:latin typeface="Arial Unicode MS" panose="020B0604020202020204" pitchFamily="50" charset="-127"/>
+                <a:ea typeface="JetBrains Mono"/>
+              </a:rPr>
+            </a:br>
+            <a:r>
+              <a:rPr kumimoji="0" lang="ko-KR" altLang="ko-KR" sz="1300" b="0" i="0" u="none" strike="noStrike" cap="none" normalizeH="0" baseline="0" dirty="0">
+                <a:ln>
+                  <a:noFill/>
+                </a:ln>
+                <a:solidFill>
+                  <a:srgbClr val="EBEBEB"/>
+                </a:solidFill>
+                <a:effectLst/>
+                <a:latin typeface="Arial Unicode MS" panose="020B0604020202020204" pitchFamily="50" charset="-127"/>
+                <a:ea typeface="JetBrains Mono"/>
+              </a:rPr>
+              <a:t>        </a:t>
+            </a:r>
+            <a:r>
+              <a:rPr kumimoji="0" lang="ko-KR" altLang="ko-KR" sz="1300" b="0" i="0" u="none" strike="noStrike" cap="none" normalizeH="0" baseline="0" dirty="0" err="1">
+                <a:ln>
+                  <a:noFill/>
+                </a:ln>
+                <a:solidFill>
+                  <a:srgbClr val="FFFFFF"/>
+                </a:solidFill>
+                <a:effectLst/>
+                <a:latin typeface="Arial Unicode MS" panose="020B0604020202020204" pitchFamily="50" charset="-127"/>
+                <a:ea typeface="JetBrains Mono"/>
+              </a:rPr>
+              <a:t>String</a:t>
+            </a:r>
+            <a:r>
+              <a:rPr kumimoji="0" lang="ko-KR" altLang="ko-KR" sz="1300" b="0" i="0" u="none" strike="noStrike" cap="none" normalizeH="0" baseline="0" dirty="0">
+                <a:ln>
+                  <a:noFill/>
+                </a:ln>
+                <a:solidFill>
+                  <a:srgbClr val="EBEBEB"/>
+                </a:solidFill>
+                <a:effectLst/>
+                <a:latin typeface="Arial Unicode MS" panose="020B0604020202020204" pitchFamily="50" charset="-127"/>
+                <a:ea typeface="JetBrains Mono"/>
+              </a:rPr>
+              <a:t>[] </a:t>
+            </a:r>
+            <a:r>
+              <a:rPr kumimoji="0" lang="ko-KR" altLang="ko-KR" sz="1300" b="0" i="0" u="none" strike="noStrike" cap="none" normalizeH="0" baseline="0" dirty="0">
+                <a:ln>
+                  <a:noFill/>
+                </a:ln>
+                <a:solidFill>
+                  <a:srgbClr val="FFFFFF"/>
+                </a:solidFill>
+                <a:effectLst/>
+                <a:latin typeface="Arial Unicode MS" panose="020B0604020202020204" pitchFamily="50" charset="-127"/>
+                <a:ea typeface="JetBrains Mono"/>
+              </a:rPr>
+              <a:t>han1 </a:t>
+            </a:r>
+            <a:r>
+              <a:rPr kumimoji="0" lang="ko-KR" altLang="ko-KR" sz="1300" b="0" i="0" u="none" strike="noStrike" cap="none" normalizeH="0" baseline="0" dirty="0">
+                <a:ln>
+                  <a:noFill/>
+                </a:ln>
+                <a:solidFill>
+                  <a:srgbClr val="EBEBEB"/>
+                </a:solidFill>
+                <a:effectLst/>
+                <a:latin typeface="Arial Unicode MS" panose="020B0604020202020204" pitchFamily="50" charset="-127"/>
+                <a:ea typeface="JetBrains Mono"/>
+              </a:rPr>
+              <a:t>= {</a:t>
+            </a:r>
+            <a:r>
+              <a:rPr kumimoji="0" lang="ko-KR" altLang="ko-KR" sz="1300" b="0" i="0" u="none" strike="noStrike" cap="none" normalizeH="0" baseline="0" dirty="0">
+                <a:ln>
+                  <a:noFill/>
+                </a:ln>
+                <a:solidFill>
+                  <a:srgbClr val="54B33E"/>
+                </a:solidFill>
+                <a:effectLst/>
+                <a:latin typeface="Arial Unicode MS" panose="020B0604020202020204" pitchFamily="50" charset="-127"/>
+                <a:ea typeface="JetBrains Mono"/>
+              </a:rPr>
+              <a:t>""</a:t>
+            </a:r>
+            <a:r>
+              <a:rPr kumimoji="0" lang="ko-KR" altLang="ko-KR" sz="1300" b="1" i="0" u="none" strike="noStrike" cap="none" normalizeH="0" baseline="0" dirty="0">
+                <a:ln>
+                  <a:noFill/>
+                </a:ln>
+                <a:solidFill>
+                  <a:srgbClr val="ED864A"/>
+                </a:solidFill>
+                <a:effectLst/>
+                <a:latin typeface="Arial Unicode MS" panose="020B0604020202020204" pitchFamily="50" charset="-127"/>
+                <a:ea typeface="JetBrains Mono"/>
+              </a:rPr>
+              <a:t>, </a:t>
+            </a:r>
+            <a:r>
+              <a:rPr kumimoji="0" lang="ko-KR" altLang="ko-KR" sz="1300" b="0" i="0" u="none" strike="noStrike" cap="none" normalizeH="0" baseline="0" dirty="0">
+                <a:ln>
+                  <a:noFill/>
+                </a:ln>
+                <a:solidFill>
+                  <a:srgbClr val="54B33E"/>
+                </a:solidFill>
+                <a:effectLst/>
+                <a:latin typeface="Arial Unicode MS" panose="020B0604020202020204" pitchFamily="50" charset="-127"/>
+                <a:ea typeface="JetBrains Mono"/>
+              </a:rPr>
+              <a:t>"</a:t>
+            </a:r>
+            <a:r>
+              <a:rPr kumimoji="0" lang="ko-KR" altLang="ko-KR" sz="1300" b="0" i="0" u="none" strike="noStrike" cap="none" normalizeH="0" baseline="0" dirty="0">
+                <a:ln>
+                  <a:noFill/>
+                </a:ln>
+                <a:solidFill>
+                  <a:srgbClr val="54B33E"/>
+                </a:solidFill>
+                <a:effectLst/>
+                <a:latin typeface="맑은 고딕" panose="020B0503020000020004" pitchFamily="50" charset="-127"/>
+                <a:ea typeface="맑은 고딕" panose="020B0503020000020004" pitchFamily="50" charset="-127"/>
+              </a:rPr>
+              <a:t>일</a:t>
+            </a:r>
+            <a:r>
+              <a:rPr kumimoji="0" lang="ko-KR" altLang="ko-KR" sz="1300" b="0" i="0" u="none" strike="noStrike" cap="none" normalizeH="0" baseline="0" dirty="0">
+                <a:ln>
+                  <a:noFill/>
+                </a:ln>
+                <a:solidFill>
+                  <a:srgbClr val="54B33E"/>
+                </a:solidFill>
+                <a:effectLst/>
+                <a:latin typeface="Arial Unicode MS" panose="020B0604020202020204" pitchFamily="50" charset="-127"/>
+                <a:ea typeface="JetBrains Mono"/>
+              </a:rPr>
+              <a:t>"</a:t>
+            </a:r>
+            <a:r>
+              <a:rPr kumimoji="0" lang="ko-KR" altLang="ko-KR" sz="1300" b="1" i="0" u="none" strike="noStrike" cap="none" normalizeH="0" baseline="0" dirty="0">
+                <a:ln>
+                  <a:noFill/>
+                </a:ln>
+                <a:solidFill>
+                  <a:srgbClr val="ED864A"/>
+                </a:solidFill>
+                <a:effectLst/>
+                <a:latin typeface="Arial Unicode MS" panose="020B0604020202020204" pitchFamily="50" charset="-127"/>
+                <a:ea typeface="JetBrains Mono"/>
+              </a:rPr>
+              <a:t>, </a:t>
+            </a:r>
+            <a:r>
+              <a:rPr kumimoji="0" lang="ko-KR" altLang="ko-KR" sz="1300" b="0" i="0" u="none" strike="noStrike" cap="none" normalizeH="0" baseline="0" dirty="0">
+                <a:ln>
+                  <a:noFill/>
+                </a:ln>
+                <a:solidFill>
+                  <a:srgbClr val="54B33E"/>
+                </a:solidFill>
+                <a:effectLst/>
+                <a:latin typeface="Arial Unicode MS" panose="020B0604020202020204" pitchFamily="50" charset="-127"/>
+                <a:ea typeface="JetBrains Mono"/>
+              </a:rPr>
+              <a:t>"</a:t>
+            </a:r>
+            <a:r>
+              <a:rPr kumimoji="0" lang="ko-KR" altLang="ko-KR" sz="1300" b="0" i="0" u="none" strike="noStrike" cap="none" normalizeH="0" baseline="0" dirty="0">
+                <a:ln>
+                  <a:noFill/>
+                </a:ln>
+                <a:solidFill>
+                  <a:srgbClr val="54B33E"/>
+                </a:solidFill>
+                <a:effectLst/>
+                <a:latin typeface="맑은 고딕" panose="020B0503020000020004" pitchFamily="50" charset="-127"/>
+                <a:ea typeface="맑은 고딕" panose="020B0503020000020004" pitchFamily="50" charset="-127"/>
+              </a:rPr>
+              <a:t>이</a:t>
+            </a:r>
+            <a:r>
+              <a:rPr kumimoji="0" lang="ko-KR" altLang="ko-KR" sz="1300" b="0" i="0" u="none" strike="noStrike" cap="none" normalizeH="0" baseline="0" dirty="0">
+                <a:ln>
+                  <a:noFill/>
+                </a:ln>
+                <a:solidFill>
+                  <a:srgbClr val="54B33E"/>
+                </a:solidFill>
+                <a:effectLst/>
+                <a:latin typeface="Arial Unicode MS" panose="020B0604020202020204" pitchFamily="50" charset="-127"/>
+                <a:ea typeface="JetBrains Mono"/>
+              </a:rPr>
+              <a:t>"</a:t>
+            </a:r>
+            <a:r>
+              <a:rPr kumimoji="0" lang="ko-KR" altLang="ko-KR" sz="1300" b="1" i="0" u="none" strike="noStrike" cap="none" normalizeH="0" baseline="0" dirty="0">
+                <a:ln>
+                  <a:noFill/>
+                </a:ln>
+                <a:solidFill>
+                  <a:srgbClr val="ED864A"/>
+                </a:solidFill>
+                <a:effectLst/>
+                <a:latin typeface="Arial Unicode MS" panose="020B0604020202020204" pitchFamily="50" charset="-127"/>
+                <a:ea typeface="JetBrains Mono"/>
+              </a:rPr>
+              <a:t>, </a:t>
+            </a:r>
+            <a:r>
+              <a:rPr kumimoji="0" lang="ko-KR" altLang="ko-KR" sz="1300" b="0" i="0" u="none" strike="noStrike" cap="none" normalizeH="0" baseline="0" dirty="0">
+                <a:ln>
+                  <a:noFill/>
+                </a:ln>
+                <a:solidFill>
+                  <a:srgbClr val="54B33E"/>
+                </a:solidFill>
+                <a:effectLst/>
+                <a:latin typeface="Arial Unicode MS" panose="020B0604020202020204" pitchFamily="50" charset="-127"/>
+                <a:ea typeface="JetBrains Mono"/>
+              </a:rPr>
+              <a:t>"</a:t>
+            </a:r>
+            <a:r>
+              <a:rPr kumimoji="0" lang="ko-KR" altLang="ko-KR" sz="1300" b="0" i="0" u="none" strike="noStrike" cap="none" normalizeH="0" baseline="0" dirty="0">
+                <a:ln>
+                  <a:noFill/>
+                </a:ln>
+                <a:solidFill>
+                  <a:srgbClr val="54B33E"/>
+                </a:solidFill>
+                <a:effectLst/>
+                <a:latin typeface="맑은 고딕" panose="020B0503020000020004" pitchFamily="50" charset="-127"/>
+                <a:ea typeface="맑은 고딕" panose="020B0503020000020004" pitchFamily="50" charset="-127"/>
+              </a:rPr>
+              <a:t>삼</a:t>
+            </a:r>
+            <a:r>
+              <a:rPr kumimoji="0" lang="ko-KR" altLang="ko-KR" sz="1300" b="0" i="0" u="none" strike="noStrike" cap="none" normalizeH="0" baseline="0" dirty="0">
+                <a:ln>
+                  <a:noFill/>
+                </a:ln>
+                <a:solidFill>
+                  <a:srgbClr val="54B33E"/>
+                </a:solidFill>
+                <a:effectLst/>
+                <a:latin typeface="Arial Unicode MS" panose="020B0604020202020204" pitchFamily="50" charset="-127"/>
+                <a:ea typeface="JetBrains Mono"/>
+              </a:rPr>
+              <a:t>"</a:t>
+            </a:r>
+            <a:r>
+              <a:rPr kumimoji="0" lang="ko-KR" altLang="ko-KR" sz="1300" b="1" i="0" u="none" strike="noStrike" cap="none" normalizeH="0" baseline="0" dirty="0">
+                <a:ln>
+                  <a:noFill/>
+                </a:ln>
+                <a:solidFill>
+                  <a:srgbClr val="ED864A"/>
+                </a:solidFill>
+                <a:effectLst/>
+                <a:latin typeface="Arial Unicode MS" panose="020B0604020202020204" pitchFamily="50" charset="-127"/>
+                <a:ea typeface="JetBrains Mono"/>
+              </a:rPr>
+              <a:t>, </a:t>
+            </a:r>
+            <a:r>
+              <a:rPr kumimoji="0" lang="ko-KR" altLang="ko-KR" sz="1300" b="0" i="0" u="none" strike="noStrike" cap="none" normalizeH="0" baseline="0" dirty="0">
+                <a:ln>
+                  <a:noFill/>
+                </a:ln>
+                <a:solidFill>
+                  <a:srgbClr val="54B33E"/>
+                </a:solidFill>
+                <a:effectLst/>
+                <a:latin typeface="Arial Unicode MS" panose="020B0604020202020204" pitchFamily="50" charset="-127"/>
+                <a:ea typeface="JetBrains Mono"/>
+              </a:rPr>
+              <a:t>"</a:t>
+            </a:r>
+            <a:r>
+              <a:rPr kumimoji="0" lang="ko-KR" altLang="ko-KR" sz="1300" b="0" i="0" u="none" strike="noStrike" cap="none" normalizeH="0" baseline="0" dirty="0">
+                <a:ln>
+                  <a:noFill/>
+                </a:ln>
+                <a:solidFill>
+                  <a:srgbClr val="54B33E"/>
+                </a:solidFill>
+                <a:effectLst/>
+                <a:latin typeface="맑은 고딕" panose="020B0503020000020004" pitchFamily="50" charset="-127"/>
+                <a:ea typeface="맑은 고딕" panose="020B0503020000020004" pitchFamily="50" charset="-127"/>
+              </a:rPr>
+              <a:t>사</a:t>
+            </a:r>
+            <a:r>
+              <a:rPr kumimoji="0" lang="ko-KR" altLang="ko-KR" sz="1300" b="0" i="0" u="none" strike="noStrike" cap="none" normalizeH="0" baseline="0" dirty="0">
+                <a:ln>
+                  <a:noFill/>
+                </a:ln>
+                <a:solidFill>
+                  <a:srgbClr val="54B33E"/>
+                </a:solidFill>
+                <a:effectLst/>
+                <a:latin typeface="Arial Unicode MS" panose="020B0604020202020204" pitchFamily="50" charset="-127"/>
+                <a:ea typeface="JetBrains Mono"/>
+              </a:rPr>
+              <a:t>"</a:t>
+            </a:r>
+            <a:r>
+              <a:rPr kumimoji="0" lang="ko-KR" altLang="ko-KR" sz="1300" b="1" i="0" u="none" strike="noStrike" cap="none" normalizeH="0" baseline="0" dirty="0">
+                <a:ln>
+                  <a:noFill/>
+                </a:ln>
+                <a:solidFill>
+                  <a:srgbClr val="ED864A"/>
+                </a:solidFill>
+                <a:effectLst/>
+                <a:latin typeface="Arial Unicode MS" panose="020B0604020202020204" pitchFamily="50" charset="-127"/>
+                <a:ea typeface="JetBrains Mono"/>
+              </a:rPr>
+              <a:t>, </a:t>
+            </a:r>
+            <a:r>
+              <a:rPr kumimoji="0" lang="ko-KR" altLang="ko-KR" sz="1300" b="0" i="0" u="none" strike="noStrike" cap="none" normalizeH="0" baseline="0" dirty="0">
+                <a:ln>
+                  <a:noFill/>
+                </a:ln>
+                <a:solidFill>
+                  <a:srgbClr val="54B33E"/>
+                </a:solidFill>
+                <a:effectLst/>
+                <a:latin typeface="Arial Unicode MS" panose="020B0604020202020204" pitchFamily="50" charset="-127"/>
+                <a:ea typeface="JetBrains Mono"/>
+              </a:rPr>
+              <a:t>"</a:t>
+            </a:r>
+            <a:r>
+              <a:rPr kumimoji="0" lang="ko-KR" altLang="ko-KR" sz="1300" b="0" i="0" u="none" strike="noStrike" cap="none" normalizeH="0" baseline="0" dirty="0">
+                <a:ln>
+                  <a:noFill/>
+                </a:ln>
+                <a:solidFill>
+                  <a:srgbClr val="54B33E"/>
+                </a:solidFill>
+                <a:effectLst/>
+                <a:latin typeface="맑은 고딕" panose="020B0503020000020004" pitchFamily="50" charset="-127"/>
+                <a:ea typeface="맑은 고딕" panose="020B0503020000020004" pitchFamily="50" charset="-127"/>
+              </a:rPr>
+              <a:t>오</a:t>
+            </a:r>
+            <a:r>
+              <a:rPr kumimoji="0" lang="ko-KR" altLang="ko-KR" sz="1300" b="0" i="0" u="none" strike="noStrike" cap="none" normalizeH="0" baseline="0" dirty="0">
+                <a:ln>
+                  <a:noFill/>
+                </a:ln>
+                <a:solidFill>
+                  <a:srgbClr val="54B33E"/>
+                </a:solidFill>
+                <a:effectLst/>
+                <a:latin typeface="Arial Unicode MS" panose="020B0604020202020204" pitchFamily="50" charset="-127"/>
+                <a:ea typeface="JetBrains Mono"/>
+              </a:rPr>
+              <a:t>"</a:t>
+            </a:r>
+            <a:r>
+              <a:rPr kumimoji="0" lang="ko-KR" altLang="ko-KR" sz="1300" b="1" i="0" u="none" strike="noStrike" cap="none" normalizeH="0" baseline="0" dirty="0">
+                <a:ln>
+                  <a:noFill/>
+                </a:ln>
+                <a:solidFill>
+                  <a:srgbClr val="ED864A"/>
+                </a:solidFill>
+                <a:effectLst/>
+                <a:latin typeface="Arial Unicode MS" panose="020B0604020202020204" pitchFamily="50" charset="-127"/>
+                <a:ea typeface="JetBrains Mono"/>
+              </a:rPr>
+              <a:t>, </a:t>
+            </a:r>
+            <a:r>
+              <a:rPr kumimoji="0" lang="ko-KR" altLang="ko-KR" sz="1300" b="0" i="0" u="none" strike="noStrike" cap="none" normalizeH="0" baseline="0" dirty="0">
+                <a:ln>
+                  <a:noFill/>
+                </a:ln>
+                <a:solidFill>
+                  <a:srgbClr val="54B33E"/>
+                </a:solidFill>
+                <a:effectLst/>
+                <a:latin typeface="Arial Unicode MS" panose="020B0604020202020204" pitchFamily="50" charset="-127"/>
+                <a:ea typeface="JetBrains Mono"/>
+              </a:rPr>
+              <a:t>"</a:t>
+            </a:r>
+            <a:r>
+              <a:rPr kumimoji="0" lang="ko-KR" altLang="ko-KR" sz="1300" b="0" i="0" u="none" strike="noStrike" cap="none" normalizeH="0" baseline="0" dirty="0">
+                <a:ln>
+                  <a:noFill/>
+                </a:ln>
+                <a:solidFill>
+                  <a:srgbClr val="54B33E"/>
+                </a:solidFill>
+                <a:effectLst/>
+                <a:latin typeface="맑은 고딕" panose="020B0503020000020004" pitchFamily="50" charset="-127"/>
+                <a:ea typeface="맑은 고딕" panose="020B0503020000020004" pitchFamily="50" charset="-127"/>
+              </a:rPr>
+              <a:t>육</a:t>
+            </a:r>
+            <a:r>
+              <a:rPr kumimoji="0" lang="ko-KR" altLang="ko-KR" sz="1300" b="0" i="0" u="none" strike="noStrike" cap="none" normalizeH="0" baseline="0" dirty="0">
+                <a:ln>
+                  <a:noFill/>
+                </a:ln>
+                <a:solidFill>
+                  <a:srgbClr val="54B33E"/>
+                </a:solidFill>
+                <a:effectLst/>
+                <a:latin typeface="Arial Unicode MS" panose="020B0604020202020204" pitchFamily="50" charset="-127"/>
+                <a:ea typeface="JetBrains Mono"/>
+              </a:rPr>
+              <a:t>"</a:t>
+            </a:r>
+            <a:r>
+              <a:rPr kumimoji="0" lang="ko-KR" altLang="ko-KR" sz="1300" b="1" i="0" u="none" strike="noStrike" cap="none" normalizeH="0" baseline="0" dirty="0">
+                <a:ln>
+                  <a:noFill/>
+                </a:ln>
+                <a:solidFill>
+                  <a:srgbClr val="ED864A"/>
+                </a:solidFill>
+                <a:effectLst/>
+                <a:latin typeface="Arial Unicode MS" panose="020B0604020202020204" pitchFamily="50" charset="-127"/>
+                <a:ea typeface="JetBrains Mono"/>
+              </a:rPr>
+              <a:t>, </a:t>
+            </a:r>
+            <a:r>
+              <a:rPr kumimoji="0" lang="ko-KR" altLang="ko-KR" sz="1300" b="0" i="0" u="none" strike="noStrike" cap="none" normalizeH="0" baseline="0" dirty="0">
+                <a:ln>
+                  <a:noFill/>
+                </a:ln>
+                <a:solidFill>
+                  <a:srgbClr val="54B33E"/>
+                </a:solidFill>
+                <a:effectLst/>
+                <a:latin typeface="Arial Unicode MS" panose="020B0604020202020204" pitchFamily="50" charset="-127"/>
+                <a:ea typeface="JetBrains Mono"/>
+              </a:rPr>
+              <a:t>"</a:t>
+            </a:r>
+            <a:r>
+              <a:rPr kumimoji="0" lang="ko-KR" altLang="ko-KR" sz="1300" b="0" i="0" u="none" strike="noStrike" cap="none" normalizeH="0" baseline="0" dirty="0">
+                <a:ln>
+                  <a:noFill/>
+                </a:ln>
+                <a:solidFill>
+                  <a:srgbClr val="54B33E"/>
+                </a:solidFill>
+                <a:effectLst/>
+                <a:latin typeface="맑은 고딕" panose="020B0503020000020004" pitchFamily="50" charset="-127"/>
+                <a:ea typeface="맑은 고딕" panose="020B0503020000020004" pitchFamily="50" charset="-127"/>
+              </a:rPr>
+              <a:t>칠</a:t>
+            </a:r>
+            <a:r>
+              <a:rPr kumimoji="0" lang="ko-KR" altLang="ko-KR" sz="1300" b="0" i="0" u="none" strike="noStrike" cap="none" normalizeH="0" baseline="0" dirty="0">
+                <a:ln>
+                  <a:noFill/>
+                </a:ln>
+                <a:solidFill>
+                  <a:srgbClr val="54B33E"/>
+                </a:solidFill>
+                <a:effectLst/>
+                <a:latin typeface="Arial Unicode MS" panose="020B0604020202020204" pitchFamily="50" charset="-127"/>
+                <a:ea typeface="JetBrains Mono"/>
+              </a:rPr>
+              <a:t>"</a:t>
+            </a:r>
+            <a:r>
+              <a:rPr kumimoji="0" lang="ko-KR" altLang="ko-KR" sz="1300" b="1" i="0" u="none" strike="noStrike" cap="none" normalizeH="0" baseline="0" dirty="0">
+                <a:ln>
+                  <a:noFill/>
+                </a:ln>
+                <a:solidFill>
+                  <a:srgbClr val="ED864A"/>
+                </a:solidFill>
+                <a:effectLst/>
+                <a:latin typeface="Arial Unicode MS" panose="020B0604020202020204" pitchFamily="50" charset="-127"/>
+                <a:ea typeface="JetBrains Mono"/>
+              </a:rPr>
+              <a:t>, </a:t>
+            </a:r>
+            <a:r>
+              <a:rPr kumimoji="0" lang="ko-KR" altLang="ko-KR" sz="1300" b="0" i="0" u="none" strike="noStrike" cap="none" normalizeH="0" baseline="0" dirty="0">
+                <a:ln>
+                  <a:noFill/>
+                </a:ln>
+                <a:solidFill>
+                  <a:srgbClr val="54B33E"/>
+                </a:solidFill>
+                <a:effectLst/>
+                <a:latin typeface="Arial Unicode MS" panose="020B0604020202020204" pitchFamily="50" charset="-127"/>
+                <a:ea typeface="JetBrains Mono"/>
+              </a:rPr>
+              <a:t>"</a:t>
+            </a:r>
+            <a:r>
+              <a:rPr kumimoji="0" lang="ko-KR" altLang="ko-KR" sz="1300" b="0" i="0" u="none" strike="noStrike" cap="none" normalizeH="0" baseline="0" dirty="0">
+                <a:ln>
+                  <a:noFill/>
+                </a:ln>
+                <a:solidFill>
+                  <a:srgbClr val="54B33E"/>
+                </a:solidFill>
+                <a:effectLst/>
+                <a:latin typeface="맑은 고딕" panose="020B0503020000020004" pitchFamily="50" charset="-127"/>
+                <a:ea typeface="맑은 고딕" panose="020B0503020000020004" pitchFamily="50" charset="-127"/>
+              </a:rPr>
+              <a:t>팔</a:t>
+            </a:r>
+            <a:r>
+              <a:rPr kumimoji="0" lang="ko-KR" altLang="ko-KR" sz="1300" b="0" i="0" u="none" strike="noStrike" cap="none" normalizeH="0" baseline="0" dirty="0">
+                <a:ln>
+                  <a:noFill/>
+                </a:ln>
+                <a:solidFill>
+                  <a:srgbClr val="54B33E"/>
+                </a:solidFill>
+                <a:effectLst/>
+                <a:latin typeface="Arial Unicode MS" panose="020B0604020202020204" pitchFamily="50" charset="-127"/>
+                <a:ea typeface="JetBrains Mono"/>
+              </a:rPr>
+              <a:t>"</a:t>
+            </a:r>
+            <a:r>
+              <a:rPr kumimoji="0" lang="ko-KR" altLang="ko-KR" sz="1300" b="1" i="0" u="none" strike="noStrike" cap="none" normalizeH="0" baseline="0" dirty="0">
+                <a:ln>
+                  <a:noFill/>
+                </a:ln>
+                <a:solidFill>
+                  <a:srgbClr val="ED864A"/>
+                </a:solidFill>
+                <a:effectLst/>
+                <a:latin typeface="Arial Unicode MS" panose="020B0604020202020204" pitchFamily="50" charset="-127"/>
+                <a:ea typeface="JetBrains Mono"/>
+              </a:rPr>
+              <a:t>, </a:t>
+            </a:r>
+            <a:r>
+              <a:rPr kumimoji="0" lang="ko-KR" altLang="ko-KR" sz="1300" b="0" i="0" u="none" strike="noStrike" cap="none" normalizeH="0" baseline="0" dirty="0">
+                <a:ln>
+                  <a:noFill/>
+                </a:ln>
+                <a:solidFill>
+                  <a:srgbClr val="54B33E"/>
+                </a:solidFill>
+                <a:effectLst/>
+                <a:latin typeface="Arial Unicode MS" panose="020B0604020202020204" pitchFamily="50" charset="-127"/>
+                <a:ea typeface="JetBrains Mono"/>
+              </a:rPr>
+              <a:t>"</a:t>
+            </a:r>
+            <a:r>
+              <a:rPr kumimoji="0" lang="ko-KR" altLang="ko-KR" sz="1300" b="0" i="0" u="none" strike="noStrike" cap="none" normalizeH="0" baseline="0" dirty="0">
+                <a:ln>
+                  <a:noFill/>
+                </a:ln>
+                <a:solidFill>
+                  <a:srgbClr val="54B33E"/>
+                </a:solidFill>
+                <a:effectLst/>
+                <a:latin typeface="맑은 고딕" panose="020B0503020000020004" pitchFamily="50" charset="-127"/>
+                <a:ea typeface="맑은 고딕" panose="020B0503020000020004" pitchFamily="50" charset="-127"/>
+              </a:rPr>
+              <a:t>구</a:t>
+            </a:r>
+            <a:r>
+              <a:rPr kumimoji="0" lang="ko-KR" altLang="ko-KR" sz="1300" b="0" i="0" u="none" strike="noStrike" cap="none" normalizeH="0" baseline="0" dirty="0">
+                <a:ln>
+                  <a:noFill/>
+                </a:ln>
+                <a:solidFill>
+                  <a:srgbClr val="54B33E"/>
+                </a:solidFill>
+                <a:effectLst/>
+                <a:latin typeface="Arial Unicode MS" panose="020B0604020202020204" pitchFamily="50" charset="-127"/>
+                <a:ea typeface="JetBrains Mono"/>
+              </a:rPr>
+              <a:t>"</a:t>
+            </a:r>
+            <a:r>
+              <a:rPr kumimoji="0" lang="ko-KR" altLang="ko-KR" sz="1300" b="0" i="0" u="none" strike="noStrike" cap="none" normalizeH="0" baseline="0" dirty="0">
+                <a:ln>
+                  <a:noFill/>
+                </a:ln>
+                <a:solidFill>
+                  <a:srgbClr val="EBEBEB"/>
+                </a:solidFill>
+                <a:effectLst/>
+                <a:latin typeface="Arial Unicode MS" panose="020B0604020202020204" pitchFamily="50" charset="-127"/>
+                <a:ea typeface="JetBrains Mono"/>
+              </a:rPr>
+              <a:t>}</a:t>
+            </a:r>
+            <a:r>
+              <a:rPr kumimoji="0" lang="ko-KR" altLang="ko-KR" sz="1300" b="1" i="0" u="none" strike="noStrike" cap="none" normalizeH="0" baseline="0" dirty="0">
+                <a:ln>
+                  <a:noFill/>
+                </a:ln>
+                <a:solidFill>
+                  <a:srgbClr val="ED864A"/>
+                </a:solidFill>
+                <a:effectLst/>
+                <a:latin typeface="Arial Unicode MS" panose="020B0604020202020204" pitchFamily="50" charset="-127"/>
+                <a:ea typeface="JetBrains Mono"/>
+              </a:rPr>
+              <a:t>;</a:t>
+            </a:r>
+            <a:br>
+              <a:rPr kumimoji="0" lang="ko-KR" altLang="ko-KR" sz="1300" b="1" i="0" u="none" strike="noStrike" cap="none" normalizeH="0" baseline="0" dirty="0">
+                <a:ln>
+                  <a:noFill/>
+                </a:ln>
+                <a:solidFill>
+                  <a:srgbClr val="ED864A"/>
+                </a:solidFill>
+                <a:effectLst/>
+                <a:latin typeface="Arial Unicode MS" panose="020B0604020202020204" pitchFamily="50" charset="-127"/>
+                <a:ea typeface="JetBrains Mono"/>
+              </a:rPr>
+            </a:br>
+            <a:r>
+              <a:rPr kumimoji="0" lang="ko-KR" altLang="ko-KR" sz="1300" b="1" i="0" u="none" strike="noStrike" cap="none" normalizeH="0" baseline="0" dirty="0">
+                <a:ln>
+                  <a:noFill/>
+                </a:ln>
+                <a:solidFill>
+                  <a:srgbClr val="ED864A"/>
+                </a:solidFill>
+                <a:effectLst/>
+                <a:latin typeface="Arial Unicode MS" panose="020B0604020202020204" pitchFamily="50" charset="-127"/>
+                <a:ea typeface="JetBrains Mono"/>
+              </a:rPr>
+              <a:t>        </a:t>
+            </a:r>
+            <a:r>
+              <a:rPr kumimoji="0" lang="ko-KR" altLang="ko-KR" sz="1300" b="0" i="0" u="none" strike="noStrike" cap="none" normalizeH="0" baseline="0" dirty="0" err="1">
+                <a:ln>
+                  <a:noFill/>
+                </a:ln>
+                <a:solidFill>
+                  <a:srgbClr val="FFFFFF"/>
+                </a:solidFill>
+                <a:effectLst/>
+                <a:latin typeface="Arial Unicode MS" panose="020B0604020202020204" pitchFamily="50" charset="-127"/>
+                <a:ea typeface="JetBrains Mono"/>
+              </a:rPr>
+              <a:t>String</a:t>
+            </a:r>
+            <a:r>
+              <a:rPr kumimoji="0" lang="ko-KR" altLang="ko-KR" sz="1300" b="0" i="0" u="none" strike="noStrike" cap="none" normalizeH="0" baseline="0" dirty="0">
+                <a:ln>
+                  <a:noFill/>
+                </a:ln>
+                <a:solidFill>
+                  <a:srgbClr val="EBEBEB"/>
+                </a:solidFill>
+                <a:effectLst/>
+                <a:latin typeface="Arial Unicode MS" panose="020B0604020202020204" pitchFamily="50" charset="-127"/>
+                <a:ea typeface="JetBrains Mono"/>
+              </a:rPr>
+              <a:t>[] </a:t>
+            </a:r>
+            <a:r>
+              <a:rPr kumimoji="0" lang="ko-KR" altLang="ko-KR" sz="1300" b="0" i="0" u="none" strike="noStrike" cap="none" normalizeH="0" baseline="0" dirty="0">
+                <a:ln>
+                  <a:noFill/>
+                </a:ln>
+                <a:solidFill>
+                  <a:srgbClr val="FFFFFF"/>
+                </a:solidFill>
+                <a:effectLst/>
+                <a:latin typeface="Arial Unicode MS" panose="020B0604020202020204" pitchFamily="50" charset="-127"/>
+                <a:ea typeface="JetBrains Mono"/>
+              </a:rPr>
+              <a:t>han2 </a:t>
+            </a:r>
+            <a:r>
+              <a:rPr kumimoji="0" lang="ko-KR" altLang="ko-KR" sz="1300" b="0" i="0" u="none" strike="noStrike" cap="none" normalizeH="0" baseline="0" dirty="0">
+                <a:ln>
+                  <a:noFill/>
+                </a:ln>
+                <a:solidFill>
+                  <a:srgbClr val="EBEBEB"/>
+                </a:solidFill>
+                <a:effectLst/>
+                <a:latin typeface="Arial Unicode MS" panose="020B0604020202020204" pitchFamily="50" charset="-127"/>
+                <a:ea typeface="JetBrains Mono"/>
+              </a:rPr>
+              <a:t>= {</a:t>
+            </a:r>
+            <a:r>
+              <a:rPr kumimoji="0" lang="ko-KR" altLang="ko-KR" sz="1300" b="0" i="0" u="none" strike="noStrike" cap="none" normalizeH="0" baseline="0" dirty="0">
+                <a:ln>
+                  <a:noFill/>
+                </a:ln>
+                <a:solidFill>
+                  <a:srgbClr val="54B33E"/>
+                </a:solidFill>
+                <a:effectLst/>
+                <a:latin typeface="Arial Unicode MS" panose="020B0604020202020204" pitchFamily="50" charset="-127"/>
+                <a:ea typeface="JetBrains Mono"/>
+              </a:rPr>
+              <a:t>""</a:t>
+            </a:r>
+            <a:r>
+              <a:rPr kumimoji="0" lang="ko-KR" altLang="ko-KR" sz="1300" b="1" i="0" u="none" strike="noStrike" cap="none" normalizeH="0" baseline="0" dirty="0">
+                <a:ln>
+                  <a:noFill/>
+                </a:ln>
+                <a:solidFill>
+                  <a:srgbClr val="ED864A"/>
+                </a:solidFill>
+                <a:effectLst/>
+                <a:latin typeface="Arial Unicode MS" panose="020B0604020202020204" pitchFamily="50" charset="-127"/>
+                <a:ea typeface="JetBrains Mono"/>
+              </a:rPr>
+              <a:t>, </a:t>
+            </a:r>
+            <a:r>
+              <a:rPr kumimoji="0" lang="ko-KR" altLang="ko-KR" sz="1300" b="0" i="0" u="none" strike="noStrike" cap="none" normalizeH="0" baseline="0" dirty="0">
+                <a:ln>
+                  <a:noFill/>
+                </a:ln>
+                <a:solidFill>
+                  <a:srgbClr val="54B33E"/>
+                </a:solidFill>
+                <a:effectLst/>
+                <a:latin typeface="Arial Unicode MS" panose="020B0604020202020204" pitchFamily="50" charset="-127"/>
+                <a:ea typeface="JetBrains Mono"/>
+              </a:rPr>
+              <a:t>"</a:t>
+            </a:r>
+            <a:r>
+              <a:rPr kumimoji="0" lang="ko-KR" altLang="ko-KR" sz="1300" b="0" i="0" u="none" strike="noStrike" cap="none" normalizeH="0" baseline="0" dirty="0">
+                <a:ln>
+                  <a:noFill/>
+                </a:ln>
+                <a:solidFill>
+                  <a:srgbClr val="54B33E"/>
+                </a:solidFill>
+                <a:effectLst/>
+                <a:latin typeface="맑은 고딕" panose="020B0503020000020004" pitchFamily="50" charset="-127"/>
+                <a:ea typeface="맑은 고딕" panose="020B0503020000020004" pitchFamily="50" charset="-127"/>
+              </a:rPr>
+              <a:t>십</a:t>
+            </a:r>
+            <a:r>
+              <a:rPr kumimoji="0" lang="ko-KR" altLang="ko-KR" sz="1300" b="0" i="0" u="none" strike="noStrike" cap="none" normalizeH="0" baseline="0" dirty="0">
+                <a:ln>
+                  <a:noFill/>
+                </a:ln>
+                <a:solidFill>
+                  <a:srgbClr val="54B33E"/>
+                </a:solidFill>
+                <a:effectLst/>
+                <a:latin typeface="Arial Unicode MS" panose="020B0604020202020204" pitchFamily="50" charset="-127"/>
+                <a:ea typeface="JetBrains Mono"/>
+              </a:rPr>
+              <a:t>"</a:t>
+            </a:r>
+            <a:r>
+              <a:rPr kumimoji="0" lang="ko-KR" altLang="ko-KR" sz="1300" b="1" i="0" u="none" strike="noStrike" cap="none" normalizeH="0" baseline="0" dirty="0">
+                <a:ln>
+                  <a:noFill/>
+                </a:ln>
+                <a:solidFill>
+                  <a:srgbClr val="ED864A"/>
+                </a:solidFill>
+                <a:effectLst/>
+                <a:latin typeface="Arial Unicode MS" panose="020B0604020202020204" pitchFamily="50" charset="-127"/>
+                <a:ea typeface="JetBrains Mono"/>
+              </a:rPr>
+              <a:t>, </a:t>
+            </a:r>
+            <a:r>
+              <a:rPr kumimoji="0" lang="ko-KR" altLang="ko-KR" sz="1300" b="0" i="0" u="none" strike="noStrike" cap="none" normalizeH="0" baseline="0" dirty="0">
+                <a:ln>
+                  <a:noFill/>
+                </a:ln>
+                <a:solidFill>
+                  <a:srgbClr val="54B33E"/>
+                </a:solidFill>
+                <a:effectLst/>
+                <a:latin typeface="Arial Unicode MS" panose="020B0604020202020204" pitchFamily="50" charset="-127"/>
+                <a:ea typeface="JetBrains Mono"/>
+              </a:rPr>
+              <a:t>"</a:t>
+            </a:r>
+            <a:r>
+              <a:rPr kumimoji="0" lang="ko-KR" altLang="ko-KR" sz="1300" b="0" i="0" u="none" strike="noStrike" cap="none" normalizeH="0" baseline="0" dirty="0">
+                <a:ln>
+                  <a:noFill/>
+                </a:ln>
+                <a:solidFill>
+                  <a:srgbClr val="54B33E"/>
+                </a:solidFill>
+                <a:effectLst/>
+                <a:latin typeface="맑은 고딕" panose="020B0503020000020004" pitchFamily="50" charset="-127"/>
+                <a:ea typeface="맑은 고딕" panose="020B0503020000020004" pitchFamily="50" charset="-127"/>
+              </a:rPr>
+              <a:t>백</a:t>
+            </a:r>
+            <a:r>
+              <a:rPr kumimoji="0" lang="ko-KR" altLang="ko-KR" sz="1300" b="0" i="0" u="none" strike="noStrike" cap="none" normalizeH="0" baseline="0" dirty="0">
+                <a:ln>
+                  <a:noFill/>
+                </a:ln>
+                <a:solidFill>
+                  <a:srgbClr val="54B33E"/>
+                </a:solidFill>
+                <a:effectLst/>
+                <a:latin typeface="Arial Unicode MS" panose="020B0604020202020204" pitchFamily="50" charset="-127"/>
+                <a:ea typeface="JetBrains Mono"/>
+              </a:rPr>
+              <a:t>"</a:t>
+            </a:r>
+            <a:r>
+              <a:rPr kumimoji="0" lang="ko-KR" altLang="ko-KR" sz="1300" b="1" i="0" u="none" strike="noStrike" cap="none" normalizeH="0" baseline="0" dirty="0">
+                <a:ln>
+                  <a:noFill/>
+                </a:ln>
+                <a:solidFill>
+                  <a:srgbClr val="ED864A"/>
+                </a:solidFill>
+                <a:effectLst/>
+                <a:latin typeface="Arial Unicode MS" panose="020B0604020202020204" pitchFamily="50" charset="-127"/>
+                <a:ea typeface="JetBrains Mono"/>
+              </a:rPr>
+              <a:t>, </a:t>
+            </a:r>
+            <a:r>
+              <a:rPr kumimoji="0" lang="ko-KR" altLang="ko-KR" sz="1300" b="0" i="0" u="none" strike="noStrike" cap="none" normalizeH="0" baseline="0" dirty="0">
+                <a:ln>
+                  <a:noFill/>
+                </a:ln>
+                <a:solidFill>
+                  <a:srgbClr val="54B33E"/>
+                </a:solidFill>
+                <a:effectLst/>
+                <a:latin typeface="Arial Unicode MS" panose="020B0604020202020204" pitchFamily="50" charset="-127"/>
+                <a:ea typeface="JetBrains Mono"/>
+              </a:rPr>
+              <a:t>"</a:t>
+            </a:r>
+            <a:r>
+              <a:rPr kumimoji="0" lang="ko-KR" altLang="ko-KR" sz="1300" b="0" i="0" u="none" strike="noStrike" cap="none" normalizeH="0" baseline="0" dirty="0">
+                <a:ln>
+                  <a:noFill/>
+                </a:ln>
+                <a:solidFill>
+                  <a:srgbClr val="54B33E"/>
+                </a:solidFill>
+                <a:effectLst/>
+                <a:latin typeface="맑은 고딕" panose="020B0503020000020004" pitchFamily="50" charset="-127"/>
+                <a:ea typeface="맑은 고딕" panose="020B0503020000020004" pitchFamily="50" charset="-127"/>
+              </a:rPr>
+              <a:t>천</a:t>
+            </a:r>
+            <a:r>
+              <a:rPr kumimoji="0" lang="ko-KR" altLang="ko-KR" sz="1300" b="0" i="0" u="none" strike="noStrike" cap="none" normalizeH="0" baseline="0" dirty="0">
+                <a:ln>
+                  <a:noFill/>
+                </a:ln>
+                <a:solidFill>
+                  <a:srgbClr val="54B33E"/>
+                </a:solidFill>
+                <a:effectLst/>
+                <a:latin typeface="Arial Unicode MS" panose="020B0604020202020204" pitchFamily="50" charset="-127"/>
+                <a:ea typeface="JetBrains Mono"/>
+              </a:rPr>
+              <a:t>"</a:t>
+            </a:r>
+            <a:r>
+              <a:rPr kumimoji="0" lang="ko-KR" altLang="ko-KR" sz="1300" b="0" i="0" u="none" strike="noStrike" cap="none" normalizeH="0" baseline="0" dirty="0">
+                <a:ln>
+                  <a:noFill/>
+                </a:ln>
+                <a:solidFill>
+                  <a:srgbClr val="EBEBEB"/>
+                </a:solidFill>
+                <a:effectLst/>
+                <a:latin typeface="Arial Unicode MS" panose="020B0604020202020204" pitchFamily="50" charset="-127"/>
+                <a:ea typeface="JetBrains Mono"/>
+              </a:rPr>
+              <a:t>}</a:t>
+            </a:r>
+            <a:r>
+              <a:rPr kumimoji="0" lang="ko-KR" altLang="ko-KR" sz="1300" b="1" i="0" u="none" strike="noStrike" cap="none" normalizeH="0" baseline="0" dirty="0">
+                <a:ln>
+                  <a:noFill/>
+                </a:ln>
+                <a:solidFill>
+                  <a:srgbClr val="ED864A"/>
+                </a:solidFill>
+                <a:effectLst/>
+                <a:latin typeface="Arial Unicode MS" panose="020B0604020202020204" pitchFamily="50" charset="-127"/>
+                <a:ea typeface="JetBrains Mono"/>
+              </a:rPr>
+              <a:t>;</a:t>
+            </a:r>
+            <a:br>
+              <a:rPr kumimoji="0" lang="ko-KR" altLang="ko-KR" sz="1300" b="1" i="0" u="none" strike="noStrike" cap="none" normalizeH="0" baseline="0" dirty="0">
+                <a:ln>
+                  <a:noFill/>
+                </a:ln>
+                <a:solidFill>
+                  <a:srgbClr val="ED864A"/>
+                </a:solidFill>
+                <a:effectLst/>
+                <a:latin typeface="Arial Unicode MS" panose="020B0604020202020204" pitchFamily="50" charset="-127"/>
+                <a:ea typeface="JetBrains Mono"/>
+              </a:rPr>
+            </a:br>
+            <a:r>
+              <a:rPr kumimoji="0" lang="ko-KR" altLang="ko-KR" sz="1300" b="1" i="0" u="none" strike="noStrike" cap="none" normalizeH="0" baseline="0" dirty="0">
+                <a:ln>
+                  <a:noFill/>
+                </a:ln>
+                <a:solidFill>
+                  <a:srgbClr val="ED864A"/>
+                </a:solidFill>
+                <a:effectLst/>
+                <a:latin typeface="Arial Unicode MS" panose="020B0604020202020204" pitchFamily="50" charset="-127"/>
+                <a:ea typeface="JetBrains Mono"/>
+              </a:rPr>
+              <a:t>        </a:t>
+            </a:r>
+            <a:r>
+              <a:rPr kumimoji="0" lang="ko-KR" altLang="ko-KR" sz="1300" b="0" i="0" u="none" strike="noStrike" cap="none" normalizeH="0" baseline="0" dirty="0" err="1">
+                <a:ln>
+                  <a:noFill/>
+                </a:ln>
+                <a:solidFill>
+                  <a:srgbClr val="FFFFFF"/>
+                </a:solidFill>
+                <a:effectLst/>
+                <a:latin typeface="Arial Unicode MS" panose="020B0604020202020204" pitchFamily="50" charset="-127"/>
+                <a:ea typeface="JetBrains Mono"/>
+              </a:rPr>
+              <a:t>String</a:t>
+            </a:r>
+            <a:r>
+              <a:rPr kumimoji="0" lang="ko-KR" altLang="ko-KR" sz="1300" b="0" i="0" u="none" strike="noStrike" cap="none" normalizeH="0" baseline="0" dirty="0">
+                <a:ln>
+                  <a:noFill/>
+                </a:ln>
+                <a:solidFill>
+                  <a:srgbClr val="EBEBEB"/>
+                </a:solidFill>
+                <a:effectLst/>
+                <a:latin typeface="Arial Unicode MS" panose="020B0604020202020204" pitchFamily="50" charset="-127"/>
+                <a:ea typeface="JetBrains Mono"/>
+              </a:rPr>
+              <a:t>[] </a:t>
+            </a:r>
+            <a:r>
+              <a:rPr kumimoji="0" lang="ko-KR" altLang="ko-KR" sz="1300" b="0" i="0" u="none" strike="noStrike" cap="none" normalizeH="0" baseline="0" dirty="0">
+                <a:ln>
+                  <a:noFill/>
+                </a:ln>
+                <a:solidFill>
+                  <a:srgbClr val="FFFFFF"/>
+                </a:solidFill>
+                <a:effectLst/>
+                <a:latin typeface="Arial Unicode MS" panose="020B0604020202020204" pitchFamily="50" charset="-127"/>
+                <a:ea typeface="JetBrains Mono"/>
+              </a:rPr>
+              <a:t>han3 </a:t>
+            </a:r>
+            <a:r>
+              <a:rPr kumimoji="0" lang="ko-KR" altLang="ko-KR" sz="1300" b="0" i="0" u="none" strike="noStrike" cap="none" normalizeH="0" baseline="0" dirty="0">
+                <a:ln>
+                  <a:noFill/>
+                </a:ln>
+                <a:solidFill>
+                  <a:srgbClr val="EBEBEB"/>
+                </a:solidFill>
+                <a:effectLst/>
+                <a:latin typeface="Arial Unicode MS" panose="020B0604020202020204" pitchFamily="50" charset="-127"/>
+                <a:ea typeface="JetBrains Mono"/>
+              </a:rPr>
+              <a:t>= {</a:t>
+            </a:r>
+            <a:r>
+              <a:rPr kumimoji="0" lang="ko-KR" altLang="ko-KR" sz="1300" b="0" i="0" u="none" strike="noStrike" cap="none" normalizeH="0" baseline="0" dirty="0">
+                <a:ln>
+                  <a:noFill/>
+                </a:ln>
+                <a:solidFill>
+                  <a:srgbClr val="54B33E"/>
+                </a:solidFill>
+                <a:effectLst/>
+                <a:latin typeface="Arial Unicode MS" panose="020B0604020202020204" pitchFamily="50" charset="-127"/>
+                <a:ea typeface="JetBrains Mono"/>
+              </a:rPr>
+              <a:t>""</a:t>
+            </a:r>
+            <a:r>
+              <a:rPr kumimoji="0" lang="ko-KR" altLang="ko-KR" sz="1300" b="1" i="0" u="none" strike="noStrike" cap="none" normalizeH="0" baseline="0" dirty="0">
+                <a:ln>
+                  <a:noFill/>
+                </a:ln>
+                <a:solidFill>
+                  <a:srgbClr val="ED864A"/>
+                </a:solidFill>
+                <a:effectLst/>
+                <a:latin typeface="Arial Unicode MS" panose="020B0604020202020204" pitchFamily="50" charset="-127"/>
+                <a:ea typeface="JetBrains Mono"/>
+              </a:rPr>
+              <a:t>, </a:t>
+            </a:r>
+            <a:r>
+              <a:rPr kumimoji="0" lang="ko-KR" altLang="ko-KR" sz="1300" b="0" i="0" u="none" strike="noStrike" cap="none" normalizeH="0" baseline="0" dirty="0">
+                <a:ln>
+                  <a:noFill/>
+                </a:ln>
+                <a:solidFill>
+                  <a:srgbClr val="54B33E"/>
+                </a:solidFill>
+                <a:effectLst/>
+                <a:latin typeface="Arial Unicode MS" panose="020B0604020202020204" pitchFamily="50" charset="-127"/>
+                <a:ea typeface="JetBrains Mono"/>
+              </a:rPr>
+              <a:t>"</a:t>
+            </a:r>
+            <a:r>
+              <a:rPr kumimoji="0" lang="ko-KR" altLang="ko-KR" sz="1300" b="0" i="0" u="none" strike="noStrike" cap="none" normalizeH="0" baseline="0" dirty="0">
+                <a:ln>
+                  <a:noFill/>
+                </a:ln>
+                <a:solidFill>
+                  <a:srgbClr val="54B33E"/>
+                </a:solidFill>
+                <a:effectLst/>
+                <a:latin typeface="맑은 고딕" panose="020B0503020000020004" pitchFamily="50" charset="-127"/>
+                <a:ea typeface="맑은 고딕" panose="020B0503020000020004" pitchFamily="50" charset="-127"/>
+              </a:rPr>
+              <a:t>만</a:t>
+            </a:r>
+            <a:r>
+              <a:rPr kumimoji="0" lang="ko-KR" altLang="ko-KR" sz="1300" b="0" i="0" u="none" strike="noStrike" cap="none" normalizeH="0" baseline="0" dirty="0">
+                <a:ln>
+                  <a:noFill/>
+                </a:ln>
+                <a:solidFill>
+                  <a:srgbClr val="54B33E"/>
+                </a:solidFill>
+                <a:effectLst/>
+                <a:latin typeface="Arial Unicode MS" panose="020B0604020202020204" pitchFamily="50" charset="-127"/>
+                <a:ea typeface="JetBrains Mono"/>
+              </a:rPr>
+              <a:t>"</a:t>
+            </a:r>
+            <a:r>
+              <a:rPr kumimoji="0" lang="ko-KR" altLang="ko-KR" sz="1300" b="1" i="0" u="none" strike="noStrike" cap="none" normalizeH="0" baseline="0" dirty="0">
+                <a:ln>
+                  <a:noFill/>
+                </a:ln>
+                <a:solidFill>
+                  <a:srgbClr val="ED864A"/>
+                </a:solidFill>
+                <a:effectLst/>
+                <a:latin typeface="Arial Unicode MS" panose="020B0604020202020204" pitchFamily="50" charset="-127"/>
+                <a:ea typeface="JetBrains Mono"/>
+              </a:rPr>
+              <a:t>, </a:t>
+            </a:r>
+            <a:r>
+              <a:rPr kumimoji="0" lang="ko-KR" altLang="ko-KR" sz="1300" b="0" i="0" u="none" strike="noStrike" cap="none" normalizeH="0" baseline="0" dirty="0">
+                <a:ln>
+                  <a:noFill/>
+                </a:ln>
+                <a:solidFill>
+                  <a:srgbClr val="54B33E"/>
+                </a:solidFill>
+                <a:effectLst/>
+                <a:latin typeface="Arial Unicode MS" panose="020B0604020202020204" pitchFamily="50" charset="-127"/>
+                <a:ea typeface="JetBrains Mono"/>
+              </a:rPr>
+              <a:t>"</a:t>
+            </a:r>
+            <a:r>
+              <a:rPr kumimoji="0" lang="ko-KR" altLang="ko-KR" sz="1300" b="0" i="0" u="none" strike="noStrike" cap="none" normalizeH="0" baseline="0" dirty="0">
+                <a:ln>
+                  <a:noFill/>
+                </a:ln>
+                <a:solidFill>
+                  <a:srgbClr val="54B33E"/>
+                </a:solidFill>
+                <a:effectLst/>
+                <a:latin typeface="맑은 고딕" panose="020B0503020000020004" pitchFamily="50" charset="-127"/>
+                <a:ea typeface="맑은 고딕" panose="020B0503020000020004" pitchFamily="50" charset="-127"/>
+              </a:rPr>
+              <a:t>억</a:t>
+            </a:r>
+            <a:r>
+              <a:rPr kumimoji="0" lang="ko-KR" altLang="ko-KR" sz="1300" b="0" i="0" u="none" strike="noStrike" cap="none" normalizeH="0" baseline="0" dirty="0">
+                <a:ln>
+                  <a:noFill/>
+                </a:ln>
+                <a:solidFill>
+                  <a:srgbClr val="54B33E"/>
+                </a:solidFill>
+                <a:effectLst/>
+                <a:latin typeface="Arial Unicode MS" panose="020B0604020202020204" pitchFamily="50" charset="-127"/>
+                <a:ea typeface="JetBrains Mono"/>
+              </a:rPr>
+              <a:t>"</a:t>
+            </a:r>
+            <a:r>
+              <a:rPr kumimoji="0" lang="ko-KR" altLang="ko-KR" sz="1300" b="1" i="0" u="none" strike="noStrike" cap="none" normalizeH="0" baseline="0" dirty="0">
+                <a:ln>
+                  <a:noFill/>
+                </a:ln>
+                <a:solidFill>
+                  <a:srgbClr val="ED864A"/>
+                </a:solidFill>
+                <a:effectLst/>
+                <a:latin typeface="Arial Unicode MS" panose="020B0604020202020204" pitchFamily="50" charset="-127"/>
+                <a:ea typeface="JetBrains Mono"/>
+              </a:rPr>
+              <a:t>, </a:t>
+            </a:r>
+            <a:r>
+              <a:rPr kumimoji="0" lang="ko-KR" altLang="ko-KR" sz="1300" b="0" i="0" u="none" strike="noStrike" cap="none" normalizeH="0" baseline="0" dirty="0">
+                <a:ln>
+                  <a:noFill/>
+                </a:ln>
+                <a:solidFill>
+                  <a:srgbClr val="54B33E"/>
+                </a:solidFill>
+                <a:effectLst/>
+                <a:latin typeface="Arial Unicode MS" panose="020B0604020202020204" pitchFamily="50" charset="-127"/>
+                <a:ea typeface="JetBrains Mono"/>
+              </a:rPr>
+              <a:t>"</a:t>
+            </a:r>
+            <a:r>
+              <a:rPr kumimoji="0" lang="ko-KR" altLang="ko-KR" sz="1300" b="0" i="0" u="none" strike="noStrike" cap="none" normalizeH="0" baseline="0" dirty="0">
+                <a:ln>
+                  <a:noFill/>
+                </a:ln>
+                <a:solidFill>
+                  <a:srgbClr val="54B33E"/>
+                </a:solidFill>
+                <a:effectLst/>
+                <a:latin typeface="맑은 고딕" panose="020B0503020000020004" pitchFamily="50" charset="-127"/>
+                <a:ea typeface="맑은 고딕" panose="020B0503020000020004" pitchFamily="50" charset="-127"/>
+              </a:rPr>
+              <a:t>조</a:t>
+            </a:r>
+            <a:r>
+              <a:rPr kumimoji="0" lang="ko-KR" altLang="ko-KR" sz="1300" b="0" i="0" u="none" strike="noStrike" cap="none" normalizeH="0" baseline="0" dirty="0">
+                <a:ln>
+                  <a:noFill/>
+                </a:ln>
+                <a:solidFill>
+                  <a:srgbClr val="54B33E"/>
+                </a:solidFill>
+                <a:effectLst/>
+                <a:latin typeface="Arial Unicode MS" panose="020B0604020202020204" pitchFamily="50" charset="-127"/>
+                <a:ea typeface="JetBrains Mono"/>
+              </a:rPr>
+              <a:t>"</a:t>
+            </a:r>
+            <a:r>
+              <a:rPr kumimoji="0" lang="ko-KR" altLang="ko-KR" sz="1300" b="1" i="0" u="none" strike="noStrike" cap="none" normalizeH="0" baseline="0" dirty="0">
+                <a:ln>
+                  <a:noFill/>
+                </a:ln>
+                <a:solidFill>
+                  <a:srgbClr val="ED864A"/>
+                </a:solidFill>
+                <a:effectLst/>
+                <a:latin typeface="Arial Unicode MS" panose="020B0604020202020204" pitchFamily="50" charset="-127"/>
+                <a:ea typeface="JetBrains Mono"/>
+              </a:rPr>
+              <a:t>, </a:t>
+            </a:r>
+            <a:r>
+              <a:rPr kumimoji="0" lang="ko-KR" altLang="ko-KR" sz="1300" b="0" i="0" u="none" strike="noStrike" cap="none" normalizeH="0" baseline="0" dirty="0">
+                <a:ln>
+                  <a:noFill/>
+                </a:ln>
+                <a:solidFill>
+                  <a:srgbClr val="54B33E"/>
+                </a:solidFill>
+                <a:effectLst/>
+                <a:latin typeface="Arial Unicode MS" panose="020B0604020202020204" pitchFamily="50" charset="-127"/>
+                <a:ea typeface="JetBrains Mono"/>
+              </a:rPr>
+              <a:t>"</a:t>
+            </a:r>
+            <a:r>
+              <a:rPr kumimoji="0" lang="ko-KR" altLang="ko-KR" sz="1300" b="0" i="0" u="none" strike="noStrike" cap="none" normalizeH="0" baseline="0" dirty="0">
+                <a:ln>
+                  <a:noFill/>
+                </a:ln>
+                <a:solidFill>
+                  <a:srgbClr val="54B33E"/>
+                </a:solidFill>
+                <a:effectLst/>
+                <a:latin typeface="맑은 고딕" panose="020B0503020000020004" pitchFamily="50" charset="-127"/>
+                <a:ea typeface="맑은 고딕" panose="020B0503020000020004" pitchFamily="50" charset="-127"/>
+              </a:rPr>
+              <a:t>경</a:t>
+            </a:r>
+            <a:r>
+              <a:rPr kumimoji="0" lang="ko-KR" altLang="ko-KR" sz="1300" b="0" i="0" u="none" strike="noStrike" cap="none" normalizeH="0" baseline="0" dirty="0">
+                <a:ln>
+                  <a:noFill/>
+                </a:ln>
+                <a:solidFill>
+                  <a:srgbClr val="54B33E"/>
+                </a:solidFill>
+                <a:effectLst/>
+                <a:latin typeface="Arial Unicode MS" panose="020B0604020202020204" pitchFamily="50" charset="-127"/>
+                <a:ea typeface="JetBrains Mono"/>
+              </a:rPr>
+              <a:t>"</a:t>
+            </a:r>
+            <a:r>
+              <a:rPr kumimoji="0" lang="ko-KR" altLang="ko-KR" sz="1300" b="0" i="0" u="none" strike="noStrike" cap="none" normalizeH="0" baseline="0" dirty="0">
+                <a:ln>
+                  <a:noFill/>
+                </a:ln>
+                <a:solidFill>
+                  <a:srgbClr val="EBEBEB"/>
+                </a:solidFill>
+                <a:effectLst/>
+                <a:latin typeface="Arial Unicode MS" panose="020B0604020202020204" pitchFamily="50" charset="-127"/>
+                <a:ea typeface="JetBrains Mono"/>
+              </a:rPr>
+              <a:t>}</a:t>
+            </a:r>
+            <a:r>
+              <a:rPr kumimoji="0" lang="ko-KR" altLang="ko-KR" sz="1300" b="1" i="0" u="none" strike="noStrike" cap="none" normalizeH="0" baseline="0" dirty="0">
+                <a:ln>
+                  <a:noFill/>
+                </a:ln>
+                <a:solidFill>
+                  <a:srgbClr val="ED864A"/>
+                </a:solidFill>
+                <a:effectLst/>
+                <a:latin typeface="Arial Unicode MS" panose="020B0604020202020204" pitchFamily="50" charset="-127"/>
+                <a:ea typeface="JetBrains Mono"/>
+              </a:rPr>
+              <a:t>;</a:t>
+            </a:r>
+            <a:br>
+              <a:rPr kumimoji="0" lang="ko-KR" altLang="ko-KR" sz="1300" b="1" i="0" u="none" strike="noStrike" cap="none" normalizeH="0" baseline="0" dirty="0">
+                <a:ln>
+                  <a:noFill/>
+                </a:ln>
+                <a:solidFill>
+                  <a:srgbClr val="ED864A"/>
+                </a:solidFill>
+                <a:effectLst/>
+                <a:latin typeface="Arial Unicode MS" panose="020B0604020202020204" pitchFamily="50" charset="-127"/>
+                <a:ea typeface="JetBrains Mono"/>
+              </a:rPr>
+            </a:br>
+            <a:r>
+              <a:rPr kumimoji="0" lang="ko-KR" altLang="ko-KR" sz="1300" b="1" i="0" u="none" strike="noStrike" cap="none" normalizeH="0" baseline="0" dirty="0">
+                <a:ln>
+                  <a:noFill/>
+                </a:ln>
+                <a:solidFill>
+                  <a:srgbClr val="ED864A"/>
+                </a:solidFill>
+                <a:effectLst/>
+                <a:latin typeface="Arial Unicode MS" panose="020B0604020202020204" pitchFamily="50" charset="-127"/>
+                <a:ea typeface="JetBrains Mono"/>
+              </a:rPr>
+              <a:t>        </a:t>
+            </a:r>
+            <a:r>
+              <a:rPr kumimoji="0" lang="ko-KR" altLang="ko-KR" sz="1300" b="0" i="0" u="none" strike="noStrike" cap="none" normalizeH="0" baseline="0" dirty="0" err="1">
+                <a:ln>
+                  <a:noFill/>
+                </a:ln>
+                <a:solidFill>
+                  <a:srgbClr val="FFFFFF"/>
+                </a:solidFill>
+                <a:effectLst/>
+                <a:latin typeface="Arial Unicode MS" panose="020B0604020202020204" pitchFamily="50" charset="-127"/>
+                <a:ea typeface="JetBrains Mono"/>
+              </a:rPr>
+              <a:t>StringBuilder</a:t>
+            </a:r>
+            <a:r>
+              <a:rPr kumimoji="0" lang="ko-KR" altLang="ko-KR" sz="1300" b="0" i="0" u="none" strike="noStrike" cap="none" normalizeH="0" baseline="0" dirty="0">
+                <a:ln>
+                  <a:noFill/>
+                </a:ln>
+                <a:solidFill>
+                  <a:srgbClr val="FFFFFF"/>
+                </a:solidFill>
+                <a:effectLst/>
+                <a:latin typeface="Arial Unicode MS" panose="020B0604020202020204" pitchFamily="50" charset="-127"/>
+                <a:ea typeface="JetBrains Mono"/>
+              </a:rPr>
+              <a:t> </a:t>
+            </a:r>
+            <a:r>
+              <a:rPr kumimoji="0" lang="ko-KR" altLang="ko-KR" sz="1300" b="0" i="0" u="none" strike="noStrike" cap="none" normalizeH="0" baseline="0" dirty="0" err="1">
+                <a:ln>
+                  <a:noFill/>
+                </a:ln>
+                <a:solidFill>
+                  <a:srgbClr val="FFFFFF"/>
+                </a:solidFill>
+                <a:effectLst/>
+                <a:latin typeface="Arial Unicode MS" panose="020B0604020202020204" pitchFamily="50" charset="-127"/>
+                <a:ea typeface="JetBrains Mono"/>
+              </a:rPr>
+              <a:t>result</a:t>
+            </a:r>
+            <a:r>
+              <a:rPr kumimoji="0" lang="ko-KR" altLang="ko-KR" sz="1300" b="0" i="0" u="none" strike="noStrike" cap="none" normalizeH="0" baseline="0" dirty="0">
+                <a:ln>
+                  <a:noFill/>
+                </a:ln>
+                <a:solidFill>
+                  <a:srgbClr val="FFFFFF"/>
+                </a:solidFill>
+                <a:effectLst/>
+                <a:latin typeface="Arial Unicode MS" panose="020B0604020202020204" pitchFamily="50" charset="-127"/>
+                <a:ea typeface="JetBrains Mono"/>
+              </a:rPr>
+              <a:t> </a:t>
+            </a:r>
+            <a:r>
+              <a:rPr kumimoji="0" lang="ko-KR" altLang="ko-KR" sz="1300" b="0" i="0" u="none" strike="noStrike" cap="none" normalizeH="0" baseline="0" dirty="0">
+                <a:ln>
+                  <a:noFill/>
+                </a:ln>
+                <a:solidFill>
+                  <a:srgbClr val="EBEBEB"/>
+                </a:solidFill>
+                <a:effectLst/>
+                <a:latin typeface="Arial Unicode MS" panose="020B0604020202020204" pitchFamily="50" charset="-127"/>
+                <a:ea typeface="JetBrains Mono"/>
+              </a:rPr>
+              <a:t>= </a:t>
+            </a:r>
+            <a:r>
+              <a:rPr kumimoji="0" lang="ko-KR" altLang="ko-KR" sz="1300" b="0" i="0" u="none" strike="noStrike" cap="none" normalizeH="0" baseline="0" dirty="0" err="1">
+                <a:ln>
+                  <a:noFill/>
+                </a:ln>
+                <a:solidFill>
+                  <a:srgbClr val="ED864A"/>
+                </a:solidFill>
+                <a:effectLst/>
+                <a:latin typeface="Arial Unicode MS" panose="020B0604020202020204" pitchFamily="50" charset="-127"/>
+                <a:ea typeface="JetBrains Mono"/>
+              </a:rPr>
+              <a:t>new</a:t>
+            </a:r>
+            <a:r>
+              <a:rPr kumimoji="0" lang="ko-KR" altLang="ko-KR" sz="1300" b="0" i="0" u="none" strike="noStrike" cap="none" normalizeH="0" baseline="0" dirty="0">
+                <a:ln>
+                  <a:noFill/>
+                </a:ln>
+                <a:solidFill>
+                  <a:srgbClr val="ED864A"/>
+                </a:solidFill>
+                <a:effectLst/>
+                <a:latin typeface="Arial Unicode MS" panose="020B0604020202020204" pitchFamily="50" charset="-127"/>
+                <a:ea typeface="JetBrains Mono"/>
+              </a:rPr>
+              <a:t> </a:t>
+            </a:r>
+            <a:r>
+              <a:rPr kumimoji="0" lang="ko-KR" altLang="ko-KR" sz="1300" b="0" i="0" u="none" strike="noStrike" cap="none" normalizeH="0" baseline="0" dirty="0" err="1">
+                <a:ln>
+                  <a:noFill/>
+                </a:ln>
+                <a:solidFill>
+                  <a:srgbClr val="EBEBEB"/>
+                </a:solidFill>
+                <a:effectLst/>
+                <a:latin typeface="Arial Unicode MS" panose="020B0604020202020204" pitchFamily="50" charset="-127"/>
+                <a:ea typeface="JetBrains Mono"/>
+              </a:rPr>
+              <a:t>StringBuilder</a:t>
+            </a:r>
+            <a:r>
+              <a:rPr kumimoji="0" lang="ko-KR" altLang="ko-KR" sz="1300" b="0" i="0" u="none" strike="noStrike" cap="none" normalizeH="0" baseline="0" dirty="0">
+                <a:ln>
+                  <a:noFill/>
+                </a:ln>
+                <a:solidFill>
+                  <a:srgbClr val="EBEBEB"/>
+                </a:solidFill>
+                <a:effectLst/>
+                <a:latin typeface="Arial Unicode MS" panose="020B0604020202020204" pitchFamily="50" charset="-127"/>
+                <a:ea typeface="JetBrains Mono"/>
+              </a:rPr>
+              <a:t>()</a:t>
+            </a:r>
+            <a:r>
+              <a:rPr kumimoji="0" lang="ko-KR" altLang="ko-KR" sz="1300" b="1" i="0" u="none" strike="noStrike" cap="none" normalizeH="0" baseline="0" dirty="0">
+                <a:ln>
+                  <a:noFill/>
+                </a:ln>
+                <a:solidFill>
+                  <a:srgbClr val="ED864A"/>
+                </a:solidFill>
+                <a:effectLst/>
+                <a:latin typeface="Arial Unicode MS" panose="020B0604020202020204" pitchFamily="50" charset="-127"/>
+                <a:ea typeface="JetBrains Mono"/>
+              </a:rPr>
+              <a:t>;</a:t>
+            </a:r>
+            <a:br>
+              <a:rPr kumimoji="0" lang="ko-KR" altLang="ko-KR" sz="1300" b="1" i="0" u="none" strike="noStrike" cap="none" normalizeH="0" baseline="0" dirty="0">
+                <a:ln>
+                  <a:noFill/>
+                </a:ln>
+                <a:solidFill>
+                  <a:srgbClr val="ED864A"/>
+                </a:solidFill>
+                <a:effectLst/>
+                <a:latin typeface="Arial Unicode MS" panose="020B0604020202020204" pitchFamily="50" charset="-127"/>
+                <a:ea typeface="JetBrains Mono"/>
+              </a:rPr>
+            </a:br>
+            <a:r>
+              <a:rPr kumimoji="0" lang="ko-KR" altLang="ko-KR" sz="1300" b="1" i="0" u="none" strike="noStrike" cap="none" normalizeH="0" baseline="0" dirty="0">
+                <a:ln>
+                  <a:noFill/>
+                </a:ln>
+                <a:solidFill>
+                  <a:srgbClr val="ED864A"/>
+                </a:solidFill>
+                <a:effectLst/>
+                <a:latin typeface="Arial Unicode MS" panose="020B0604020202020204" pitchFamily="50" charset="-127"/>
+                <a:ea typeface="JetBrains Mono"/>
+              </a:rPr>
+              <a:t>        </a:t>
+            </a:r>
+            <a:r>
+              <a:rPr kumimoji="0" lang="ko-KR" altLang="ko-KR" sz="1300" b="0" i="0" u="none" strike="noStrike" cap="none" normalizeH="0" baseline="0" dirty="0" err="1">
+                <a:ln>
+                  <a:noFill/>
+                </a:ln>
+                <a:solidFill>
+                  <a:srgbClr val="ED864A"/>
+                </a:solidFill>
+                <a:effectLst/>
+                <a:latin typeface="Arial Unicode MS" panose="020B0604020202020204" pitchFamily="50" charset="-127"/>
+                <a:ea typeface="JetBrains Mono"/>
+              </a:rPr>
+              <a:t>int</a:t>
+            </a:r>
+            <a:r>
+              <a:rPr kumimoji="0" lang="ko-KR" altLang="ko-KR" sz="1300" b="0" i="0" u="none" strike="noStrike" cap="none" normalizeH="0" baseline="0" dirty="0">
+                <a:ln>
+                  <a:noFill/>
+                </a:ln>
+                <a:solidFill>
+                  <a:srgbClr val="ED864A"/>
+                </a:solidFill>
+                <a:effectLst/>
+                <a:latin typeface="Arial Unicode MS" panose="020B0604020202020204" pitchFamily="50" charset="-127"/>
+                <a:ea typeface="JetBrains Mono"/>
+              </a:rPr>
+              <a:t> </a:t>
+            </a:r>
+            <a:r>
+              <a:rPr kumimoji="0" lang="ko-KR" altLang="ko-KR" sz="1300" b="0" i="0" u="none" strike="noStrike" cap="none" normalizeH="0" baseline="0" dirty="0" err="1">
+                <a:ln>
+                  <a:noFill/>
+                </a:ln>
+                <a:solidFill>
+                  <a:srgbClr val="FFFFFF"/>
+                </a:solidFill>
+                <a:effectLst/>
+                <a:latin typeface="Arial Unicode MS" panose="020B0604020202020204" pitchFamily="50" charset="-127"/>
+                <a:ea typeface="JetBrains Mono"/>
+              </a:rPr>
+              <a:t>len</a:t>
+            </a:r>
+            <a:r>
+              <a:rPr kumimoji="0" lang="ko-KR" altLang="ko-KR" sz="1300" b="0" i="0" u="none" strike="noStrike" cap="none" normalizeH="0" baseline="0" dirty="0">
+                <a:ln>
+                  <a:noFill/>
+                </a:ln>
+                <a:solidFill>
+                  <a:srgbClr val="FFFFFF"/>
+                </a:solidFill>
+                <a:effectLst/>
+                <a:latin typeface="Arial Unicode MS" panose="020B0604020202020204" pitchFamily="50" charset="-127"/>
+                <a:ea typeface="JetBrains Mono"/>
+              </a:rPr>
+              <a:t> </a:t>
+            </a:r>
+            <a:r>
+              <a:rPr kumimoji="0" lang="ko-KR" altLang="ko-KR" sz="1300" b="0" i="0" u="none" strike="noStrike" cap="none" normalizeH="0" baseline="0" dirty="0">
+                <a:ln>
+                  <a:noFill/>
+                </a:ln>
+                <a:solidFill>
+                  <a:srgbClr val="EBEBEB"/>
+                </a:solidFill>
+                <a:effectLst/>
+                <a:latin typeface="Arial Unicode MS" panose="020B0604020202020204" pitchFamily="50" charset="-127"/>
+                <a:ea typeface="JetBrains Mono"/>
+              </a:rPr>
+              <a:t>= </a:t>
+            </a:r>
+            <a:r>
+              <a:rPr kumimoji="0" lang="ko-KR" altLang="ko-KR" sz="1300" b="0" i="0" u="none" strike="noStrike" cap="none" normalizeH="0" baseline="0" dirty="0" err="1">
+                <a:ln>
+                  <a:noFill/>
+                </a:ln>
+                <a:solidFill>
+                  <a:srgbClr val="FFFFFF"/>
+                </a:solidFill>
+                <a:effectLst/>
+                <a:latin typeface="Arial Unicode MS" panose="020B0604020202020204" pitchFamily="50" charset="-127"/>
+                <a:ea typeface="JetBrains Mono"/>
+              </a:rPr>
+              <a:t>number</a:t>
+            </a:r>
+            <a:r>
+              <a:rPr kumimoji="0" lang="ko-KR" altLang="ko-KR" sz="1300" b="0" i="0" u="none" strike="noStrike" cap="none" normalizeH="0" baseline="0" dirty="0" err="1">
+                <a:ln>
+                  <a:noFill/>
+                </a:ln>
+                <a:solidFill>
+                  <a:srgbClr val="EBEBEB"/>
+                </a:solidFill>
+                <a:effectLst/>
+                <a:latin typeface="Arial Unicode MS" panose="020B0604020202020204" pitchFamily="50" charset="-127"/>
+                <a:ea typeface="JetBrains Mono"/>
+              </a:rPr>
+              <a:t>.length</a:t>
+            </a:r>
+            <a:r>
+              <a:rPr kumimoji="0" lang="ko-KR" altLang="ko-KR" sz="1300" b="0" i="0" u="none" strike="noStrike" cap="none" normalizeH="0" baseline="0" dirty="0">
+                <a:ln>
+                  <a:noFill/>
+                </a:ln>
+                <a:solidFill>
+                  <a:srgbClr val="EBEBEB"/>
+                </a:solidFill>
+                <a:effectLst/>
+                <a:latin typeface="Arial Unicode MS" panose="020B0604020202020204" pitchFamily="50" charset="-127"/>
+                <a:ea typeface="JetBrains Mono"/>
+              </a:rPr>
+              <a:t>()</a:t>
+            </a:r>
+            <a:r>
+              <a:rPr kumimoji="0" lang="ko-KR" altLang="ko-KR" sz="1300" b="1" i="0" u="none" strike="noStrike" cap="none" normalizeH="0" baseline="0" dirty="0">
+                <a:ln>
+                  <a:noFill/>
+                </a:ln>
+                <a:solidFill>
+                  <a:srgbClr val="ED864A"/>
+                </a:solidFill>
+                <a:effectLst/>
+                <a:latin typeface="Arial Unicode MS" panose="020B0604020202020204" pitchFamily="50" charset="-127"/>
+                <a:ea typeface="JetBrains Mono"/>
+              </a:rPr>
+              <a:t>;</a:t>
+            </a:r>
+            <a:br>
+              <a:rPr kumimoji="0" lang="ko-KR" altLang="ko-KR" sz="1300" b="1" i="0" u="none" strike="noStrike" cap="none" normalizeH="0" baseline="0" dirty="0">
+                <a:ln>
+                  <a:noFill/>
+                </a:ln>
+                <a:solidFill>
+                  <a:srgbClr val="ED864A"/>
+                </a:solidFill>
+                <a:effectLst/>
+                <a:latin typeface="Arial Unicode MS" panose="020B0604020202020204" pitchFamily="50" charset="-127"/>
+                <a:ea typeface="JetBrains Mono"/>
+              </a:rPr>
+            </a:br>
+            <a:r>
+              <a:rPr kumimoji="0" lang="ko-KR" altLang="ko-KR" sz="1300" b="1" i="0" u="none" strike="noStrike" cap="none" normalizeH="0" baseline="0" dirty="0">
+                <a:ln>
+                  <a:noFill/>
+                </a:ln>
+                <a:solidFill>
+                  <a:srgbClr val="ED864A"/>
+                </a:solidFill>
+                <a:effectLst/>
+                <a:latin typeface="Arial Unicode MS" panose="020B0604020202020204" pitchFamily="50" charset="-127"/>
+                <a:ea typeface="JetBrains Mono"/>
+              </a:rPr>
+              <a:t>        </a:t>
+            </a:r>
+            <a:r>
+              <a:rPr kumimoji="0" lang="ko-KR" altLang="ko-KR" sz="1300" b="0" i="0" u="none" strike="noStrike" cap="none" normalizeH="0" baseline="0" dirty="0" err="1">
+                <a:ln>
+                  <a:noFill/>
+                </a:ln>
+                <a:solidFill>
+                  <a:srgbClr val="ED864A"/>
+                </a:solidFill>
+                <a:effectLst/>
+                <a:latin typeface="Arial Unicode MS" panose="020B0604020202020204" pitchFamily="50" charset="-127"/>
+                <a:ea typeface="JetBrains Mono"/>
+              </a:rPr>
+              <a:t>long</a:t>
+            </a:r>
+            <a:r>
+              <a:rPr kumimoji="0" lang="ko-KR" altLang="ko-KR" sz="1300" b="0" i="0" u="none" strike="noStrike" cap="none" normalizeH="0" baseline="0" dirty="0">
+                <a:ln>
+                  <a:noFill/>
+                </a:ln>
+                <a:solidFill>
+                  <a:srgbClr val="ED864A"/>
+                </a:solidFill>
+                <a:effectLst/>
+                <a:latin typeface="Arial Unicode MS" panose="020B0604020202020204" pitchFamily="50" charset="-127"/>
+                <a:ea typeface="JetBrains Mono"/>
+              </a:rPr>
+              <a:t> </a:t>
+            </a:r>
+            <a:r>
+              <a:rPr kumimoji="0" lang="ko-KR" altLang="ko-KR" sz="1300" b="0" i="0" u="none" strike="noStrike" cap="none" normalizeH="0" baseline="0" dirty="0" err="1">
+                <a:ln>
+                  <a:noFill/>
+                </a:ln>
+                <a:solidFill>
+                  <a:srgbClr val="FFFFFF"/>
+                </a:solidFill>
+                <a:effectLst/>
+                <a:latin typeface="Arial Unicode MS" panose="020B0604020202020204" pitchFamily="50" charset="-127"/>
+                <a:ea typeface="JetBrains Mono"/>
+              </a:rPr>
+              <a:t>nowInt</a:t>
+            </a:r>
+            <a:r>
+              <a:rPr kumimoji="0" lang="ko-KR" altLang="ko-KR" sz="1300" b="0" i="0" u="none" strike="noStrike" cap="none" normalizeH="0" baseline="0" dirty="0">
+                <a:ln>
+                  <a:noFill/>
+                </a:ln>
+                <a:solidFill>
+                  <a:srgbClr val="FFFFFF"/>
+                </a:solidFill>
+                <a:effectLst/>
+                <a:latin typeface="Arial Unicode MS" panose="020B0604020202020204" pitchFamily="50" charset="-127"/>
+                <a:ea typeface="JetBrains Mono"/>
+              </a:rPr>
+              <a:t> </a:t>
+            </a:r>
+            <a:r>
+              <a:rPr kumimoji="0" lang="ko-KR" altLang="ko-KR" sz="1300" b="0" i="0" u="none" strike="noStrike" cap="none" normalizeH="0" baseline="0" dirty="0">
+                <a:ln>
+                  <a:noFill/>
+                </a:ln>
+                <a:solidFill>
+                  <a:srgbClr val="EBEBEB"/>
+                </a:solidFill>
+                <a:effectLst/>
+                <a:latin typeface="Arial Unicode MS" panose="020B0604020202020204" pitchFamily="50" charset="-127"/>
+                <a:ea typeface="JetBrains Mono"/>
+              </a:rPr>
+              <a:t>= </a:t>
+            </a:r>
+            <a:r>
+              <a:rPr kumimoji="0" lang="ko-KR" altLang="ko-KR" sz="1300" b="1" i="0" u="none" strike="noStrike" cap="none" normalizeH="0" baseline="0" dirty="0">
+                <a:ln>
+                  <a:noFill/>
+                </a:ln>
+                <a:solidFill>
+                  <a:srgbClr val="33CCFF"/>
+                </a:solidFill>
+                <a:effectLst/>
+                <a:latin typeface="Arial Unicode MS" panose="020B0604020202020204" pitchFamily="50" charset="-127"/>
+                <a:ea typeface="JetBrains Mono"/>
+              </a:rPr>
+              <a:t>0</a:t>
+            </a:r>
+            <a:r>
+              <a:rPr kumimoji="0" lang="ko-KR" altLang="ko-KR" sz="1300" b="1" i="0" u="none" strike="noStrike" cap="none" normalizeH="0" baseline="0" dirty="0">
+                <a:ln>
+                  <a:noFill/>
+                </a:ln>
+                <a:solidFill>
+                  <a:srgbClr val="ED864A"/>
+                </a:solidFill>
+                <a:effectLst/>
+                <a:latin typeface="Arial Unicode MS" panose="020B0604020202020204" pitchFamily="50" charset="-127"/>
+                <a:ea typeface="JetBrains Mono"/>
+              </a:rPr>
+              <a:t>;</a:t>
+            </a:r>
+            <a:br>
+              <a:rPr kumimoji="0" lang="ko-KR" altLang="ko-KR" sz="1300" b="1" i="0" u="none" strike="noStrike" cap="none" normalizeH="0" baseline="0" dirty="0">
+                <a:ln>
+                  <a:noFill/>
+                </a:ln>
+                <a:solidFill>
+                  <a:srgbClr val="ED864A"/>
+                </a:solidFill>
+                <a:effectLst/>
+                <a:latin typeface="Arial Unicode MS" panose="020B0604020202020204" pitchFamily="50" charset="-127"/>
+                <a:ea typeface="JetBrains Mono"/>
+              </a:rPr>
+            </a:br>
+            <a:r>
+              <a:rPr kumimoji="0" lang="ko-KR" altLang="ko-KR" sz="1300" b="1" i="0" u="none" strike="noStrike" cap="none" normalizeH="0" baseline="0" dirty="0">
+                <a:ln>
+                  <a:noFill/>
+                </a:ln>
+                <a:solidFill>
+                  <a:srgbClr val="ED864A"/>
+                </a:solidFill>
+                <a:effectLst/>
+                <a:latin typeface="Arial Unicode MS" panose="020B0604020202020204" pitchFamily="50" charset="-127"/>
+                <a:ea typeface="JetBrains Mono"/>
+              </a:rPr>
+              <a:t>        </a:t>
+            </a:r>
+            <a:r>
+              <a:rPr kumimoji="0" lang="ko-KR" altLang="ko-KR" sz="1300" b="0" i="0" u="none" strike="noStrike" cap="none" normalizeH="0" baseline="0" dirty="0" err="1">
+                <a:ln>
+                  <a:noFill/>
+                </a:ln>
+                <a:solidFill>
+                  <a:srgbClr val="ED864A"/>
+                </a:solidFill>
+                <a:effectLst/>
+                <a:latin typeface="Arial Unicode MS" panose="020B0604020202020204" pitchFamily="50" charset="-127"/>
+                <a:ea typeface="JetBrains Mono"/>
+              </a:rPr>
+              <a:t>boolean</a:t>
+            </a:r>
+            <a:r>
+              <a:rPr kumimoji="0" lang="ko-KR" altLang="ko-KR" sz="1300" b="0" i="0" u="none" strike="noStrike" cap="none" normalizeH="0" baseline="0" dirty="0">
+                <a:ln>
+                  <a:noFill/>
+                </a:ln>
+                <a:solidFill>
+                  <a:srgbClr val="ED864A"/>
+                </a:solidFill>
+                <a:effectLst/>
+                <a:latin typeface="Arial Unicode MS" panose="020B0604020202020204" pitchFamily="50" charset="-127"/>
+                <a:ea typeface="JetBrains Mono"/>
+              </a:rPr>
+              <a:t> </a:t>
+            </a:r>
+            <a:r>
+              <a:rPr kumimoji="0" lang="ko-KR" altLang="ko-KR" sz="1300" b="0" i="0" u="none" strike="noStrike" cap="none" normalizeH="0" baseline="0" dirty="0">
+                <a:ln>
+                  <a:noFill/>
+                </a:ln>
+                <a:solidFill>
+                  <a:srgbClr val="FFFFFF"/>
+                </a:solidFill>
+                <a:effectLst/>
+                <a:latin typeface="Arial Unicode MS" panose="020B0604020202020204" pitchFamily="50" charset="-127"/>
+                <a:ea typeface="JetBrains Mono"/>
+              </a:rPr>
+              <a:t>hasHan3 </a:t>
+            </a:r>
+            <a:r>
+              <a:rPr kumimoji="0" lang="ko-KR" altLang="ko-KR" sz="1300" b="0" i="0" u="none" strike="noStrike" cap="none" normalizeH="0" baseline="0" dirty="0">
+                <a:ln>
+                  <a:noFill/>
+                </a:ln>
+                <a:solidFill>
+                  <a:srgbClr val="EBEBEB"/>
+                </a:solidFill>
+                <a:effectLst/>
+                <a:latin typeface="Arial Unicode MS" panose="020B0604020202020204" pitchFamily="50" charset="-127"/>
+                <a:ea typeface="JetBrains Mono"/>
+              </a:rPr>
+              <a:t>= </a:t>
+            </a:r>
+            <a:r>
+              <a:rPr kumimoji="0" lang="ko-KR" altLang="ko-KR" sz="1300" b="0" i="0" u="none" strike="noStrike" cap="none" normalizeH="0" baseline="0" dirty="0" err="1">
+                <a:ln>
+                  <a:noFill/>
+                </a:ln>
+                <a:solidFill>
+                  <a:srgbClr val="ED864A"/>
+                </a:solidFill>
+                <a:effectLst/>
+                <a:latin typeface="Arial Unicode MS" panose="020B0604020202020204" pitchFamily="50" charset="-127"/>
+                <a:ea typeface="JetBrains Mono"/>
+              </a:rPr>
+              <a:t>false</a:t>
+            </a:r>
+            <a:r>
+              <a:rPr kumimoji="0" lang="ko-KR" altLang="ko-KR" sz="1300" b="1" i="0" u="none" strike="noStrike" cap="none" normalizeH="0" baseline="0" dirty="0">
+                <a:ln>
+                  <a:noFill/>
+                </a:ln>
+                <a:solidFill>
+                  <a:srgbClr val="ED864A"/>
+                </a:solidFill>
+                <a:effectLst/>
+                <a:latin typeface="Arial Unicode MS" panose="020B0604020202020204" pitchFamily="50" charset="-127"/>
+                <a:ea typeface="JetBrains Mono"/>
+              </a:rPr>
+              <a:t>;</a:t>
+            </a:r>
+            <a:br>
+              <a:rPr kumimoji="0" lang="ko-KR" altLang="ko-KR" sz="1300" b="1" i="0" u="none" strike="noStrike" cap="none" normalizeH="0" baseline="0" dirty="0">
+                <a:ln>
+                  <a:noFill/>
+                </a:ln>
+                <a:solidFill>
+                  <a:srgbClr val="ED864A"/>
+                </a:solidFill>
+                <a:effectLst/>
+                <a:latin typeface="Arial Unicode MS" panose="020B0604020202020204" pitchFamily="50" charset="-127"/>
+                <a:ea typeface="JetBrains Mono"/>
+              </a:rPr>
+            </a:br>
+            <a:br>
+              <a:rPr kumimoji="0" lang="ko-KR" altLang="ko-KR" sz="1300" b="1" i="0" u="none" strike="noStrike" cap="none" normalizeH="0" baseline="0" dirty="0">
+                <a:ln>
+                  <a:noFill/>
+                </a:ln>
+                <a:solidFill>
+                  <a:srgbClr val="ED864A"/>
+                </a:solidFill>
+                <a:effectLst/>
+                <a:latin typeface="Arial Unicode MS" panose="020B0604020202020204" pitchFamily="50" charset="-127"/>
+                <a:ea typeface="JetBrains Mono"/>
+              </a:rPr>
+            </a:br>
+            <a:r>
+              <a:rPr kumimoji="0" lang="ko-KR" altLang="ko-KR" sz="1300" b="1" i="0" u="none" strike="noStrike" cap="none" normalizeH="0" baseline="0" dirty="0">
+                <a:ln>
+                  <a:noFill/>
+                </a:ln>
+                <a:solidFill>
+                  <a:srgbClr val="ED864A"/>
+                </a:solidFill>
+                <a:effectLst/>
+                <a:latin typeface="Arial Unicode MS" panose="020B0604020202020204" pitchFamily="50" charset="-127"/>
+                <a:ea typeface="JetBrains Mono"/>
+              </a:rPr>
+              <a:t>        </a:t>
+            </a:r>
+            <a:r>
+              <a:rPr kumimoji="0" lang="ko-KR" altLang="ko-KR" sz="1300" b="0" i="0" u="none" strike="noStrike" cap="none" normalizeH="0" baseline="0" dirty="0" err="1">
+                <a:ln>
+                  <a:noFill/>
+                </a:ln>
+                <a:solidFill>
+                  <a:srgbClr val="ED864A"/>
+                </a:solidFill>
+                <a:effectLst/>
+                <a:latin typeface="Arial Unicode MS" panose="020B0604020202020204" pitchFamily="50" charset="-127"/>
+                <a:ea typeface="JetBrains Mono"/>
+              </a:rPr>
+              <a:t>for</a:t>
+            </a:r>
+            <a:r>
+              <a:rPr kumimoji="0" lang="ko-KR" altLang="ko-KR" sz="1300" b="0" i="0" u="none" strike="noStrike" cap="none" normalizeH="0" baseline="0" dirty="0">
+                <a:ln>
+                  <a:noFill/>
+                </a:ln>
+                <a:solidFill>
+                  <a:srgbClr val="ED864A"/>
+                </a:solidFill>
+                <a:effectLst/>
+                <a:latin typeface="Arial Unicode MS" panose="020B0604020202020204" pitchFamily="50" charset="-127"/>
+                <a:ea typeface="JetBrains Mono"/>
+              </a:rPr>
+              <a:t> </a:t>
+            </a:r>
+            <a:r>
+              <a:rPr kumimoji="0" lang="ko-KR" altLang="ko-KR" sz="1300" b="0" i="0" u="none" strike="noStrike" cap="none" normalizeH="0" baseline="0" dirty="0">
+                <a:ln>
+                  <a:noFill/>
+                </a:ln>
+                <a:solidFill>
+                  <a:srgbClr val="EBEBEB"/>
+                </a:solidFill>
+                <a:effectLst/>
+                <a:latin typeface="Arial Unicode MS" panose="020B0604020202020204" pitchFamily="50" charset="-127"/>
+                <a:ea typeface="JetBrains Mono"/>
+              </a:rPr>
+              <a:t>(</a:t>
+            </a:r>
+            <a:r>
+              <a:rPr kumimoji="0" lang="ko-KR" altLang="ko-KR" sz="1300" b="0" i="0" u="none" strike="noStrike" cap="none" normalizeH="0" baseline="0" dirty="0" err="1">
+                <a:ln>
+                  <a:noFill/>
+                </a:ln>
+                <a:solidFill>
+                  <a:srgbClr val="ED864A"/>
+                </a:solidFill>
+                <a:effectLst/>
+                <a:latin typeface="Arial Unicode MS" panose="020B0604020202020204" pitchFamily="50" charset="-127"/>
+                <a:ea typeface="JetBrains Mono"/>
+              </a:rPr>
+              <a:t>int</a:t>
+            </a:r>
+            <a:r>
+              <a:rPr kumimoji="0" lang="ko-KR" altLang="ko-KR" sz="1300" b="0" i="0" u="none" strike="noStrike" cap="none" normalizeH="0" baseline="0" dirty="0">
+                <a:ln>
+                  <a:noFill/>
+                </a:ln>
+                <a:solidFill>
+                  <a:srgbClr val="ED864A"/>
+                </a:solidFill>
+                <a:effectLst/>
+                <a:latin typeface="Arial Unicode MS" panose="020B0604020202020204" pitchFamily="50" charset="-127"/>
+                <a:ea typeface="JetBrains Mono"/>
+              </a:rPr>
+              <a:t> </a:t>
+            </a:r>
+            <a:r>
+              <a:rPr kumimoji="0" lang="ko-KR" altLang="ko-KR" sz="1300" b="0" i="0" u="none" strike="noStrike" cap="none" normalizeH="0" baseline="0" dirty="0" err="1">
+                <a:ln>
+                  <a:noFill/>
+                </a:ln>
+                <a:solidFill>
+                  <a:srgbClr val="FFFFFF"/>
+                </a:solidFill>
+                <a:effectLst/>
+                <a:latin typeface="Arial Unicode MS" panose="020B0604020202020204" pitchFamily="50" charset="-127"/>
+                <a:ea typeface="JetBrains Mono"/>
+              </a:rPr>
+              <a:t>i</a:t>
+            </a:r>
+            <a:r>
+              <a:rPr kumimoji="0" lang="ko-KR" altLang="ko-KR" sz="1300" b="0" i="0" u="none" strike="noStrike" cap="none" normalizeH="0" baseline="0" dirty="0">
+                <a:ln>
+                  <a:noFill/>
+                </a:ln>
+                <a:solidFill>
+                  <a:srgbClr val="FFFFFF"/>
+                </a:solidFill>
+                <a:effectLst/>
+                <a:latin typeface="Arial Unicode MS" panose="020B0604020202020204" pitchFamily="50" charset="-127"/>
+                <a:ea typeface="JetBrains Mono"/>
+              </a:rPr>
+              <a:t> </a:t>
+            </a:r>
+            <a:r>
+              <a:rPr kumimoji="0" lang="ko-KR" altLang="ko-KR" sz="1300" b="0" i="0" u="none" strike="noStrike" cap="none" normalizeH="0" baseline="0" dirty="0">
+                <a:ln>
+                  <a:noFill/>
+                </a:ln>
+                <a:solidFill>
+                  <a:srgbClr val="EBEBEB"/>
+                </a:solidFill>
+                <a:effectLst/>
+                <a:latin typeface="Arial Unicode MS" panose="020B0604020202020204" pitchFamily="50" charset="-127"/>
+                <a:ea typeface="JetBrains Mono"/>
+              </a:rPr>
+              <a:t>= </a:t>
+            </a:r>
+            <a:r>
+              <a:rPr kumimoji="0" lang="ko-KR" altLang="ko-KR" sz="1300" b="0" i="0" u="none" strike="noStrike" cap="none" normalizeH="0" baseline="0" dirty="0" err="1">
+                <a:ln>
+                  <a:noFill/>
+                </a:ln>
+                <a:solidFill>
+                  <a:srgbClr val="FFFFFF"/>
+                </a:solidFill>
+                <a:effectLst/>
+                <a:latin typeface="Arial Unicode MS" panose="020B0604020202020204" pitchFamily="50" charset="-127"/>
+                <a:ea typeface="JetBrains Mono"/>
+              </a:rPr>
+              <a:t>len</a:t>
+            </a:r>
+            <a:r>
+              <a:rPr kumimoji="0" lang="ko-KR" altLang="ko-KR" sz="1300" b="1" i="0" u="none" strike="noStrike" cap="none" normalizeH="0" baseline="0" dirty="0">
+                <a:ln>
+                  <a:noFill/>
+                </a:ln>
+                <a:solidFill>
+                  <a:srgbClr val="ED864A"/>
+                </a:solidFill>
+                <a:effectLst/>
+                <a:latin typeface="Arial Unicode MS" panose="020B0604020202020204" pitchFamily="50" charset="-127"/>
+                <a:ea typeface="JetBrains Mono"/>
+              </a:rPr>
+              <a:t>; </a:t>
+            </a:r>
+            <a:r>
+              <a:rPr kumimoji="0" lang="ko-KR" altLang="ko-KR" sz="1300" b="0" i="0" u="none" strike="noStrike" cap="none" normalizeH="0" baseline="0" dirty="0" err="1">
+                <a:ln>
+                  <a:noFill/>
+                </a:ln>
+                <a:solidFill>
+                  <a:srgbClr val="FFFFFF"/>
+                </a:solidFill>
+                <a:effectLst/>
+                <a:latin typeface="Arial Unicode MS" panose="020B0604020202020204" pitchFamily="50" charset="-127"/>
+                <a:ea typeface="JetBrains Mono"/>
+              </a:rPr>
+              <a:t>i</a:t>
+            </a:r>
+            <a:r>
+              <a:rPr kumimoji="0" lang="ko-KR" altLang="ko-KR" sz="1300" b="0" i="0" u="none" strike="noStrike" cap="none" normalizeH="0" baseline="0" dirty="0">
+                <a:ln>
+                  <a:noFill/>
+                </a:ln>
+                <a:solidFill>
+                  <a:srgbClr val="FFFFFF"/>
+                </a:solidFill>
+                <a:effectLst/>
+                <a:latin typeface="Arial Unicode MS" panose="020B0604020202020204" pitchFamily="50" charset="-127"/>
+                <a:ea typeface="JetBrains Mono"/>
+              </a:rPr>
+              <a:t> </a:t>
+            </a:r>
+            <a:r>
+              <a:rPr kumimoji="0" lang="ko-KR" altLang="ko-KR" sz="1300" b="0" i="0" u="none" strike="noStrike" cap="none" normalizeH="0" baseline="0" dirty="0">
+                <a:ln>
+                  <a:noFill/>
+                </a:ln>
+                <a:solidFill>
+                  <a:srgbClr val="EBEBEB"/>
+                </a:solidFill>
+                <a:effectLst/>
+                <a:latin typeface="Arial Unicode MS" panose="020B0604020202020204" pitchFamily="50" charset="-127"/>
+                <a:ea typeface="JetBrains Mono"/>
+              </a:rPr>
+              <a:t>&gt; </a:t>
+            </a:r>
+            <a:r>
+              <a:rPr kumimoji="0" lang="ko-KR" altLang="ko-KR" sz="1300" b="1" i="0" u="none" strike="noStrike" cap="none" normalizeH="0" baseline="0" dirty="0">
+                <a:ln>
+                  <a:noFill/>
+                </a:ln>
+                <a:solidFill>
+                  <a:srgbClr val="33CCFF"/>
+                </a:solidFill>
+                <a:effectLst/>
+                <a:latin typeface="Arial Unicode MS" panose="020B0604020202020204" pitchFamily="50" charset="-127"/>
+                <a:ea typeface="JetBrains Mono"/>
+              </a:rPr>
+              <a:t>0</a:t>
+            </a:r>
+            <a:r>
+              <a:rPr kumimoji="0" lang="ko-KR" altLang="ko-KR" sz="1300" b="1" i="0" u="none" strike="noStrike" cap="none" normalizeH="0" baseline="0" dirty="0">
+                <a:ln>
+                  <a:noFill/>
+                </a:ln>
+                <a:solidFill>
+                  <a:srgbClr val="ED864A"/>
+                </a:solidFill>
+                <a:effectLst/>
+                <a:latin typeface="Arial Unicode MS" panose="020B0604020202020204" pitchFamily="50" charset="-127"/>
+                <a:ea typeface="JetBrains Mono"/>
+              </a:rPr>
+              <a:t>; </a:t>
+            </a:r>
+            <a:r>
+              <a:rPr kumimoji="0" lang="ko-KR" altLang="ko-KR" sz="1300" b="0" i="0" u="none" strike="noStrike" cap="none" normalizeH="0" baseline="0" dirty="0" err="1">
+                <a:ln>
+                  <a:noFill/>
+                </a:ln>
+                <a:solidFill>
+                  <a:srgbClr val="FFFFFF"/>
+                </a:solidFill>
+                <a:effectLst/>
+                <a:latin typeface="Arial Unicode MS" panose="020B0604020202020204" pitchFamily="50" charset="-127"/>
+                <a:ea typeface="JetBrains Mono"/>
+              </a:rPr>
+              <a:t>i</a:t>
+            </a:r>
+            <a:r>
+              <a:rPr kumimoji="0" lang="ko-KR" altLang="ko-KR" sz="1300" b="0" i="0" u="none" strike="noStrike" cap="none" normalizeH="0" baseline="0" dirty="0">
+                <a:ln>
+                  <a:noFill/>
+                </a:ln>
+                <a:solidFill>
+                  <a:srgbClr val="EBEBEB"/>
+                </a:solidFill>
+                <a:effectLst/>
+                <a:latin typeface="Arial Unicode MS" panose="020B0604020202020204" pitchFamily="50" charset="-127"/>
+                <a:ea typeface="JetBrains Mono"/>
+              </a:rPr>
+              <a:t>--) {</a:t>
+            </a:r>
+            <a:br>
+              <a:rPr kumimoji="0" lang="ko-KR" altLang="ko-KR" sz="1300" b="0" i="0" u="none" strike="noStrike" cap="none" normalizeH="0" baseline="0" dirty="0">
+                <a:ln>
+                  <a:noFill/>
+                </a:ln>
+                <a:solidFill>
+                  <a:srgbClr val="EBEBEB"/>
+                </a:solidFill>
+                <a:effectLst/>
+                <a:latin typeface="Arial Unicode MS" panose="020B0604020202020204" pitchFamily="50" charset="-127"/>
+                <a:ea typeface="JetBrains Mono"/>
+              </a:rPr>
+            </a:br>
+            <a:r>
+              <a:rPr kumimoji="0" lang="ko-KR" altLang="ko-KR" sz="1300" b="0" i="0" u="none" strike="noStrike" cap="none" normalizeH="0" baseline="0" dirty="0">
+                <a:ln>
+                  <a:noFill/>
+                </a:ln>
+                <a:solidFill>
+                  <a:srgbClr val="EBEBEB"/>
+                </a:solidFill>
+                <a:effectLst/>
+                <a:latin typeface="Arial Unicode MS" panose="020B0604020202020204" pitchFamily="50" charset="-127"/>
+                <a:ea typeface="JetBrains Mono"/>
+              </a:rPr>
+              <a:t>            </a:t>
+            </a:r>
+            <a:r>
+              <a:rPr kumimoji="0" lang="ko-KR" altLang="ko-KR" sz="1300" b="0" i="0" u="none" strike="noStrike" cap="none" normalizeH="0" baseline="0" dirty="0" err="1">
+                <a:ln>
+                  <a:noFill/>
+                </a:ln>
+                <a:solidFill>
+                  <a:srgbClr val="FFFFFF"/>
+                </a:solidFill>
+                <a:effectLst/>
+                <a:latin typeface="Arial Unicode MS" panose="020B0604020202020204" pitchFamily="50" charset="-127"/>
+                <a:ea typeface="JetBrains Mono"/>
+              </a:rPr>
+              <a:t>nowInt</a:t>
+            </a:r>
+            <a:r>
+              <a:rPr kumimoji="0" lang="ko-KR" altLang="ko-KR" sz="1300" b="0" i="0" u="none" strike="noStrike" cap="none" normalizeH="0" baseline="0" dirty="0">
+                <a:ln>
+                  <a:noFill/>
+                </a:ln>
+                <a:solidFill>
+                  <a:srgbClr val="FFFFFF"/>
+                </a:solidFill>
+                <a:effectLst/>
+                <a:latin typeface="Arial Unicode MS" panose="020B0604020202020204" pitchFamily="50" charset="-127"/>
+                <a:ea typeface="JetBrains Mono"/>
+              </a:rPr>
+              <a:t> </a:t>
+            </a:r>
+            <a:r>
+              <a:rPr kumimoji="0" lang="ko-KR" altLang="ko-KR" sz="1300" b="0" i="0" u="none" strike="noStrike" cap="none" normalizeH="0" baseline="0" dirty="0">
+                <a:ln>
+                  <a:noFill/>
+                </a:ln>
+                <a:solidFill>
+                  <a:srgbClr val="EBEBEB"/>
+                </a:solidFill>
+                <a:effectLst/>
+                <a:latin typeface="Arial Unicode MS" panose="020B0604020202020204" pitchFamily="50" charset="-127"/>
+                <a:ea typeface="JetBrains Mono"/>
+              </a:rPr>
+              <a:t>= </a:t>
+            </a:r>
+            <a:r>
+              <a:rPr kumimoji="0" lang="ko-KR" altLang="ko-KR" sz="1300" b="0" i="0" u="none" strike="noStrike" cap="none" normalizeH="0" baseline="0" dirty="0" err="1">
+                <a:ln>
+                  <a:noFill/>
+                </a:ln>
+                <a:solidFill>
+                  <a:srgbClr val="FFFFFF"/>
+                </a:solidFill>
+                <a:effectLst/>
+                <a:latin typeface="Arial Unicode MS" panose="020B0604020202020204" pitchFamily="50" charset="-127"/>
+                <a:ea typeface="JetBrains Mono"/>
+              </a:rPr>
+              <a:t>Integer</a:t>
+            </a:r>
+            <a:r>
+              <a:rPr kumimoji="0" lang="ko-KR" altLang="ko-KR" sz="1300" b="0" i="0" u="none" strike="noStrike" cap="none" normalizeH="0" baseline="0" dirty="0" err="1">
+                <a:ln>
+                  <a:noFill/>
+                </a:ln>
+                <a:solidFill>
+                  <a:srgbClr val="EBEBEB"/>
+                </a:solidFill>
+                <a:effectLst/>
+                <a:latin typeface="Arial Unicode MS" panose="020B0604020202020204" pitchFamily="50" charset="-127"/>
+                <a:ea typeface="JetBrains Mono"/>
+              </a:rPr>
+              <a:t>.</a:t>
+            </a:r>
+            <a:r>
+              <a:rPr kumimoji="0" lang="ko-KR" altLang="ko-KR" sz="1300" b="0" i="1" u="none" strike="noStrike" cap="none" normalizeH="0" baseline="0" dirty="0" err="1">
+                <a:ln>
+                  <a:noFill/>
+                </a:ln>
+                <a:solidFill>
+                  <a:srgbClr val="EBEBEB"/>
+                </a:solidFill>
+                <a:effectLst/>
+                <a:latin typeface="Arial Unicode MS" panose="020B0604020202020204" pitchFamily="50" charset="-127"/>
+                <a:ea typeface="JetBrains Mono"/>
+              </a:rPr>
+              <a:t>parseInt</a:t>
+            </a:r>
+            <a:r>
+              <a:rPr kumimoji="0" lang="ko-KR" altLang="ko-KR" sz="1300" b="0" i="0" u="none" strike="noStrike" cap="none" normalizeH="0" baseline="0" dirty="0">
+                <a:ln>
+                  <a:noFill/>
+                </a:ln>
+                <a:solidFill>
+                  <a:srgbClr val="EBEBEB"/>
+                </a:solidFill>
+                <a:effectLst/>
+                <a:latin typeface="Arial Unicode MS" panose="020B0604020202020204" pitchFamily="50" charset="-127"/>
+                <a:ea typeface="JetBrains Mono"/>
+              </a:rPr>
+              <a:t>(</a:t>
+            </a:r>
+            <a:r>
+              <a:rPr kumimoji="0" lang="ko-KR" altLang="ko-KR" sz="1300" b="0" i="0" u="none" strike="noStrike" cap="none" normalizeH="0" baseline="0" dirty="0" err="1">
+                <a:ln>
+                  <a:noFill/>
+                </a:ln>
+                <a:solidFill>
+                  <a:srgbClr val="FFFFFF"/>
+                </a:solidFill>
+                <a:effectLst/>
+                <a:latin typeface="Arial Unicode MS" panose="020B0604020202020204" pitchFamily="50" charset="-127"/>
+                <a:ea typeface="JetBrains Mono"/>
+              </a:rPr>
+              <a:t>number</a:t>
+            </a:r>
+            <a:r>
+              <a:rPr kumimoji="0" lang="ko-KR" altLang="ko-KR" sz="1300" b="0" i="0" u="none" strike="noStrike" cap="none" normalizeH="0" baseline="0" dirty="0" err="1">
+                <a:ln>
+                  <a:noFill/>
+                </a:ln>
+                <a:solidFill>
+                  <a:srgbClr val="EBEBEB"/>
+                </a:solidFill>
+                <a:effectLst/>
+                <a:latin typeface="Arial Unicode MS" panose="020B0604020202020204" pitchFamily="50" charset="-127"/>
+                <a:ea typeface="JetBrains Mono"/>
+              </a:rPr>
+              <a:t>.substring</a:t>
+            </a:r>
+            <a:r>
+              <a:rPr kumimoji="0" lang="ko-KR" altLang="ko-KR" sz="1300" b="0" i="0" u="none" strike="noStrike" cap="none" normalizeH="0" baseline="0" dirty="0">
+                <a:ln>
+                  <a:noFill/>
+                </a:ln>
+                <a:solidFill>
+                  <a:srgbClr val="EBEBEB"/>
+                </a:solidFill>
+                <a:effectLst/>
+                <a:latin typeface="Arial Unicode MS" panose="020B0604020202020204" pitchFamily="50" charset="-127"/>
+                <a:ea typeface="JetBrains Mono"/>
+              </a:rPr>
+              <a:t>(</a:t>
+            </a:r>
+            <a:r>
+              <a:rPr kumimoji="0" lang="ko-KR" altLang="ko-KR" sz="1300" b="0" i="0" u="none" strike="noStrike" cap="none" normalizeH="0" baseline="0" dirty="0" err="1">
+                <a:ln>
+                  <a:noFill/>
+                </a:ln>
+                <a:solidFill>
+                  <a:srgbClr val="FFFFFF"/>
+                </a:solidFill>
+                <a:effectLst/>
+                <a:latin typeface="Arial Unicode MS" panose="020B0604020202020204" pitchFamily="50" charset="-127"/>
+                <a:ea typeface="JetBrains Mono"/>
+              </a:rPr>
+              <a:t>len</a:t>
+            </a:r>
+            <a:r>
+              <a:rPr kumimoji="0" lang="ko-KR" altLang="ko-KR" sz="1300" b="0" i="0" u="none" strike="noStrike" cap="none" normalizeH="0" baseline="0" dirty="0">
+                <a:ln>
+                  <a:noFill/>
+                </a:ln>
+                <a:solidFill>
+                  <a:srgbClr val="FFFFFF"/>
+                </a:solidFill>
+                <a:effectLst/>
+                <a:latin typeface="Arial Unicode MS" panose="020B0604020202020204" pitchFamily="50" charset="-127"/>
+                <a:ea typeface="JetBrains Mono"/>
+              </a:rPr>
+              <a:t> </a:t>
+            </a:r>
+            <a:r>
+              <a:rPr kumimoji="0" lang="ko-KR" altLang="ko-KR" sz="1300" b="0" i="0" u="none" strike="noStrike" cap="none" normalizeH="0" baseline="0" dirty="0">
+                <a:ln>
+                  <a:noFill/>
+                </a:ln>
+                <a:solidFill>
+                  <a:srgbClr val="EBEBEB"/>
+                </a:solidFill>
+                <a:effectLst/>
+                <a:latin typeface="Arial Unicode MS" panose="020B0604020202020204" pitchFamily="50" charset="-127"/>
+                <a:ea typeface="JetBrains Mono"/>
+              </a:rPr>
+              <a:t>- </a:t>
+            </a:r>
+            <a:r>
+              <a:rPr kumimoji="0" lang="ko-KR" altLang="ko-KR" sz="1300" b="0" i="0" u="none" strike="noStrike" cap="none" normalizeH="0" baseline="0" dirty="0" err="1">
+                <a:ln>
+                  <a:noFill/>
+                </a:ln>
+                <a:solidFill>
+                  <a:srgbClr val="FFFFFF"/>
+                </a:solidFill>
+                <a:effectLst/>
+                <a:latin typeface="Arial Unicode MS" panose="020B0604020202020204" pitchFamily="50" charset="-127"/>
+                <a:ea typeface="JetBrains Mono"/>
+              </a:rPr>
+              <a:t>i</a:t>
+            </a:r>
+            <a:r>
+              <a:rPr kumimoji="0" lang="ko-KR" altLang="ko-KR" sz="1300" b="1" i="0" u="none" strike="noStrike" cap="none" normalizeH="0" baseline="0" dirty="0">
+                <a:ln>
+                  <a:noFill/>
+                </a:ln>
+                <a:solidFill>
+                  <a:srgbClr val="ED864A"/>
+                </a:solidFill>
+                <a:effectLst/>
+                <a:latin typeface="Arial Unicode MS" panose="020B0604020202020204" pitchFamily="50" charset="-127"/>
+                <a:ea typeface="JetBrains Mono"/>
+              </a:rPr>
+              <a:t>, </a:t>
+            </a:r>
+            <a:r>
+              <a:rPr kumimoji="0" lang="ko-KR" altLang="ko-KR" sz="1300" b="0" i="0" u="none" strike="noStrike" cap="none" normalizeH="0" baseline="0" dirty="0" err="1">
+                <a:ln>
+                  <a:noFill/>
+                </a:ln>
+                <a:solidFill>
+                  <a:srgbClr val="FFFFFF"/>
+                </a:solidFill>
+                <a:effectLst/>
+                <a:latin typeface="Arial Unicode MS" panose="020B0604020202020204" pitchFamily="50" charset="-127"/>
+                <a:ea typeface="JetBrains Mono"/>
+              </a:rPr>
+              <a:t>len</a:t>
+            </a:r>
+            <a:r>
+              <a:rPr kumimoji="0" lang="ko-KR" altLang="ko-KR" sz="1300" b="0" i="0" u="none" strike="noStrike" cap="none" normalizeH="0" baseline="0" dirty="0">
+                <a:ln>
+                  <a:noFill/>
+                </a:ln>
+                <a:solidFill>
+                  <a:srgbClr val="FFFFFF"/>
+                </a:solidFill>
+                <a:effectLst/>
+                <a:latin typeface="Arial Unicode MS" panose="020B0604020202020204" pitchFamily="50" charset="-127"/>
+                <a:ea typeface="JetBrains Mono"/>
+              </a:rPr>
+              <a:t> </a:t>
+            </a:r>
+            <a:r>
+              <a:rPr kumimoji="0" lang="ko-KR" altLang="ko-KR" sz="1300" b="0" i="0" u="none" strike="noStrike" cap="none" normalizeH="0" baseline="0" dirty="0">
+                <a:ln>
+                  <a:noFill/>
+                </a:ln>
+                <a:solidFill>
+                  <a:srgbClr val="EBEBEB"/>
+                </a:solidFill>
+                <a:effectLst/>
+                <a:latin typeface="Arial Unicode MS" panose="020B0604020202020204" pitchFamily="50" charset="-127"/>
+                <a:ea typeface="JetBrains Mono"/>
+              </a:rPr>
+              <a:t>- </a:t>
+            </a:r>
+            <a:r>
+              <a:rPr kumimoji="0" lang="ko-KR" altLang="ko-KR" sz="1300" b="0" i="0" u="none" strike="noStrike" cap="none" normalizeH="0" baseline="0" dirty="0" err="1">
+                <a:ln>
+                  <a:noFill/>
+                </a:ln>
+                <a:solidFill>
+                  <a:srgbClr val="FFFFFF"/>
+                </a:solidFill>
+                <a:effectLst/>
+                <a:latin typeface="Arial Unicode MS" panose="020B0604020202020204" pitchFamily="50" charset="-127"/>
+                <a:ea typeface="JetBrains Mono"/>
+              </a:rPr>
+              <a:t>i</a:t>
+            </a:r>
+            <a:r>
+              <a:rPr kumimoji="0" lang="ko-KR" altLang="ko-KR" sz="1300" b="0" i="0" u="none" strike="noStrike" cap="none" normalizeH="0" baseline="0" dirty="0">
+                <a:ln>
+                  <a:noFill/>
+                </a:ln>
+                <a:solidFill>
+                  <a:srgbClr val="FFFFFF"/>
+                </a:solidFill>
+                <a:effectLst/>
+                <a:latin typeface="Arial Unicode MS" panose="020B0604020202020204" pitchFamily="50" charset="-127"/>
+                <a:ea typeface="JetBrains Mono"/>
+              </a:rPr>
+              <a:t> </a:t>
+            </a:r>
+            <a:r>
+              <a:rPr kumimoji="0" lang="ko-KR" altLang="ko-KR" sz="1300" b="0" i="0" u="none" strike="noStrike" cap="none" normalizeH="0" baseline="0" dirty="0">
+                <a:ln>
+                  <a:noFill/>
+                </a:ln>
+                <a:solidFill>
+                  <a:srgbClr val="EBEBEB"/>
+                </a:solidFill>
+                <a:effectLst/>
+                <a:latin typeface="Arial Unicode MS" panose="020B0604020202020204" pitchFamily="50" charset="-127"/>
+                <a:ea typeface="JetBrains Mono"/>
+              </a:rPr>
+              <a:t>+ </a:t>
+            </a:r>
+            <a:r>
+              <a:rPr kumimoji="0" lang="ko-KR" altLang="ko-KR" sz="1300" b="1" i="0" u="none" strike="noStrike" cap="none" normalizeH="0" baseline="0" dirty="0">
+                <a:ln>
+                  <a:noFill/>
+                </a:ln>
+                <a:solidFill>
+                  <a:srgbClr val="33CCFF"/>
+                </a:solidFill>
+                <a:effectLst/>
+                <a:latin typeface="Arial Unicode MS" panose="020B0604020202020204" pitchFamily="50" charset="-127"/>
+                <a:ea typeface="JetBrains Mono"/>
+              </a:rPr>
+              <a:t>1</a:t>
+            </a:r>
+            <a:r>
+              <a:rPr kumimoji="0" lang="ko-KR" altLang="ko-KR" sz="1300" b="0" i="0" u="none" strike="noStrike" cap="none" normalizeH="0" baseline="0" dirty="0">
+                <a:ln>
+                  <a:noFill/>
+                </a:ln>
+                <a:solidFill>
+                  <a:srgbClr val="EBEBEB"/>
+                </a:solidFill>
+                <a:effectLst/>
+                <a:latin typeface="Arial Unicode MS" panose="020B0604020202020204" pitchFamily="50" charset="-127"/>
+                <a:ea typeface="JetBrains Mono"/>
+              </a:rPr>
+              <a:t>))</a:t>
+            </a:r>
+            <a:r>
+              <a:rPr kumimoji="0" lang="ko-KR" altLang="ko-KR" sz="1300" b="1" i="0" u="none" strike="noStrike" cap="none" normalizeH="0" baseline="0" dirty="0">
+                <a:ln>
+                  <a:noFill/>
+                </a:ln>
+                <a:solidFill>
+                  <a:srgbClr val="ED864A"/>
+                </a:solidFill>
+                <a:effectLst/>
+                <a:latin typeface="Arial Unicode MS" panose="020B0604020202020204" pitchFamily="50" charset="-127"/>
+                <a:ea typeface="JetBrains Mono"/>
+              </a:rPr>
+              <a:t>;</a:t>
+            </a:r>
+            <a:br>
+              <a:rPr kumimoji="0" lang="ko-KR" altLang="ko-KR" sz="1300" b="1" i="0" u="none" strike="noStrike" cap="none" normalizeH="0" baseline="0" dirty="0">
+                <a:ln>
+                  <a:noFill/>
+                </a:ln>
+                <a:solidFill>
+                  <a:srgbClr val="ED864A"/>
+                </a:solidFill>
+                <a:effectLst/>
+                <a:latin typeface="Arial Unicode MS" panose="020B0604020202020204" pitchFamily="50" charset="-127"/>
+                <a:ea typeface="JetBrains Mono"/>
+              </a:rPr>
+            </a:br>
+            <a:r>
+              <a:rPr kumimoji="0" lang="ko-KR" altLang="ko-KR" sz="1300" b="1" i="0" u="none" strike="noStrike" cap="none" normalizeH="0" baseline="0" dirty="0">
+                <a:ln>
+                  <a:noFill/>
+                </a:ln>
+                <a:solidFill>
+                  <a:srgbClr val="ED864A"/>
+                </a:solidFill>
+                <a:effectLst/>
+                <a:latin typeface="Arial Unicode MS" panose="020B0604020202020204" pitchFamily="50" charset="-127"/>
+                <a:ea typeface="JetBrains Mono"/>
+              </a:rPr>
+              <a:t>            </a:t>
+            </a:r>
+            <a:r>
+              <a:rPr kumimoji="0" lang="ko-KR" altLang="ko-KR" sz="1300" b="0" i="0" u="none" strike="noStrike" cap="none" normalizeH="0" baseline="0" dirty="0" err="1">
+                <a:ln>
+                  <a:noFill/>
+                </a:ln>
+                <a:solidFill>
+                  <a:srgbClr val="ED864A"/>
+                </a:solidFill>
+                <a:effectLst/>
+                <a:latin typeface="Arial Unicode MS" panose="020B0604020202020204" pitchFamily="50" charset="-127"/>
+                <a:ea typeface="JetBrains Mono"/>
+              </a:rPr>
+              <a:t>int</a:t>
+            </a:r>
+            <a:r>
+              <a:rPr kumimoji="0" lang="ko-KR" altLang="ko-KR" sz="1300" b="0" i="0" u="none" strike="noStrike" cap="none" normalizeH="0" baseline="0" dirty="0">
+                <a:ln>
+                  <a:noFill/>
+                </a:ln>
+                <a:solidFill>
+                  <a:srgbClr val="ED864A"/>
+                </a:solidFill>
+                <a:effectLst/>
+                <a:latin typeface="Arial Unicode MS" panose="020B0604020202020204" pitchFamily="50" charset="-127"/>
+                <a:ea typeface="JetBrains Mono"/>
+              </a:rPr>
+              <a:t> </a:t>
+            </a:r>
+            <a:r>
+              <a:rPr kumimoji="0" lang="ko-KR" altLang="ko-KR" sz="1300" b="0" i="0" u="none" strike="noStrike" cap="none" normalizeH="0" baseline="0" dirty="0">
+                <a:ln>
+                  <a:noFill/>
+                </a:ln>
+                <a:solidFill>
+                  <a:srgbClr val="FFFFFF"/>
+                </a:solidFill>
+                <a:effectLst/>
+                <a:latin typeface="Arial Unicode MS" panose="020B0604020202020204" pitchFamily="50" charset="-127"/>
+                <a:ea typeface="JetBrains Mono"/>
+              </a:rPr>
+              <a:t>han2Pick </a:t>
+            </a:r>
+            <a:r>
+              <a:rPr kumimoji="0" lang="ko-KR" altLang="ko-KR" sz="1300" b="0" i="0" u="none" strike="noStrike" cap="none" normalizeH="0" baseline="0" dirty="0">
+                <a:ln>
+                  <a:noFill/>
+                </a:ln>
+                <a:solidFill>
+                  <a:srgbClr val="EBEBEB"/>
+                </a:solidFill>
+                <a:effectLst/>
+                <a:latin typeface="Arial Unicode MS" panose="020B0604020202020204" pitchFamily="50" charset="-127"/>
+                <a:ea typeface="JetBrains Mono"/>
+              </a:rPr>
+              <a:t>= (</a:t>
+            </a:r>
+            <a:r>
+              <a:rPr kumimoji="0" lang="ko-KR" altLang="ko-KR" sz="1300" b="0" i="0" u="none" strike="noStrike" cap="none" normalizeH="0" baseline="0" dirty="0" err="1">
+                <a:ln>
+                  <a:noFill/>
+                </a:ln>
+                <a:solidFill>
+                  <a:srgbClr val="FFFFFF"/>
+                </a:solidFill>
+                <a:effectLst/>
+                <a:latin typeface="Arial Unicode MS" panose="020B0604020202020204" pitchFamily="50" charset="-127"/>
+                <a:ea typeface="JetBrains Mono"/>
+              </a:rPr>
+              <a:t>i</a:t>
+            </a:r>
+            <a:r>
+              <a:rPr kumimoji="0" lang="ko-KR" altLang="ko-KR" sz="1300" b="0" i="0" u="none" strike="noStrike" cap="none" normalizeH="0" baseline="0" dirty="0">
+                <a:ln>
+                  <a:noFill/>
+                </a:ln>
+                <a:solidFill>
+                  <a:srgbClr val="FFFFFF"/>
+                </a:solidFill>
+                <a:effectLst/>
+                <a:latin typeface="Arial Unicode MS" panose="020B0604020202020204" pitchFamily="50" charset="-127"/>
+                <a:ea typeface="JetBrains Mono"/>
+              </a:rPr>
+              <a:t> </a:t>
+            </a:r>
+            <a:r>
+              <a:rPr kumimoji="0" lang="ko-KR" altLang="ko-KR" sz="1300" b="0" i="0" u="none" strike="noStrike" cap="none" normalizeH="0" baseline="0" dirty="0">
+                <a:ln>
+                  <a:noFill/>
+                </a:ln>
+                <a:solidFill>
+                  <a:srgbClr val="EBEBEB"/>
+                </a:solidFill>
+                <a:effectLst/>
+                <a:latin typeface="Arial Unicode MS" panose="020B0604020202020204" pitchFamily="50" charset="-127"/>
+                <a:ea typeface="JetBrains Mono"/>
+              </a:rPr>
+              <a:t>- </a:t>
+            </a:r>
+            <a:r>
+              <a:rPr kumimoji="0" lang="ko-KR" altLang="ko-KR" sz="1300" b="1" i="0" u="none" strike="noStrike" cap="none" normalizeH="0" baseline="0" dirty="0">
+                <a:ln>
+                  <a:noFill/>
+                </a:ln>
+                <a:solidFill>
+                  <a:srgbClr val="33CCFF"/>
+                </a:solidFill>
+                <a:effectLst/>
+                <a:latin typeface="Arial Unicode MS" panose="020B0604020202020204" pitchFamily="50" charset="-127"/>
+                <a:ea typeface="JetBrains Mono"/>
+              </a:rPr>
+              <a:t>1</a:t>
+            </a:r>
+            <a:r>
+              <a:rPr kumimoji="0" lang="ko-KR" altLang="ko-KR" sz="1300" b="0" i="0" u="none" strike="noStrike" cap="none" normalizeH="0" baseline="0" dirty="0">
+                <a:ln>
+                  <a:noFill/>
+                </a:ln>
+                <a:solidFill>
+                  <a:srgbClr val="EBEBEB"/>
+                </a:solidFill>
+                <a:effectLst/>
+                <a:latin typeface="Arial Unicode MS" panose="020B0604020202020204" pitchFamily="50" charset="-127"/>
+                <a:ea typeface="JetBrains Mono"/>
+              </a:rPr>
+              <a:t>) % </a:t>
+            </a:r>
+            <a:r>
+              <a:rPr kumimoji="0" lang="ko-KR" altLang="ko-KR" sz="1300" b="1" i="0" u="none" strike="noStrike" cap="none" normalizeH="0" baseline="0" dirty="0">
+                <a:ln>
+                  <a:noFill/>
+                </a:ln>
+                <a:solidFill>
+                  <a:srgbClr val="33CCFF"/>
+                </a:solidFill>
+                <a:effectLst/>
+                <a:latin typeface="Arial Unicode MS" panose="020B0604020202020204" pitchFamily="50" charset="-127"/>
+                <a:ea typeface="JetBrains Mono"/>
+              </a:rPr>
+              <a:t>4</a:t>
+            </a:r>
+            <a:r>
+              <a:rPr kumimoji="0" lang="ko-KR" altLang="ko-KR" sz="1300" b="1" i="0" u="none" strike="noStrike" cap="none" normalizeH="0" baseline="0" dirty="0">
+                <a:ln>
+                  <a:noFill/>
+                </a:ln>
+                <a:solidFill>
+                  <a:srgbClr val="ED864A"/>
+                </a:solidFill>
+                <a:effectLst/>
+                <a:latin typeface="Arial Unicode MS" panose="020B0604020202020204" pitchFamily="50" charset="-127"/>
+                <a:ea typeface="JetBrains Mono"/>
+              </a:rPr>
+              <a:t>;</a:t>
+            </a:r>
+            <a:br>
+              <a:rPr kumimoji="0" lang="ko-KR" altLang="ko-KR" sz="1300" b="1" i="0" u="none" strike="noStrike" cap="none" normalizeH="0" baseline="0" dirty="0">
+                <a:ln>
+                  <a:noFill/>
+                </a:ln>
+                <a:solidFill>
+                  <a:srgbClr val="ED864A"/>
+                </a:solidFill>
+                <a:effectLst/>
+                <a:latin typeface="Arial Unicode MS" panose="020B0604020202020204" pitchFamily="50" charset="-127"/>
+                <a:ea typeface="JetBrains Mono"/>
+              </a:rPr>
+            </a:br>
+            <a:br>
+              <a:rPr kumimoji="0" lang="ko-KR" altLang="ko-KR" sz="1300" b="1" i="0" u="none" strike="noStrike" cap="none" normalizeH="0" baseline="0" dirty="0">
+                <a:ln>
+                  <a:noFill/>
+                </a:ln>
+                <a:solidFill>
+                  <a:srgbClr val="ED864A"/>
+                </a:solidFill>
+                <a:effectLst/>
+                <a:latin typeface="Arial Unicode MS" panose="020B0604020202020204" pitchFamily="50" charset="-127"/>
+                <a:ea typeface="JetBrains Mono"/>
+              </a:rPr>
+            </a:br>
+            <a:r>
+              <a:rPr kumimoji="0" lang="ko-KR" altLang="ko-KR" sz="1300" b="1" i="0" u="none" strike="noStrike" cap="none" normalizeH="0" baseline="0" dirty="0">
+                <a:ln>
+                  <a:noFill/>
+                </a:ln>
+                <a:solidFill>
+                  <a:srgbClr val="ED864A"/>
+                </a:solidFill>
+                <a:effectLst/>
+                <a:latin typeface="Arial Unicode MS" panose="020B0604020202020204" pitchFamily="50" charset="-127"/>
+                <a:ea typeface="JetBrains Mono"/>
+              </a:rPr>
+              <a:t>            </a:t>
+            </a:r>
+            <a:r>
+              <a:rPr kumimoji="0" lang="ko-KR" altLang="ko-KR" sz="1300" b="0" i="0" u="none" strike="noStrike" cap="none" normalizeH="0" baseline="0" dirty="0" err="1">
+                <a:ln>
+                  <a:noFill/>
+                </a:ln>
+                <a:solidFill>
+                  <a:srgbClr val="ED864A"/>
+                </a:solidFill>
+                <a:effectLst/>
+                <a:latin typeface="Arial Unicode MS" panose="020B0604020202020204" pitchFamily="50" charset="-127"/>
+                <a:ea typeface="JetBrains Mono"/>
+              </a:rPr>
+              <a:t>if</a:t>
+            </a:r>
+            <a:r>
+              <a:rPr kumimoji="0" lang="ko-KR" altLang="ko-KR" sz="1300" b="0" i="0" u="none" strike="noStrike" cap="none" normalizeH="0" baseline="0" dirty="0">
+                <a:ln>
+                  <a:noFill/>
+                </a:ln>
+                <a:solidFill>
+                  <a:srgbClr val="ED864A"/>
+                </a:solidFill>
+                <a:effectLst/>
+                <a:latin typeface="Arial Unicode MS" panose="020B0604020202020204" pitchFamily="50" charset="-127"/>
+                <a:ea typeface="JetBrains Mono"/>
+              </a:rPr>
+              <a:t> </a:t>
+            </a:r>
+            <a:r>
+              <a:rPr kumimoji="0" lang="ko-KR" altLang="ko-KR" sz="1300" b="0" i="0" u="none" strike="noStrike" cap="none" normalizeH="0" baseline="0" dirty="0">
+                <a:ln>
+                  <a:noFill/>
+                </a:ln>
+                <a:solidFill>
+                  <a:srgbClr val="EBEBEB"/>
+                </a:solidFill>
+                <a:effectLst/>
+                <a:latin typeface="Arial Unicode MS" panose="020B0604020202020204" pitchFamily="50" charset="-127"/>
+                <a:ea typeface="JetBrains Mono"/>
+              </a:rPr>
+              <a:t>(</a:t>
+            </a:r>
+            <a:r>
+              <a:rPr kumimoji="0" lang="ko-KR" altLang="ko-KR" sz="1300" b="0" i="0" u="none" strike="noStrike" cap="none" normalizeH="0" baseline="0" dirty="0" err="1">
+                <a:ln>
+                  <a:noFill/>
+                </a:ln>
+                <a:solidFill>
+                  <a:srgbClr val="FFFFFF"/>
+                </a:solidFill>
+                <a:effectLst/>
+                <a:latin typeface="Arial Unicode MS" panose="020B0604020202020204" pitchFamily="50" charset="-127"/>
+                <a:ea typeface="JetBrains Mono"/>
+              </a:rPr>
+              <a:t>nowInt</a:t>
+            </a:r>
+            <a:r>
+              <a:rPr kumimoji="0" lang="ko-KR" altLang="ko-KR" sz="1300" b="0" i="0" u="none" strike="noStrike" cap="none" normalizeH="0" baseline="0" dirty="0">
+                <a:ln>
+                  <a:noFill/>
+                </a:ln>
+                <a:solidFill>
+                  <a:srgbClr val="FFFFFF"/>
+                </a:solidFill>
+                <a:effectLst/>
+                <a:latin typeface="Arial Unicode MS" panose="020B0604020202020204" pitchFamily="50" charset="-127"/>
+                <a:ea typeface="JetBrains Mono"/>
+              </a:rPr>
+              <a:t> </a:t>
+            </a:r>
+            <a:r>
+              <a:rPr kumimoji="0" lang="ko-KR" altLang="ko-KR" sz="1300" b="0" i="0" u="none" strike="noStrike" cap="none" normalizeH="0" baseline="0" dirty="0">
+                <a:ln>
+                  <a:noFill/>
+                </a:ln>
+                <a:solidFill>
+                  <a:srgbClr val="EBEBEB"/>
+                </a:solidFill>
+                <a:effectLst/>
+                <a:latin typeface="Arial Unicode MS" panose="020B0604020202020204" pitchFamily="50" charset="-127"/>
+                <a:ea typeface="JetBrains Mono"/>
+              </a:rPr>
+              <a:t>&gt; </a:t>
+            </a:r>
+            <a:r>
+              <a:rPr kumimoji="0" lang="ko-KR" altLang="ko-KR" sz="1300" b="1" i="0" u="none" strike="noStrike" cap="none" normalizeH="0" baseline="0" dirty="0">
+                <a:ln>
+                  <a:noFill/>
+                </a:ln>
+                <a:solidFill>
+                  <a:srgbClr val="33CCFF"/>
+                </a:solidFill>
+                <a:effectLst/>
+                <a:latin typeface="Arial Unicode MS" panose="020B0604020202020204" pitchFamily="50" charset="-127"/>
+                <a:ea typeface="JetBrains Mono"/>
+              </a:rPr>
+              <a:t>0</a:t>
+            </a:r>
+            <a:r>
+              <a:rPr kumimoji="0" lang="ko-KR" altLang="ko-KR" sz="1300" b="0" i="0" u="none" strike="noStrike" cap="none" normalizeH="0" baseline="0" dirty="0">
+                <a:ln>
+                  <a:noFill/>
+                </a:ln>
+                <a:solidFill>
+                  <a:srgbClr val="EBEBEB"/>
+                </a:solidFill>
+                <a:effectLst/>
+                <a:latin typeface="Arial Unicode MS" panose="020B0604020202020204" pitchFamily="50" charset="-127"/>
+                <a:ea typeface="JetBrains Mono"/>
+              </a:rPr>
+              <a:t>) {</a:t>
+            </a:r>
+            <a:br>
+              <a:rPr kumimoji="0" lang="ko-KR" altLang="ko-KR" sz="1300" b="0" i="0" u="none" strike="noStrike" cap="none" normalizeH="0" baseline="0" dirty="0">
+                <a:ln>
+                  <a:noFill/>
+                </a:ln>
+                <a:solidFill>
+                  <a:srgbClr val="EBEBEB"/>
+                </a:solidFill>
+                <a:effectLst/>
+                <a:latin typeface="Arial Unicode MS" panose="020B0604020202020204" pitchFamily="50" charset="-127"/>
+                <a:ea typeface="JetBrains Mono"/>
+              </a:rPr>
+            </a:br>
+            <a:r>
+              <a:rPr kumimoji="0" lang="ko-KR" altLang="ko-KR" sz="1300" b="0" i="0" u="none" strike="noStrike" cap="none" normalizeH="0" baseline="0" dirty="0">
+                <a:ln>
+                  <a:noFill/>
+                </a:ln>
+                <a:solidFill>
+                  <a:srgbClr val="EBEBEB"/>
+                </a:solidFill>
+                <a:effectLst/>
+                <a:latin typeface="Arial Unicode MS" panose="020B0604020202020204" pitchFamily="50" charset="-127"/>
+                <a:ea typeface="JetBrains Mono"/>
+              </a:rPr>
+              <a:t>                </a:t>
+            </a:r>
+            <a:r>
+              <a:rPr kumimoji="0" lang="ko-KR" altLang="ko-KR" sz="1300" b="0" i="0" u="none" strike="noStrike" cap="none" normalizeH="0" baseline="0" dirty="0" err="1">
+                <a:ln>
+                  <a:noFill/>
+                </a:ln>
+                <a:solidFill>
+                  <a:srgbClr val="FFFFFF"/>
+                </a:solidFill>
+                <a:effectLst/>
+                <a:latin typeface="Arial Unicode MS" panose="020B0604020202020204" pitchFamily="50" charset="-127"/>
+                <a:ea typeface="JetBrains Mono"/>
+              </a:rPr>
+              <a:t>result</a:t>
+            </a:r>
+            <a:r>
+              <a:rPr kumimoji="0" lang="ko-KR" altLang="ko-KR" sz="1300" b="0" i="0" u="none" strike="noStrike" cap="none" normalizeH="0" baseline="0" dirty="0" err="1">
+                <a:ln>
+                  <a:noFill/>
+                </a:ln>
+                <a:solidFill>
+                  <a:srgbClr val="EBEBEB"/>
+                </a:solidFill>
+                <a:effectLst/>
+                <a:latin typeface="Arial Unicode MS" panose="020B0604020202020204" pitchFamily="50" charset="-127"/>
+                <a:ea typeface="JetBrains Mono"/>
+              </a:rPr>
+              <a:t>.append</a:t>
+            </a:r>
+            <a:r>
+              <a:rPr kumimoji="0" lang="ko-KR" altLang="ko-KR" sz="1300" b="0" i="0" u="none" strike="noStrike" cap="none" normalizeH="0" baseline="0" dirty="0">
+                <a:ln>
+                  <a:noFill/>
+                </a:ln>
+                <a:solidFill>
+                  <a:srgbClr val="EBEBEB"/>
+                </a:solidFill>
+                <a:effectLst/>
+                <a:latin typeface="Arial Unicode MS" panose="020B0604020202020204" pitchFamily="50" charset="-127"/>
+                <a:ea typeface="JetBrains Mono"/>
+              </a:rPr>
+              <a:t>(</a:t>
+            </a:r>
+            <a:r>
+              <a:rPr kumimoji="0" lang="ko-KR" altLang="ko-KR" sz="1300" b="0" i="0" u="none" strike="noStrike" cap="none" normalizeH="0" baseline="0" dirty="0">
+                <a:ln>
+                  <a:noFill/>
+                </a:ln>
+                <a:solidFill>
+                  <a:srgbClr val="FFFFFF"/>
+                </a:solidFill>
+                <a:effectLst/>
+                <a:latin typeface="Arial Unicode MS" panose="020B0604020202020204" pitchFamily="50" charset="-127"/>
+                <a:ea typeface="JetBrains Mono"/>
+              </a:rPr>
+              <a:t>han1</a:t>
+            </a:r>
+            <a:r>
+              <a:rPr kumimoji="0" lang="ko-KR" altLang="ko-KR" sz="1300" b="0" i="0" u="none" strike="noStrike" cap="none" normalizeH="0" baseline="0" dirty="0">
+                <a:ln>
+                  <a:noFill/>
+                </a:ln>
+                <a:solidFill>
+                  <a:srgbClr val="EBEBEB"/>
+                </a:solidFill>
+                <a:effectLst/>
+                <a:latin typeface="Arial Unicode MS" panose="020B0604020202020204" pitchFamily="50" charset="-127"/>
+                <a:ea typeface="JetBrains Mono"/>
+              </a:rPr>
+              <a:t>[(</a:t>
+            </a:r>
+            <a:r>
+              <a:rPr kumimoji="0" lang="ko-KR" altLang="ko-KR" sz="1300" b="0" i="0" u="none" strike="noStrike" cap="none" normalizeH="0" baseline="0" dirty="0" err="1">
+                <a:ln>
+                  <a:noFill/>
+                </a:ln>
+                <a:solidFill>
+                  <a:srgbClr val="ED864A"/>
+                </a:solidFill>
+                <a:effectLst/>
+                <a:latin typeface="Arial Unicode MS" panose="020B0604020202020204" pitchFamily="50" charset="-127"/>
+                <a:ea typeface="JetBrains Mono"/>
+              </a:rPr>
+              <a:t>int</a:t>
+            </a:r>
+            <a:r>
+              <a:rPr kumimoji="0" lang="ko-KR" altLang="ko-KR" sz="1300" b="0" i="0" u="none" strike="noStrike" cap="none" normalizeH="0" baseline="0" dirty="0">
+                <a:ln>
+                  <a:noFill/>
+                </a:ln>
+                <a:solidFill>
+                  <a:srgbClr val="EBEBEB"/>
+                </a:solidFill>
+                <a:effectLst/>
+                <a:latin typeface="Arial Unicode MS" panose="020B0604020202020204" pitchFamily="50" charset="-127"/>
+                <a:ea typeface="JetBrains Mono"/>
+              </a:rPr>
+              <a:t>) </a:t>
+            </a:r>
+            <a:r>
+              <a:rPr kumimoji="0" lang="ko-KR" altLang="ko-KR" sz="1300" b="0" i="0" u="none" strike="noStrike" cap="none" normalizeH="0" baseline="0" dirty="0" err="1">
+                <a:ln>
+                  <a:noFill/>
+                </a:ln>
+                <a:solidFill>
+                  <a:srgbClr val="FFFFFF"/>
+                </a:solidFill>
+                <a:effectLst/>
+                <a:latin typeface="Arial Unicode MS" panose="020B0604020202020204" pitchFamily="50" charset="-127"/>
+                <a:ea typeface="JetBrains Mono"/>
+              </a:rPr>
+              <a:t>nowInt</a:t>
+            </a:r>
+            <a:r>
+              <a:rPr kumimoji="0" lang="ko-KR" altLang="ko-KR" sz="1300" b="0" i="0" u="none" strike="noStrike" cap="none" normalizeH="0" baseline="0" dirty="0">
+                <a:ln>
+                  <a:noFill/>
+                </a:ln>
+                <a:solidFill>
+                  <a:srgbClr val="EBEBEB"/>
+                </a:solidFill>
+                <a:effectLst/>
+                <a:latin typeface="Arial Unicode MS" panose="020B0604020202020204" pitchFamily="50" charset="-127"/>
+                <a:ea typeface="JetBrains Mono"/>
+              </a:rPr>
+              <a:t>]).</a:t>
+            </a:r>
+            <a:r>
+              <a:rPr kumimoji="0" lang="ko-KR" altLang="ko-KR" sz="1300" b="0" i="0" u="none" strike="noStrike" cap="none" normalizeH="0" baseline="0" dirty="0" err="1">
+                <a:ln>
+                  <a:noFill/>
+                </a:ln>
+                <a:solidFill>
+                  <a:srgbClr val="EBEBEB"/>
+                </a:solidFill>
+                <a:effectLst/>
+                <a:latin typeface="Arial Unicode MS" panose="020B0604020202020204" pitchFamily="50" charset="-127"/>
+                <a:ea typeface="JetBrains Mono"/>
+              </a:rPr>
+              <a:t>append</a:t>
+            </a:r>
+            <a:r>
+              <a:rPr kumimoji="0" lang="ko-KR" altLang="ko-KR" sz="1300" b="0" i="0" u="none" strike="noStrike" cap="none" normalizeH="0" baseline="0" dirty="0">
+                <a:ln>
+                  <a:noFill/>
+                </a:ln>
+                <a:solidFill>
+                  <a:srgbClr val="EBEBEB"/>
+                </a:solidFill>
+                <a:effectLst/>
+                <a:latin typeface="Arial Unicode MS" panose="020B0604020202020204" pitchFamily="50" charset="-127"/>
+                <a:ea typeface="JetBrains Mono"/>
+              </a:rPr>
+              <a:t>(</a:t>
+            </a:r>
+            <a:r>
+              <a:rPr kumimoji="0" lang="ko-KR" altLang="ko-KR" sz="1300" b="0" i="0" u="none" strike="noStrike" cap="none" normalizeH="0" baseline="0" dirty="0">
+                <a:ln>
+                  <a:noFill/>
+                </a:ln>
+                <a:solidFill>
+                  <a:srgbClr val="FFFFFF"/>
+                </a:solidFill>
+                <a:effectLst/>
+                <a:latin typeface="Arial Unicode MS" panose="020B0604020202020204" pitchFamily="50" charset="-127"/>
+                <a:ea typeface="JetBrains Mono"/>
+              </a:rPr>
+              <a:t>han2</a:t>
+            </a:r>
+            <a:r>
+              <a:rPr kumimoji="0" lang="ko-KR" altLang="ko-KR" sz="1300" b="0" i="0" u="none" strike="noStrike" cap="none" normalizeH="0" baseline="0" dirty="0">
+                <a:ln>
+                  <a:noFill/>
+                </a:ln>
+                <a:solidFill>
+                  <a:srgbClr val="EBEBEB"/>
+                </a:solidFill>
+                <a:effectLst/>
+                <a:latin typeface="Arial Unicode MS" panose="020B0604020202020204" pitchFamily="50" charset="-127"/>
+                <a:ea typeface="JetBrains Mono"/>
+              </a:rPr>
+              <a:t>[</a:t>
+            </a:r>
+            <a:r>
+              <a:rPr kumimoji="0" lang="ko-KR" altLang="ko-KR" sz="1300" b="0" i="0" u="none" strike="noStrike" cap="none" normalizeH="0" baseline="0" dirty="0">
+                <a:ln>
+                  <a:noFill/>
+                </a:ln>
+                <a:solidFill>
+                  <a:srgbClr val="FFFFFF"/>
+                </a:solidFill>
+                <a:effectLst/>
+                <a:latin typeface="Arial Unicode MS" panose="020B0604020202020204" pitchFamily="50" charset="-127"/>
+                <a:ea typeface="JetBrains Mono"/>
+              </a:rPr>
+              <a:t>han2Pick</a:t>
+            </a:r>
+            <a:r>
+              <a:rPr kumimoji="0" lang="ko-KR" altLang="ko-KR" sz="1300" b="0" i="0" u="none" strike="noStrike" cap="none" normalizeH="0" baseline="0" dirty="0">
+                <a:ln>
+                  <a:noFill/>
+                </a:ln>
+                <a:solidFill>
+                  <a:srgbClr val="EBEBEB"/>
+                </a:solidFill>
+                <a:effectLst/>
+                <a:latin typeface="Arial Unicode MS" panose="020B0604020202020204" pitchFamily="50" charset="-127"/>
+                <a:ea typeface="JetBrains Mono"/>
+              </a:rPr>
+              <a:t>])</a:t>
+            </a:r>
+            <a:r>
+              <a:rPr kumimoji="0" lang="ko-KR" altLang="ko-KR" sz="1300" b="1" i="0" u="none" strike="noStrike" cap="none" normalizeH="0" baseline="0" dirty="0">
+                <a:ln>
+                  <a:noFill/>
+                </a:ln>
+                <a:solidFill>
+                  <a:srgbClr val="ED864A"/>
+                </a:solidFill>
+                <a:effectLst/>
+                <a:latin typeface="Arial Unicode MS" panose="020B0604020202020204" pitchFamily="50" charset="-127"/>
+                <a:ea typeface="JetBrains Mono"/>
+              </a:rPr>
+              <a:t>;</a:t>
+            </a:r>
+            <a:br>
+              <a:rPr kumimoji="0" lang="ko-KR" altLang="ko-KR" sz="1300" b="1" i="0" u="none" strike="noStrike" cap="none" normalizeH="0" baseline="0" dirty="0">
+                <a:ln>
+                  <a:noFill/>
+                </a:ln>
+                <a:solidFill>
+                  <a:srgbClr val="ED864A"/>
+                </a:solidFill>
+                <a:effectLst/>
+                <a:latin typeface="Arial Unicode MS" panose="020B0604020202020204" pitchFamily="50" charset="-127"/>
+                <a:ea typeface="JetBrains Mono"/>
+              </a:rPr>
+            </a:br>
+            <a:r>
+              <a:rPr kumimoji="0" lang="ko-KR" altLang="ko-KR" sz="1300" b="1" i="0" u="none" strike="noStrike" cap="none" normalizeH="0" baseline="0" dirty="0">
+                <a:ln>
+                  <a:noFill/>
+                </a:ln>
+                <a:solidFill>
+                  <a:srgbClr val="ED864A"/>
+                </a:solidFill>
+                <a:effectLst/>
+                <a:latin typeface="Arial Unicode MS" panose="020B0604020202020204" pitchFamily="50" charset="-127"/>
+                <a:ea typeface="JetBrains Mono"/>
+              </a:rPr>
+              <a:t>                </a:t>
+            </a:r>
+            <a:r>
+              <a:rPr kumimoji="0" lang="ko-KR" altLang="ko-KR" sz="1300" b="0" i="0" u="none" strike="noStrike" cap="none" normalizeH="0" baseline="0" dirty="0" err="1">
+                <a:ln>
+                  <a:noFill/>
+                </a:ln>
+                <a:solidFill>
+                  <a:srgbClr val="ED864A"/>
+                </a:solidFill>
+                <a:effectLst/>
+                <a:latin typeface="Arial Unicode MS" panose="020B0604020202020204" pitchFamily="50" charset="-127"/>
+                <a:ea typeface="JetBrains Mono"/>
+              </a:rPr>
+              <a:t>if</a:t>
+            </a:r>
+            <a:r>
+              <a:rPr kumimoji="0" lang="ko-KR" altLang="ko-KR" sz="1300" b="0" i="0" u="none" strike="noStrike" cap="none" normalizeH="0" baseline="0" dirty="0">
+                <a:ln>
+                  <a:noFill/>
+                </a:ln>
+                <a:solidFill>
+                  <a:srgbClr val="ED864A"/>
+                </a:solidFill>
+                <a:effectLst/>
+                <a:latin typeface="Arial Unicode MS" panose="020B0604020202020204" pitchFamily="50" charset="-127"/>
+                <a:ea typeface="JetBrains Mono"/>
+              </a:rPr>
+              <a:t> </a:t>
+            </a:r>
+            <a:r>
+              <a:rPr kumimoji="0" lang="ko-KR" altLang="ko-KR" sz="1300" b="0" i="0" u="none" strike="noStrike" cap="none" normalizeH="0" baseline="0" dirty="0">
+                <a:ln>
+                  <a:noFill/>
+                </a:ln>
+                <a:solidFill>
+                  <a:srgbClr val="EBEBEB"/>
+                </a:solidFill>
+                <a:effectLst/>
+                <a:latin typeface="Arial Unicode MS" panose="020B0604020202020204" pitchFamily="50" charset="-127"/>
+                <a:ea typeface="JetBrains Mono"/>
+              </a:rPr>
+              <a:t>(</a:t>
+            </a:r>
+            <a:r>
+              <a:rPr kumimoji="0" lang="ko-KR" altLang="ko-KR" sz="1300" b="0" i="0" u="none" strike="noStrike" cap="none" normalizeH="0" baseline="0" dirty="0">
+                <a:ln>
+                  <a:noFill/>
+                </a:ln>
+                <a:solidFill>
+                  <a:srgbClr val="FFFFFF"/>
+                </a:solidFill>
+                <a:effectLst/>
+                <a:latin typeface="Arial Unicode MS" panose="020B0604020202020204" pitchFamily="50" charset="-127"/>
+                <a:ea typeface="JetBrains Mono"/>
+              </a:rPr>
+              <a:t>han2Pick </a:t>
+            </a:r>
+            <a:r>
+              <a:rPr kumimoji="0" lang="ko-KR" altLang="ko-KR" sz="1300" b="0" i="0" u="none" strike="noStrike" cap="none" normalizeH="0" baseline="0" dirty="0">
+                <a:ln>
+                  <a:noFill/>
+                </a:ln>
+                <a:solidFill>
+                  <a:srgbClr val="EBEBEB"/>
+                </a:solidFill>
+                <a:effectLst/>
+                <a:latin typeface="Arial Unicode MS" panose="020B0604020202020204" pitchFamily="50" charset="-127"/>
+                <a:ea typeface="JetBrains Mono"/>
+              </a:rPr>
+              <a:t>&gt; </a:t>
+            </a:r>
+            <a:r>
+              <a:rPr kumimoji="0" lang="ko-KR" altLang="ko-KR" sz="1300" b="1" i="0" u="none" strike="noStrike" cap="none" normalizeH="0" baseline="0" dirty="0">
+                <a:ln>
+                  <a:noFill/>
+                </a:ln>
+                <a:solidFill>
+                  <a:srgbClr val="33CCFF"/>
+                </a:solidFill>
+                <a:effectLst/>
+                <a:latin typeface="Arial Unicode MS" panose="020B0604020202020204" pitchFamily="50" charset="-127"/>
+                <a:ea typeface="JetBrains Mono"/>
+              </a:rPr>
+              <a:t>0</a:t>
+            </a:r>
+            <a:r>
+              <a:rPr kumimoji="0" lang="ko-KR" altLang="ko-KR" sz="1300" b="0" i="0" u="none" strike="noStrike" cap="none" normalizeH="0" baseline="0" dirty="0">
+                <a:ln>
+                  <a:noFill/>
+                </a:ln>
+                <a:solidFill>
+                  <a:srgbClr val="EBEBEB"/>
+                </a:solidFill>
+                <a:effectLst/>
+                <a:latin typeface="Arial Unicode MS" panose="020B0604020202020204" pitchFamily="50" charset="-127"/>
+                <a:ea typeface="JetBrains Mono"/>
+              </a:rPr>
+              <a:t>) {</a:t>
+            </a:r>
+            <a:br>
+              <a:rPr kumimoji="0" lang="ko-KR" altLang="ko-KR" sz="1300" b="0" i="0" u="none" strike="noStrike" cap="none" normalizeH="0" baseline="0" dirty="0">
+                <a:ln>
+                  <a:noFill/>
+                </a:ln>
+                <a:solidFill>
+                  <a:srgbClr val="EBEBEB"/>
+                </a:solidFill>
+                <a:effectLst/>
+                <a:latin typeface="Arial Unicode MS" panose="020B0604020202020204" pitchFamily="50" charset="-127"/>
+                <a:ea typeface="JetBrains Mono"/>
+              </a:rPr>
+            </a:br>
+            <a:r>
+              <a:rPr kumimoji="0" lang="ko-KR" altLang="ko-KR" sz="1300" b="0" i="0" u="none" strike="noStrike" cap="none" normalizeH="0" baseline="0" dirty="0">
+                <a:ln>
+                  <a:noFill/>
+                </a:ln>
+                <a:solidFill>
+                  <a:srgbClr val="EBEBEB"/>
+                </a:solidFill>
+                <a:effectLst/>
+                <a:latin typeface="Arial Unicode MS" panose="020B0604020202020204" pitchFamily="50" charset="-127"/>
+                <a:ea typeface="JetBrains Mono"/>
+              </a:rPr>
+              <a:t>                    </a:t>
+            </a:r>
+            <a:r>
+              <a:rPr kumimoji="0" lang="ko-KR" altLang="ko-KR" sz="1300" b="0" i="0" u="none" strike="noStrike" cap="none" normalizeH="0" baseline="0" dirty="0">
+                <a:ln>
+                  <a:noFill/>
+                </a:ln>
+                <a:solidFill>
+                  <a:srgbClr val="FFFFFF"/>
+                </a:solidFill>
+                <a:effectLst/>
+                <a:latin typeface="Arial Unicode MS" panose="020B0604020202020204" pitchFamily="50" charset="-127"/>
+                <a:ea typeface="JetBrains Mono"/>
+              </a:rPr>
+              <a:t>hasHan3 </a:t>
+            </a:r>
+            <a:r>
+              <a:rPr kumimoji="0" lang="ko-KR" altLang="ko-KR" sz="1300" b="0" i="0" u="none" strike="noStrike" cap="none" normalizeH="0" baseline="0" dirty="0">
+                <a:ln>
+                  <a:noFill/>
+                </a:ln>
+                <a:solidFill>
+                  <a:srgbClr val="EBEBEB"/>
+                </a:solidFill>
+                <a:effectLst/>
+                <a:latin typeface="Arial Unicode MS" panose="020B0604020202020204" pitchFamily="50" charset="-127"/>
+                <a:ea typeface="JetBrains Mono"/>
+              </a:rPr>
+              <a:t>= </a:t>
+            </a:r>
+            <a:r>
+              <a:rPr kumimoji="0" lang="ko-KR" altLang="ko-KR" sz="1300" b="0" i="0" u="none" strike="noStrike" cap="none" normalizeH="0" baseline="0" dirty="0" err="1">
+                <a:ln>
+                  <a:noFill/>
+                </a:ln>
+                <a:solidFill>
+                  <a:srgbClr val="ED864A"/>
+                </a:solidFill>
+                <a:effectLst/>
+                <a:latin typeface="Arial Unicode MS" panose="020B0604020202020204" pitchFamily="50" charset="-127"/>
+                <a:ea typeface="JetBrains Mono"/>
+              </a:rPr>
+              <a:t>false</a:t>
+            </a:r>
+            <a:r>
+              <a:rPr kumimoji="0" lang="ko-KR" altLang="ko-KR" sz="1300" b="1" i="0" u="none" strike="noStrike" cap="none" normalizeH="0" baseline="0" dirty="0">
+                <a:ln>
+                  <a:noFill/>
+                </a:ln>
+                <a:solidFill>
+                  <a:srgbClr val="ED864A"/>
+                </a:solidFill>
+                <a:effectLst/>
+                <a:latin typeface="Arial Unicode MS" panose="020B0604020202020204" pitchFamily="50" charset="-127"/>
+                <a:ea typeface="JetBrains Mono"/>
+              </a:rPr>
+              <a:t>;</a:t>
+            </a:r>
+            <a:br>
+              <a:rPr kumimoji="0" lang="ko-KR" altLang="ko-KR" sz="1300" b="1" i="0" u="none" strike="noStrike" cap="none" normalizeH="0" baseline="0" dirty="0">
+                <a:ln>
+                  <a:noFill/>
+                </a:ln>
+                <a:solidFill>
+                  <a:srgbClr val="ED864A"/>
+                </a:solidFill>
+                <a:effectLst/>
+                <a:latin typeface="Arial Unicode MS" panose="020B0604020202020204" pitchFamily="50" charset="-127"/>
+                <a:ea typeface="JetBrains Mono"/>
+              </a:rPr>
+            </a:br>
+            <a:r>
+              <a:rPr kumimoji="0" lang="ko-KR" altLang="ko-KR" sz="1300" b="1" i="0" u="none" strike="noStrike" cap="none" normalizeH="0" baseline="0" dirty="0">
+                <a:ln>
+                  <a:noFill/>
+                </a:ln>
+                <a:solidFill>
+                  <a:srgbClr val="ED864A"/>
+                </a:solidFill>
+                <a:effectLst/>
+                <a:latin typeface="Arial Unicode MS" panose="020B0604020202020204" pitchFamily="50" charset="-127"/>
+                <a:ea typeface="JetBrains Mono"/>
+              </a:rPr>
+              <a:t>                </a:t>
+            </a:r>
+            <a:r>
+              <a:rPr kumimoji="0" lang="ko-KR" altLang="ko-KR" sz="1300" b="0" i="0" u="none" strike="noStrike" cap="none" normalizeH="0" baseline="0" dirty="0">
+                <a:ln>
+                  <a:noFill/>
+                </a:ln>
+                <a:solidFill>
+                  <a:srgbClr val="EBEBEB"/>
+                </a:solidFill>
+                <a:effectLst/>
+                <a:latin typeface="Arial Unicode MS" panose="020B0604020202020204" pitchFamily="50" charset="-127"/>
+                <a:ea typeface="JetBrains Mono"/>
+              </a:rPr>
+              <a:t>}</a:t>
+            </a:r>
+            <a:br>
+              <a:rPr kumimoji="0" lang="ko-KR" altLang="ko-KR" sz="1300" b="0" i="0" u="none" strike="noStrike" cap="none" normalizeH="0" baseline="0" dirty="0">
+                <a:ln>
+                  <a:noFill/>
+                </a:ln>
+                <a:solidFill>
+                  <a:srgbClr val="EBEBEB"/>
+                </a:solidFill>
+                <a:effectLst/>
+                <a:latin typeface="Arial Unicode MS" panose="020B0604020202020204" pitchFamily="50" charset="-127"/>
+                <a:ea typeface="JetBrains Mono"/>
+              </a:rPr>
+            </a:br>
+            <a:r>
+              <a:rPr kumimoji="0" lang="ko-KR" altLang="ko-KR" sz="1300" b="0" i="0" u="none" strike="noStrike" cap="none" normalizeH="0" baseline="0" dirty="0">
+                <a:ln>
+                  <a:noFill/>
+                </a:ln>
+                <a:solidFill>
+                  <a:srgbClr val="EBEBEB"/>
+                </a:solidFill>
+                <a:effectLst/>
+                <a:latin typeface="Arial Unicode MS" panose="020B0604020202020204" pitchFamily="50" charset="-127"/>
+                <a:ea typeface="JetBrains Mono"/>
+              </a:rPr>
+              <a:t>            }</a:t>
+            </a:r>
+            <a:br>
+              <a:rPr kumimoji="0" lang="ko-KR" altLang="ko-KR" sz="1300" b="0" i="0" u="none" strike="noStrike" cap="none" normalizeH="0" baseline="0" dirty="0">
+                <a:ln>
+                  <a:noFill/>
+                </a:ln>
+                <a:solidFill>
+                  <a:srgbClr val="EBEBEB"/>
+                </a:solidFill>
+                <a:effectLst/>
+                <a:latin typeface="Arial Unicode MS" panose="020B0604020202020204" pitchFamily="50" charset="-127"/>
+                <a:ea typeface="JetBrains Mono"/>
+              </a:rPr>
+            </a:br>
+            <a:br>
+              <a:rPr kumimoji="0" lang="ko-KR" altLang="ko-KR" sz="1300" b="0" i="0" u="none" strike="noStrike" cap="none" normalizeH="0" baseline="0" dirty="0">
+                <a:ln>
+                  <a:noFill/>
+                </a:ln>
+                <a:solidFill>
+                  <a:srgbClr val="EBEBEB"/>
+                </a:solidFill>
+                <a:effectLst/>
+                <a:latin typeface="Arial Unicode MS" panose="020B0604020202020204" pitchFamily="50" charset="-127"/>
+                <a:ea typeface="JetBrains Mono"/>
+              </a:rPr>
+            </a:br>
+            <a:r>
+              <a:rPr kumimoji="0" lang="ko-KR" altLang="ko-KR" sz="1300" b="0" i="0" u="none" strike="noStrike" cap="none" normalizeH="0" baseline="0" dirty="0">
+                <a:ln>
+                  <a:noFill/>
+                </a:ln>
+                <a:solidFill>
+                  <a:srgbClr val="EBEBEB"/>
+                </a:solidFill>
+                <a:effectLst/>
+                <a:latin typeface="Arial Unicode MS" panose="020B0604020202020204" pitchFamily="50" charset="-127"/>
+                <a:ea typeface="JetBrains Mono"/>
+              </a:rPr>
+              <a:t>            </a:t>
+            </a:r>
+            <a:r>
+              <a:rPr kumimoji="0" lang="ko-KR" altLang="ko-KR" sz="1300" b="0" i="0" u="none" strike="noStrike" cap="none" normalizeH="0" baseline="0" dirty="0" err="1">
+                <a:ln>
+                  <a:noFill/>
+                </a:ln>
+                <a:solidFill>
+                  <a:srgbClr val="ED864A"/>
+                </a:solidFill>
+                <a:effectLst/>
+                <a:latin typeface="Arial Unicode MS" panose="020B0604020202020204" pitchFamily="50" charset="-127"/>
+                <a:ea typeface="JetBrains Mono"/>
+              </a:rPr>
+              <a:t>if</a:t>
+            </a:r>
+            <a:r>
+              <a:rPr kumimoji="0" lang="ko-KR" altLang="ko-KR" sz="1300" b="0" i="0" u="none" strike="noStrike" cap="none" normalizeH="0" baseline="0" dirty="0">
+                <a:ln>
+                  <a:noFill/>
+                </a:ln>
+                <a:solidFill>
+                  <a:srgbClr val="ED864A"/>
+                </a:solidFill>
+                <a:effectLst/>
+                <a:latin typeface="Arial Unicode MS" panose="020B0604020202020204" pitchFamily="50" charset="-127"/>
+                <a:ea typeface="JetBrains Mono"/>
+              </a:rPr>
+              <a:t> </a:t>
+            </a:r>
+            <a:r>
+              <a:rPr kumimoji="0" lang="ko-KR" altLang="ko-KR" sz="1300" b="0" i="0" u="none" strike="noStrike" cap="none" normalizeH="0" baseline="0" dirty="0">
+                <a:ln>
+                  <a:noFill/>
+                </a:ln>
+                <a:solidFill>
+                  <a:srgbClr val="EBEBEB"/>
+                </a:solidFill>
+                <a:effectLst/>
+                <a:latin typeface="Arial Unicode MS" panose="020B0604020202020204" pitchFamily="50" charset="-127"/>
+                <a:ea typeface="JetBrains Mono"/>
+              </a:rPr>
+              <a:t>(!</a:t>
+            </a:r>
+            <a:r>
+              <a:rPr kumimoji="0" lang="ko-KR" altLang="ko-KR" sz="1300" b="0" i="0" u="none" strike="noStrike" cap="none" normalizeH="0" baseline="0" dirty="0">
+                <a:ln>
+                  <a:noFill/>
+                </a:ln>
+                <a:solidFill>
+                  <a:srgbClr val="FFFFFF"/>
+                </a:solidFill>
+                <a:effectLst/>
+                <a:latin typeface="Arial Unicode MS" panose="020B0604020202020204" pitchFamily="50" charset="-127"/>
+                <a:ea typeface="JetBrains Mono"/>
+              </a:rPr>
+              <a:t>hasHan3 </a:t>
+            </a:r>
+            <a:r>
+              <a:rPr kumimoji="0" lang="ko-KR" altLang="ko-KR" sz="1300" b="0" i="0" u="none" strike="noStrike" cap="none" normalizeH="0" baseline="0" dirty="0">
+                <a:ln>
+                  <a:noFill/>
+                </a:ln>
+                <a:solidFill>
+                  <a:srgbClr val="EBEBEB"/>
+                </a:solidFill>
+                <a:effectLst/>
+                <a:latin typeface="Arial Unicode MS" panose="020B0604020202020204" pitchFamily="50" charset="-127"/>
+                <a:ea typeface="JetBrains Mono"/>
+              </a:rPr>
+              <a:t>&amp;&amp; </a:t>
+            </a:r>
+            <a:r>
+              <a:rPr kumimoji="0" lang="ko-KR" altLang="ko-KR" sz="1300" b="0" i="0" u="none" strike="noStrike" cap="none" normalizeH="0" baseline="0" dirty="0">
+                <a:ln>
+                  <a:noFill/>
+                </a:ln>
+                <a:solidFill>
+                  <a:srgbClr val="FFFFFF"/>
+                </a:solidFill>
+                <a:effectLst/>
+                <a:latin typeface="Arial Unicode MS" panose="020B0604020202020204" pitchFamily="50" charset="-127"/>
+                <a:ea typeface="JetBrains Mono"/>
+              </a:rPr>
+              <a:t>han2Pick </a:t>
+            </a:r>
+            <a:r>
+              <a:rPr kumimoji="0" lang="ko-KR" altLang="ko-KR" sz="1300" b="0" i="0" u="none" strike="noStrike" cap="none" normalizeH="0" baseline="0" dirty="0">
+                <a:ln>
+                  <a:noFill/>
+                </a:ln>
+                <a:solidFill>
+                  <a:srgbClr val="EBEBEB"/>
+                </a:solidFill>
+                <a:effectLst/>
+                <a:latin typeface="Arial Unicode MS" panose="020B0604020202020204" pitchFamily="50" charset="-127"/>
+                <a:ea typeface="JetBrains Mono"/>
+              </a:rPr>
+              <a:t>== </a:t>
+            </a:r>
+            <a:r>
+              <a:rPr kumimoji="0" lang="ko-KR" altLang="ko-KR" sz="1300" b="1" i="0" u="none" strike="noStrike" cap="none" normalizeH="0" baseline="0" dirty="0">
+                <a:ln>
+                  <a:noFill/>
+                </a:ln>
+                <a:solidFill>
+                  <a:srgbClr val="33CCFF"/>
+                </a:solidFill>
+                <a:effectLst/>
+                <a:latin typeface="Arial Unicode MS" panose="020B0604020202020204" pitchFamily="50" charset="-127"/>
+                <a:ea typeface="JetBrains Mono"/>
+              </a:rPr>
+              <a:t>0</a:t>
+            </a:r>
+            <a:r>
+              <a:rPr kumimoji="0" lang="ko-KR" altLang="ko-KR" sz="1300" b="0" i="0" u="none" strike="noStrike" cap="none" normalizeH="0" baseline="0" dirty="0">
+                <a:ln>
+                  <a:noFill/>
+                </a:ln>
+                <a:solidFill>
+                  <a:srgbClr val="EBEBEB"/>
+                </a:solidFill>
+                <a:effectLst/>
+                <a:latin typeface="Arial Unicode MS" panose="020B0604020202020204" pitchFamily="50" charset="-127"/>
+                <a:ea typeface="JetBrains Mono"/>
+              </a:rPr>
+              <a:t>) {</a:t>
+            </a:r>
+            <a:br>
+              <a:rPr kumimoji="0" lang="ko-KR" altLang="ko-KR" sz="1300" b="0" i="0" u="none" strike="noStrike" cap="none" normalizeH="0" baseline="0" dirty="0">
+                <a:ln>
+                  <a:noFill/>
+                </a:ln>
+                <a:solidFill>
+                  <a:srgbClr val="EBEBEB"/>
+                </a:solidFill>
+                <a:effectLst/>
+                <a:latin typeface="Arial Unicode MS" panose="020B0604020202020204" pitchFamily="50" charset="-127"/>
+                <a:ea typeface="JetBrains Mono"/>
+              </a:rPr>
+            </a:br>
+            <a:r>
+              <a:rPr kumimoji="0" lang="ko-KR" altLang="ko-KR" sz="1300" b="0" i="0" u="none" strike="noStrike" cap="none" normalizeH="0" baseline="0" dirty="0">
+                <a:ln>
+                  <a:noFill/>
+                </a:ln>
+                <a:solidFill>
+                  <a:srgbClr val="EBEBEB"/>
+                </a:solidFill>
+                <a:effectLst/>
+                <a:latin typeface="Arial Unicode MS" panose="020B0604020202020204" pitchFamily="50" charset="-127"/>
+                <a:ea typeface="JetBrains Mono"/>
+              </a:rPr>
+              <a:t>                </a:t>
+            </a:r>
+            <a:r>
+              <a:rPr kumimoji="0" lang="ko-KR" altLang="ko-KR" sz="1300" b="0" i="0" u="none" strike="noStrike" cap="none" normalizeH="0" baseline="0" dirty="0" err="1">
+                <a:ln>
+                  <a:noFill/>
+                </a:ln>
+                <a:solidFill>
+                  <a:srgbClr val="FFFFFF"/>
+                </a:solidFill>
+                <a:effectLst/>
+                <a:latin typeface="Arial Unicode MS" panose="020B0604020202020204" pitchFamily="50" charset="-127"/>
+                <a:ea typeface="JetBrains Mono"/>
+              </a:rPr>
+              <a:t>result</a:t>
+            </a:r>
+            <a:r>
+              <a:rPr kumimoji="0" lang="ko-KR" altLang="ko-KR" sz="1300" b="0" i="0" u="none" strike="noStrike" cap="none" normalizeH="0" baseline="0" dirty="0" err="1">
+                <a:ln>
+                  <a:noFill/>
+                </a:ln>
+                <a:solidFill>
+                  <a:srgbClr val="EBEBEB"/>
+                </a:solidFill>
+                <a:effectLst/>
+                <a:latin typeface="Arial Unicode MS" panose="020B0604020202020204" pitchFamily="50" charset="-127"/>
+                <a:ea typeface="JetBrains Mono"/>
+              </a:rPr>
+              <a:t>.append</a:t>
+            </a:r>
+            <a:r>
+              <a:rPr kumimoji="0" lang="ko-KR" altLang="ko-KR" sz="1300" b="0" i="0" u="none" strike="noStrike" cap="none" normalizeH="0" baseline="0" dirty="0">
+                <a:ln>
+                  <a:noFill/>
+                </a:ln>
+                <a:solidFill>
+                  <a:srgbClr val="EBEBEB"/>
+                </a:solidFill>
+                <a:effectLst/>
+                <a:latin typeface="Arial Unicode MS" panose="020B0604020202020204" pitchFamily="50" charset="-127"/>
+                <a:ea typeface="JetBrains Mono"/>
+              </a:rPr>
+              <a:t>(</a:t>
+            </a:r>
+            <a:r>
+              <a:rPr kumimoji="0" lang="ko-KR" altLang="ko-KR" sz="1300" b="0" i="0" u="none" strike="noStrike" cap="none" normalizeH="0" baseline="0" dirty="0">
+                <a:ln>
+                  <a:noFill/>
+                </a:ln>
+                <a:solidFill>
+                  <a:srgbClr val="FFFFFF"/>
+                </a:solidFill>
+                <a:effectLst/>
+                <a:latin typeface="Arial Unicode MS" panose="020B0604020202020204" pitchFamily="50" charset="-127"/>
+                <a:ea typeface="JetBrains Mono"/>
+              </a:rPr>
+              <a:t>han3</a:t>
+            </a:r>
+            <a:r>
+              <a:rPr kumimoji="0" lang="ko-KR" altLang="ko-KR" sz="1300" b="0" i="0" u="none" strike="noStrike" cap="none" normalizeH="0" baseline="0" dirty="0">
+                <a:ln>
+                  <a:noFill/>
+                </a:ln>
+                <a:solidFill>
+                  <a:srgbClr val="EBEBEB"/>
+                </a:solidFill>
+                <a:effectLst/>
+                <a:latin typeface="Arial Unicode MS" panose="020B0604020202020204" pitchFamily="50" charset="-127"/>
+                <a:ea typeface="JetBrains Mono"/>
+              </a:rPr>
+              <a:t>[(</a:t>
+            </a:r>
+            <a:r>
+              <a:rPr kumimoji="0" lang="ko-KR" altLang="ko-KR" sz="1300" b="0" i="0" u="none" strike="noStrike" cap="none" normalizeH="0" baseline="0" dirty="0" err="1">
+                <a:ln>
+                  <a:noFill/>
+                </a:ln>
+                <a:solidFill>
+                  <a:srgbClr val="FFFFFF"/>
+                </a:solidFill>
+                <a:effectLst/>
+                <a:latin typeface="Arial Unicode MS" panose="020B0604020202020204" pitchFamily="50" charset="-127"/>
+                <a:ea typeface="JetBrains Mono"/>
+              </a:rPr>
+              <a:t>i</a:t>
+            </a:r>
+            <a:r>
+              <a:rPr kumimoji="0" lang="ko-KR" altLang="ko-KR" sz="1300" b="0" i="0" u="none" strike="noStrike" cap="none" normalizeH="0" baseline="0" dirty="0">
+                <a:ln>
+                  <a:noFill/>
+                </a:ln>
+                <a:solidFill>
+                  <a:srgbClr val="FFFFFF"/>
+                </a:solidFill>
+                <a:effectLst/>
+                <a:latin typeface="Arial Unicode MS" panose="020B0604020202020204" pitchFamily="50" charset="-127"/>
+                <a:ea typeface="JetBrains Mono"/>
+              </a:rPr>
+              <a:t> </a:t>
+            </a:r>
+            <a:r>
+              <a:rPr kumimoji="0" lang="ko-KR" altLang="ko-KR" sz="1300" b="0" i="0" u="none" strike="noStrike" cap="none" normalizeH="0" baseline="0" dirty="0">
+                <a:ln>
+                  <a:noFill/>
+                </a:ln>
+                <a:solidFill>
+                  <a:srgbClr val="EBEBEB"/>
+                </a:solidFill>
+                <a:effectLst/>
+                <a:latin typeface="Arial Unicode MS" panose="020B0604020202020204" pitchFamily="50" charset="-127"/>
+                <a:ea typeface="JetBrains Mono"/>
+              </a:rPr>
+              <a:t>- </a:t>
+            </a:r>
+            <a:r>
+              <a:rPr kumimoji="0" lang="ko-KR" altLang="ko-KR" sz="1300" b="1" i="0" u="none" strike="noStrike" cap="none" normalizeH="0" baseline="0" dirty="0">
+                <a:ln>
+                  <a:noFill/>
+                </a:ln>
+                <a:solidFill>
+                  <a:srgbClr val="33CCFF"/>
+                </a:solidFill>
+                <a:effectLst/>
+                <a:latin typeface="Arial Unicode MS" panose="020B0604020202020204" pitchFamily="50" charset="-127"/>
+                <a:ea typeface="JetBrains Mono"/>
+              </a:rPr>
+              <a:t>1</a:t>
+            </a:r>
+            <a:r>
+              <a:rPr kumimoji="0" lang="ko-KR" altLang="ko-KR" sz="1300" b="0" i="0" u="none" strike="noStrike" cap="none" normalizeH="0" baseline="0" dirty="0">
+                <a:ln>
+                  <a:noFill/>
+                </a:ln>
+                <a:solidFill>
+                  <a:srgbClr val="EBEBEB"/>
+                </a:solidFill>
+                <a:effectLst/>
+                <a:latin typeface="Arial Unicode MS" panose="020B0604020202020204" pitchFamily="50" charset="-127"/>
+                <a:ea typeface="JetBrains Mono"/>
+              </a:rPr>
+              <a:t>) / </a:t>
+            </a:r>
+            <a:r>
+              <a:rPr kumimoji="0" lang="ko-KR" altLang="ko-KR" sz="1300" b="1" i="0" u="none" strike="noStrike" cap="none" normalizeH="0" baseline="0" dirty="0">
+                <a:ln>
+                  <a:noFill/>
+                </a:ln>
+                <a:solidFill>
+                  <a:srgbClr val="33CCFF"/>
+                </a:solidFill>
+                <a:effectLst/>
+                <a:latin typeface="Arial Unicode MS" panose="020B0604020202020204" pitchFamily="50" charset="-127"/>
+                <a:ea typeface="JetBrains Mono"/>
+              </a:rPr>
+              <a:t>4</a:t>
+            </a:r>
+            <a:r>
+              <a:rPr kumimoji="0" lang="ko-KR" altLang="ko-KR" sz="1300" b="0" i="0" u="none" strike="noStrike" cap="none" normalizeH="0" baseline="0" dirty="0">
+                <a:ln>
+                  <a:noFill/>
+                </a:ln>
+                <a:solidFill>
+                  <a:srgbClr val="EBEBEB"/>
+                </a:solidFill>
+                <a:effectLst/>
+                <a:latin typeface="Arial Unicode MS" panose="020B0604020202020204" pitchFamily="50" charset="-127"/>
+                <a:ea typeface="JetBrains Mono"/>
+              </a:rPr>
+              <a:t>])</a:t>
+            </a:r>
+            <a:r>
+              <a:rPr kumimoji="0" lang="ko-KR" altLang="ko-KR" sz="1300" b="1" i="0" u="none" strike="noStrike" cap="none" normalizeH="0" baseline="0" dirty="0">
+                <a:ln>
+                  <a:noFill/>
+                </a:ln>
+                <a:solidFill>
+                  <a:srgbClr val="ED864A"/>
+                </a:solidFill>
+                <a:effectLst/>
+                <a:latin typeface="Arial Unicode MS" panose="020B0604020202020204" pitchFamily="50" charset="-127"/>
+                <a:ea typeface="JetBrains Mono"/>
+              </a:rPr>
+              <a:t>;</a:t>
+            </a:r>
+            <a:br>
+              <a:rPr kumimoji="0" lang="ko-KR" altLang="ko-KR" sz="1300" b="1" i="0" u="none" strike="noStrike" cap="none" normalizeH="0" baseline="0" dirty="0">
+                <a:ln>
+                  <a:noFill/>
+                </a:ln>
+                <a:solidFill>
+                  <a:srgbClr val="ED864A"/>
+                </a:solidFill>
+                <a:effectLst/>
+                <a:latin typeface="Arial Unicode MS" panose="020B0604020202020204" pitchFamily="50" charset="-127"/>
+                <a:ea typeface="JetBrains Mono"/>
+              </a:rPr>
+            </a:br>
+            <a:r>
+              <a:rPr kumimoji="0" lang="ko-KR" altLang="ko-KR" sz="1300" b="1" i="0" u="none" strike="noStrike" cap="none" normalizeH="0" baseline="0" dirty="0">
+                <a:ln>
+                  <a:noFill/>
+                </a:ln>
+                <a:solidFill>
+                  <a:srgbClr val="ED864A"/>
+                </a:solidFill>
+                <a:effectLst/>
+                <a:latin typeface="Arial Unicode MS" panose="020B0604020202020204" pitchFamily="50" charset="-127"/>
+                <a:ea typeface="JetBrains Mono"/>
+              </a:rPr>
+              <a:t>                </a:t>
+            </a:r>
+            <a:r>
+              <a:rPr kumimoji="0" lang="ko-KR" altLang="ko-KR" sz="1300" b="0" i="0" u="none" strike="noStrike" cap="none" normalizeH="0" baseline="0" dirty="0">
+                <a:ln>
+                  <a:noFill/>
+                </a:ln>
+                <a:solidFill>
+                  <a:srgbClr val="FFFFFF"/>
+                </a:solidFill>
+                <a:effectLst/>
+                <a:latin typeface="Arial Unicode MS" panose="020B0604020202020204" pitchFamily="50" charset="-127"/>
+                <a:ea typeface="JetBrains Mono"/>
+              </a:rPr>
+              <a:t>hasHan3 </a:t>
+            </a:r>
+            <a:r>
+              <a:rPr kumimoji="0" lang="ko-KR" altLang="ko-KR" sz="1300" b="0" i="0" u="none" strike="noStrike" cap="none" normalizeH="0" baseline="0" dirty="0">
+                <a:ln>
+                  <a:noFill/>
+                </a:ln>
+                <a:solidFill>
+                  <a:srgbClr val="EBEBEB"/>
+                </a:solidFill>
+                <a:effectLst/>
+                <a:latin typeface="Arial Unicode MS" panose="020B0604020202020204" pitchFamily="50" charset="-127"/>
+                <a:ea typeface="JetBrains Mono"/>
+              </a:rPr>
+              <a:t>= </a:t>
+            </a:r>
+            <a:r>
+              <a:rPr kumimoji="0" lang="ko-KR" altLang="ko-KR" sz="1300" b="0" i="0" u="none" strike="noStrike" cap="none" normalizeH="0" baseline="0" dirty="0" err="1">
+                <a:ln>
+                  <a:noFill/>
+                </a:ln>
+                <a:solidFill>
+                  <a:srgbClr val="ED864A"/>
+                </a:solidFill>
+                <a:effectLst/>
+                <a:latin typeface="Arial Unicode MS" panose="020B0604020202020204" pitchFamily="50" charset="-127"/>
+                <a:ea typeface="JetBrains Mono"/>
+              </a:rPr>
+              <a:t>true</a:t>
+            </a:r>
+            <a:r>
+              <a:rPr kumimoji="0" lang="ko-KR" altLang="ko-KR" sz="1300" b="1" i="0" u="none" strike="noStrike" cap="none" normalizeH="0" baseline="0" dirty="0">
+                <a:ln>
+                  <a:noFill/>
+                </a:ln>
+                <a:solidFill>
+                  <a:srgbClr val="ED864A"/>
+                </a:solidFill>
+                <a:effectLst/>
+                <a:latin typeface="Arial Unicode MS" panose="020B0604020202020204" pitchFamily="50" charset="-127"/>
+                <a:ea typeface="JetBrains Mono"/>
+              </a:rPr>
+              <a:t>;</a:t>
+            </a:r>
+            <a:br>
+              <a:rPr kumimoji="0" lang="ko-KR" altLang="ko-KR" sz="1300" b="1" i="0" u="none" strike="noStrike" cap="none" normalizeH="0" baseline="0" dirty="0">
+                <a:ln>
+                  <a:noFill/>
+                </a:ln>
+                <a:solidFill>
+                  <a:srgbClr val="ED864A"/>
+                </a:solidFill>
+                <a:effectLst/>
+                <a:latin typeface="Arial Unicode MS" panose="020B0604020202020204" pitchFamily="50" charset="-127"/>
+                <a:ea typeface="JetBrains Mono"/>
+              </a:rPr>
+            </a:br>
+            <a:r>
+              <a:rPr kumimoji="0" lang="ko-KR" altLang="ko-KR" sz="1300" b="1" i="0" u="none" strike="noStrike" cap="none" normalizeH="0" baseline="0" dirty="0">
+                <a:ln>
+                  <a:noFill/>
+                </a:ln>
+                <a:solidFill>
+                  <a:srgbClr val="ED864A"/>
+                </a:solidFill>
+                <a:effectLst/>
+                <a:latin typeface="Arial Unicode MS" panose="020B0604020202020204" pitchFamily="50" charset="-127"/>
+                <a:ea typeface="JetBrains Mono"/>
+              </a:rPr>
+              <a:t>            </a:t>
+            </a:r>
+            <a:r>
+              <a:rPr kumimoji="0" lang="ko-KR" altLang="ko-KR" sz="1300" b="0" i="0" u="none" strike="noStrike" cap="none" normalizeH="0" baseline="0" dirty="0">
+                <a:ln>
+                  <a:noFill/>
+                </a:ln>
+                <a:solidFill>
+                  <a:srgbClr val="EBEBEB"/>
+                </a:solidFill>
+                <a:effectLst/>
+                <a:latin typeface="Arial Unicode MS" panose="020B0604020202020204" pitchFamily="50" charset="-127"/>
+                <a:ea typeface="JetBrains Mono"/>
+              </a:rPr>
+              <a:t>}</a:t>
+            </a:r>
+            <a:br>
+              <a:rPr kumimoji="0" lang="ko-KR" altLang="ko-KR" sz="1300" b="0" i="0" u="none" strike="noStrike" cap="none" normalizeH="0" baseline="0" dirty="0">
+                <a:ln>
+                  <a:noFill/>
+                </a:ln>
+                <a:solidFill>
+                  <a:srgbClr val="EBEBEB"/>
+                </a:solidFill>
+                <a:effectLst/>
+                <a:latin typeface="Arial Unicode MS" panose="020B0604020202020204" pitchFamily="50" charset="-127"/>
+                <a:ea typeface="JetBrains Mono"/>
+              </a:rPr>
+            </a:br>
+            <a:r>
+              <a:rPr kumimoji="0" lang="ko-KR" altLang="ko-KR" sz="1300" b="0" i="0" u="none" strike="noStrike" cap="none" normalizeH="0" baseline="0" dirty="0">
+                <a:ln>
+                  <a:noFill/>
+                </a:ln>
+                <a:solidFill>
+                  <a:srgbClr val="EBEBEB"/>
+                </a:solidFill>
+                <a:effectLst/>
+                <a:latin typeface="Arial Unicode MS" panose="020B0604020202020204" pitchFamily="50" charset="-127"/>
+                <a:ea typeface="JetBrains Mono"/>
+              </a:rPr>
+              <a:t>        }</a:t>
+            </a:r>
+            <a:endParaRPr kumimoji="0" lang="ko-KR" altLang="ko-KR" sz="1800" b="0" i="0" u="none" strike="noStrike" cap="none" normalizeH="0" baseline="0" dirty="0">
+              <a:ln>
+                <a:noFill/>
+              </a:ln>
+              <a:solidFill>
+                <a:schemeClr val="tx1"/>
+              </a:solidFill>
+              <a:effectLst/>
+              <a:latin typeface="Arial" panose="020B0604020202020204" pitchFamily="34" charset="0"/>
+            </a:endParaRPr>
+          </a:p>
+        </p:txBody>
+      </p:sp>
+      <p:sp>
+        <p:nvSpPr>
+          <p:cNvPr id="8" name="TextBox 7">
+            <a:extLst>
+              <a:ext uri="{FF2B5EF4-FFF2-40B4-BE49-F238E27FC236}">
+                <a16:creationId xmlns:a16="http://schemas.microsoft.com/office/drawing/2014/main" id="{56A4A74B-E23E-06BA-14AA-B756E8E4780A}"/>
               </a:ext>
             </a:extLst>
           </p:cNvPr>
@@ -8619,8 +12936,8 @@
         </p:nvSpPr>
         <p:spPr>
           <a:xfrm>
-            <a:off x="193589" y="987773"/>
-            <a:ext cx="12282616" cy="1446550"/>
+            <a:off x="5639499" y="1002560"/>
+            <a:ext cx="6094602" cy="3416320"/>
           </a:xfrm>
           <a:prstGeom prst="rect">
             <a:avLst/>
@@ -8628,65 +12945,1848 @@
           <a:noFill/>
         </p:spPr>
         <p:txBody>
-          <a:bodyPr wrap="square" rtlCol="0">
+          <a:bodyPr wrap="square">
             <a:spAutoFit/>
           </a:bodyPr>
           <a:lstStyle/>
           <a:p>
-            <a:pPr marL="342900" indent="-342900">
-              <a:buFont typeface="Wingdings" panose="05000000000000000000" pitchFamily="2" charset="2"/>
-              <a:buChar char="l"/>
-            </a:pPr>
-            <a:r>
-              <a:rPr lang="ko-KR" altLang="en-US" sz="2200" b="1" dirty="0"/>
-              <a:t>문제 분석</a:t>
-            </a:r>
-            <a:endParaRPr lang="en-US" altLang="ko-KR" sz="2200" b="1" dirty="0"/>
+            <a:r>
+              <a:rPr lang="en-US" altLang="ko-KR" sz="1200" dirty="0">
+                <a:solidFill>
+                  <a:srgbClr val="ED864A"/>
+                </a:solidFill>
+                <a:latin typeface="Arial Unicode MS" panose="020B0604020202020204" pitchFamily="50" charset="-127"/>
+                <a:ea typeface="JetBrains Mono"/>
+              </a:rPr>
+              <a:t>        </a:t>
+            </a:r>
+            <a:r>
+              <a:rPr kumimoji="0" lang="ko-KR" altLang="ko-KR" sz="1200" b="0" i="0" u="none" strike="noStrike" cap="none" normalizeH="0" baseline="0" dirty="0" err="1">
+                <a:ln>
+                  <a:noFill/>
+                </a:ln>
+                <a:solidFill>
+                  <a:srgbClr val="ED864A"/>
+                </a:solidFill>
+                <a:effectLst/>
+                <a:latin typeface="Arial Unicode MS" panose="020B0604020202020204" pitchFamily="50" charset="-127"/>
+                <a:ea typeface="JetBrains Mono"/>
+              </a:rPr>
+              <a:t>return</a:t>
+            </a:r>
+            <a:r>
+              <a:rPr kumimoji="0" lang="ko-KR" altLang="ko-KR" sz="1200" b="0" i="0" u="none" strike="noStrike" cap="none" normalizeH="0" baseline="0" dirty="0">
+                <a:ln>
+                  <a:noFill/>
+                </a:ln>
+                <a:solidFill>
+                  <a:srgbClr val="ED864A"/>
+                </a:solidFill>
+                <a:effectLst/>
+                <a:latin typeface="Arial Unicode MS" panose="020B0604020202020204" pitchFamily="50" charset="-127"/>
+                <a:ea typeface="JetBrains Mono"/>
+              </a:rPr>
+              <a:t> </a:t>
+            </a:r>
+            <a:r>
+              <a:rPr kumimoji="0" lang="ko-KR" altLang="ko-KR" sz="1200" b="0" i="0" u="none" strike="noStrike" cap="none" normalizeH="0" baseline="0" dirty="0" err="1">
+                <a:ln>
+                  <a:noFill/>
+                </a:ln>
+                <a:solidFill>
+                  <a:srgbClr val="FFFFFF"/>
+                </a:solidFill>
+                <a:effectLst/>
+                <a:latin typeface="Arial Unicode MS" panose="020B0604020202020204" pitchFamily="50" charset="-127"/>
+                <a:ea typeface="JetBrains Mono"/>
+              </a:rPr>
+              <a:t>result</a:t>
+            </a:r>
+            <a:r>
+              <a:rPr kumimoji="0" lang="ko-KR" altLang="ko-KR" sz="1200" b="0" i="0" u="none" strike="noStrike" cap="none" normalizeH="0" baseline="0" dirty="0" err="1">
+                <a:ln>
+                  <a:noFill/>
+                </a:ln>
+                <a:solidFill>
+                  <a:srgbClr val="EBEBEB"/>
+                </a:solidFill>
+                <a:effectLst/>
+                <a:latin typeface="Arial Unicode MS" panose="020B0604020202020204" pitchFamily="50" charset="-127"/>
+                <a:ea typeface="JetBrains Mono"/>
+              </a:rPr>
+              <a:t>.toString</a:t>
+            </a:r>
+            <a:r>
+              <a:rPr kumimoji="0" lang="ko-KR" altLang="ko-KR" sz="1200" b="0" i="0" u="none" strike="noStrike" cap="none" normalizeH="0" baseline="0" dirty="0">
+                <a:ln>
+                  <a:noFill/>
+                </a:ln>
+                <a:solidFill>
+                  <a:srgbClr val="EBEBEB"/>
+                </a:solidFill>
+                <a:effectLst/>
+                <a:latin typeface="Arial Unicode MS" panose="020B0604020202020204" pitchFamily="50" charset="-127"/>
+                <a:ea typeface="JetBrains Mono"/>
+              </a:rPr>
+              <a:t>()</a:t>
+            </a:r>
+            <a:r>
+              <a:rPr kumimoji="0" lang="ko-KR" altLang="ko-KR" sz="1200" b="1" i="0" u="none" strike="noStrike" cap="none" normalizeH="0" baseline="0" dirty="0">
+                <a:ln>
+                  <a:noFill/>
+                </a:ln>
+                <a:solidFill>
+                  <a:srgbClr val="ED864A"/>
+                </a:solidFill>
+                <a:effectLst/>
+                <a:latin typeface="Arial Unicode MS" panose="020B0604020202020204" pitchFamily="50" charset="-127"/>
+                <a:ea typeface="JetBrains Mono"/>
+              </a:rPr>
+              <a:t>;</a:t>
+            </a:r>
+            <a:br>
+              <a:rPr kumimoji="0" lang="ko-KR" altLang="ko-KR" sz="1200" b="1" i="0" u="none" strike="noStrike" cap="none" normalizeH="0" baseline="0" dirty="0">
+                <a:ln>
+                  <a:noFill/>
+                </a:ln>
+                <a:solidFill>
+                  <a:srgbClr val="ED864A"/>
+                </a:solidFill>
+                <a:effectLst/>
+                <a:latin typeface="Arial Unicode MS" panose="020B0604020202020204" pitchFamily="50" charset="-127"/>
+                <a:ea typeface="JetBrains Mono"/>
+              </a:rPr>
+            </a:br>
+            <a:r>
+              <a:rPr kumimoji="0" lang="ko-KR" altLang="ko-KR" sz="1200" b="1" i="0" u="none" strike="noStrike" cap="none" normalizeH="0" baseline="0" dirty="0">
+                <a:ln>
+                  <a:noFill/>
+                </a:ln>
+                <a:solidFill>
+                  <a:srgbClr val="ED864A"/>
+                </a:solidFill>
+                <a:effectLst/>
+                <a:latin typeface="Arial Unicode MS" panose="020B0604020202020204" pitchFamily="50" charset="-127"/>
+                <a:ea typeface="JetBrains Mono"/>
+              </a:rPr>
+              <a:t>    </a:t>
+            </a:r>
+            <a:r>
+              <a:rPr kumimoji="0" lang="ko-KR" altLang="ko-KR" sz="1200" b="0" i="0" u="none" strike="noStrike" cap="none" normalizeH="0" baseline="0" dirty="0">
+                <a:ln>
+                  <a:noFill/>
+                </a:ln>
+                <a:solidFill>
+                  <a:srgbClr val="EBEBEB"/>
+                </a:solidFill>
+                <a:effectLst/>
+                <a:latin typeface="Arial Unicode MS" panose="020B0604020202020204" pitchFamily="50" charset="-127"/>
+                <a:ea typeface="JetBrains Mono"/>
+              </a:rPr>
+              <a:t>} </a:t>
+            </a:r>
+            <a:endParaRPr kumimoji="0" lang="en-US" altLang="ko-KR" sz="1200" b="0" i="0" u="none" strike="noStrike" cap="none" normalizeH="0" baseline="0" dirty="0">
+              <a:ln>
+                <a:noFill/>
+              </a:ln>
+              <a:solidFill>
+                <a:srgbClr val="EBEBEB"/>
+              </a:solidFill>
+              <a:effectLst/>
+              <a:latin typeface="Arial Unicode MS" panose="020B0604020202020204" pitchFamily="50" charset="-127"/>
+              <a:ea typeface="JetBrains Mono"/>
+            </a:endParaRPr>
           </a:p>
           <a:p>
-            <a:pPr marL="800100" lvl="1" indent="-342900">
-              <a:buFont typeface="Wingdings" panose="05000000000000000000" pitchFamily="2" charset="2"/>
-              <a:buChar char="§"/>
-            </a:pPr>
-            <a:r>
-              <a:rPr lang="ko-KR" altLang="en-US" sz="2200" b="1" dirty="0"/>
-              <a:t>계산 방법</a:t>
-            </a:r>
-          </a:p>
-          <a:p>
-            <a:pPr marL="1257300" lvl="2" indent="-342900">
-              <a:buFont typeface="Arial" panose="020B0604020202020204" pitchFamily="34" charset="0"/>
-              <a:buChar char="•"/>
-            </a:pPr>
-            <a:r>
-              <a:rPr lang="en-US" altLang="ko-KR" sz="2200" b="1" dirty="0"/>
-              <a:t>(Data</a:t>
-            </a:r>
-            <a:r>
-              <a:rPr lang="ko-KR" altLang="en-US" sz="2200" b="1" dirty="0"/>
+            <a:r>
+              <a:rPr kumimoji="0" lang="ko-KR" altLang="ko-KR" sz="1200" b="0" i="0" u="none" strike="noStrike" cap="none" normalizeH="0" baseline="0" dirty="0" err="1">
+                <a:ln>
+                  <a:noFill/>
+                </a:ln>
+                <a:solidFill>
+                  <a:srgbClr val="ED864A"/>
+                </a:solidFill>
+                <a:effectLst/>
+                <a:latin typeface="Arial Unicode MS" panose="020B0604020202020204" pitchFamily="50" charset="-127"/>
+                <a:ea typeface="JetBrains Mono"/>
+              </a:rPr>
+              <a:t>public</a:t>
+            </a:r>
+            <a:r>
+              <a:rPr kumimoji="0" lang="ko-KR" altLang="ko-KR" sz="1200" b="0" i="0" u="none" strike="noStrike" cap="none" normalizeH="0" baseline="0" dirty="0">
+                <a:ln>
+                  <a:noFill/>
+                </a:ln>
+                <a:solidFill>
+                  <a:srgbClr val="ED864A"/>
+                </a:solidFill>
+                <a:effectLst/>
+                <a:latin typeface="Arial Unicode MS" panose="020B0604020202020204" pitchFamily="50" charset="-127"/>
+                <a:ea typeface="JetBrains Mono"/>
+              </a:rPr>
               <a:t> </a:t>
             </a:r>
             <a:r>
-              <a:rPr lang="en-US" altLang="ko-KR" sz="2200" b="1" dirty="0"/>
-              <a:t>% 4 == 0) || (data % 100 != 0) || (data % 400 == 0) = 1</a:t>
-            </a:r>
-          </a:p>
-          <a:p>
-            <a:pPr marL="1257300" lvl="2" indent="-342900">
-              <a:buFont typeface="Arial" panose="020B0604020202020204" pitchFamily="34" charset="0"/>
-              <a:buChar char="•"/>
-            </a:pPr>
-            <a:r>
-              <a:rPr lang="en-US" altLang="ko-KR" sz="2200" b="1" dirty="0"/>
-              <a:t>(Data % 4 != 0) || (data % 100 == 0) || (data % 400 != 0) = 0</a:t>
-            </a:r>
+              <a:rPr kumimoji="0" lang="ko-KR" altLang="ko-KR" sz="1200" b="0" i="0" u="none" strike="noStrike" cap="none" normalizeH="0" baseline="0" dirty="0" err="1">
+                <a:ln>
+                  <a:noFill/>
+                </a:ln>
+                <a:solidFill>
+                  <a:srgbClr val="ED864A"/>
+                </a:solidFill>
+                <a:effectLst/>
+                <a:latin typeface="Arial Unicode MS" panose="020B0604020202020204" pitchFamily="50" charset="-127"/>
+                <a:ea typeface="JetBrains Mono"/>
+              </a:rPr>
+              <a:t>static</a:t>
+            </a:r>
+            <a:r>
+              <a:rPr kumimoji="0" lang="ko-KR" altLang="ko-KR" sz="1200" b="0" i="0" u="none" strike="noStrike" cap="none" normalizeH="0" baseline="0" dirty="0">
+                <a:ln>
+                  <a:noFill/>
+                </a:ln>
+                <a:solidFill>
+                  <a:srgbClr val="ED864A"/>
+                </a:solidFill>
+                <a:effectLst/>
+                <a:latin typeface="Arial Unicode MS" panose="020B0604020202020204" pitchFamily="50" charset="-127"/>
+                <a:ea typeface="JetBrains Mono"/>
+              </a:rPr>
+              <a:t> </a:t>
+            </a:r>
+            <a:r>
+              <a:rPr kumimoji="0" lang="ko-KR" altLang="ko-KR" sz="1200" b="0" i="0" u="none" strike="noStrike" cap="none" normalizeH="0" baseline="0" dirty="0" err="1">
+                <a:ln>
+                  <a:noFill/>
+                </a:ln>
+                <a:solidFill>
+                  <a:srgbClr val="ED864A"/>
+                </a:solidFill>
+                <a:effectLst/>
+                <a:latin typeface="Arial Unicode MS" panose="020B0604020202020204" pitchFamily="50" charset="-127"/>
+                <a:ea typeface="JetBrains Mono"/>
+              </a:rPr>
+              <a:t>void</a:t>
+            </a:r>
+            <a:r>
+              <a:rPr kumimoji="0" lang="ko-KR" altLang="ko-KR" sz="1200" b="0" i="0" u="none" strike="noStrike" cap="none" normalizeH="0" baseline="0" dirty="0">
+                <a:ln>
+                  <a:noFill/>
+                </a:ln>
+                <a:solidFill>
+                  <a:srgbClr val="ED864A"/>
+                </a:solidFill>
+                <a:effectLst/>
+                <a:latin typeface="Arial Unicode MS" panose="020B0604020202020204" pitchFamily="50" charset="-127"/>
+                <a:ea typeface="JetBrains Mono"/>
+              </a:rPr>
+              <a:t> </a:t>
+            </a:r>
+            <a:r>
+              <a:rPr kumimoji="0" lang="ko-KR" altLang="ko-KR" sz="1200" b="0" i="0" u="none" strike="noStrike" cap="none" normalizeH="0" baseline="0" dirty="0" err="1">
+                <a:ln>
+                  <a:noFill/>
+                </a:ln>
+                <a:solidFill>
+                  <a:srgbClr val="FFCF40"/>
+                </a:solidFill>
+                <a:effectLst/>
+                <a:latin typeface="Arial Unicode MS" panose="020B0604020202020204" pitchFamily="50" charset="-127"/>
+                <a:ea typeface="JetBrains Mono"/>
+              </a:rPr>
+              <a:t>main</a:t>
+            </a:r>
+            <a:r>
+              <a:rPr kumimoji="0" lang="ko-KR" altLang="ko-KR" sz="1200" b="0" i="0" u="none" strike="noStrike" cap="none" normalizeH="0" baseline="0" dirty="0">
+                <a:ln>
+                  <a:noFill/>
+                </a:ln>
+                <a:solidFill>
+                  <a:srgbClr val="EBEBEB"/>
+                </a:solidFill>
+                <a:effectLst/>
+                <a:latin typeface="Arial Unicode MS" panose="020B0604020202020204" pitchFamily="50" charset="-127"/>
+                <a:ea typeface="JetBrains Mono"/>
+              </a:rPr>
+              <a:t>(</a:t>
+            </a:r>
+            <a:r>
+              <a:rPr kumimoji="0" lang="ko-KR" altLang="ko-KR" sz="1200" b="0" i="0" u="none" strike="noStrike" cap="none" normalizeH="0" baseline="0" dirty="0" err="1">
+                <a:ln>
+                  <a:noFill/>
+                </a:ln>
+                <a:solidFill>
+                  <a:srgbClr val="FFFFFF"/>
+                </a:solidFill>
+                <a:effectLst/>
+                <a:latin typeface="Arial Unicode MS" panose="020B0604020202020204" pitchFamily="50" charset="-127"/>
+                <a:ea typeface="JetBrains Mono"/>
+              </a:rPr>
+              <a:t>String</a:t>
+            </a:r>
+            <a:r>
+              <a:rPr kumimoji="0" lang="ko-KR" altLang="ko-KR" sz="1200" b="0" i="0" u="none" strike="noStrike" cap="none" normalizeH="0" baseline="0" dirty="0">
+                <a:ln>
+                  <a:noFill/>
+                </a:ln>
+                <a:solidFill>
+                  <a:srgbClr val="EBEBEB"/>
+                </a:solidFill>
+                <a:effectLst/>
+                <a:latin typeface="Arial Unicode MS" panose="020B0604020202020204" pitchFamily="50" charset="-127"/>
+                <a:ea typeface="JetBrains Mono"/>
+              </a:rPr>
+              <a:t>[] </a:t>
+            </a:r>
+            <a:r>
+              <a:rPr kumimoji="0" lang="ko-KR" altLang="ko-KR" sz="1200" b="0" i="0" u="none" strike="noStrike" cap="none" normalizeH="0" baseline="0" dirty="0" err="1">
+                <a:ln>
+                  <a:noFill/>
+                </a:ln>
+                <a:solidFill>
+                  <a:srgbClr val="FFFFFF"/>
+                </a:solidFill>
+                <a:effectLst/>
+                <a:latin typeface="Arial Unicode MS" panose="020B0604020202020204" pitchFamily="50" charset="-127"/>
+                <a:ea typeface="JetBrains Mono"/>
+              </a:rPr>
+              <a:t>args</a:t>
+            </a:r>
+            <a:r>
+              <a:rPr kumimoji="0" lang="ko-KR" altLang="ko-KR" sz="1200" b="0" i="0" u="none" strike="noStrike" cap="none" normalizeH="0" baseline="0" dirty="0">
+                <a:ln>
+                  <a:noFill/>
+                </a:ln>
+                <a:solidFill>
+                  <a:srgbClr val="EBEBEB"/>
+                </a:solidFill>
+                <a:effectLst/>
+                <a:latin typeface="Arial Unicode MS" panose="020B0604020202020204" pitchFamily="50" charset="-127"/>
+                <a:ea typeface="JetBrains Mono"/>
+              </a:rPr>
+              <a:t>) {</a:t>
+            </a:r>
+            <a:br>
+              <a:rPr kumimoji="0" lang="ko-KR" altLang="ko-KR" sz="1200" b="0" i="0" u="none" strike="noStrike" cap="none" normalizeH="0" baseline="0" dirty="0">
+                <a:ln>
+                  <a:noFill/>
+                </a:ln>
+                <a:solidFill>
+                  <a:srgbClr val="EBEBEB"/>
+                </a:solidFill>
+                <a:effectLst/>
+                <a:latin typeface="Arial Unicode MS" panose="020B0604020202020204" pitchFamily="50" charset="-127"/>
+                <a:ea typeface="JetBrains Mono"/>
+              </a:rPr>
+            </a:br>
+            <a:r>
+              <a:rPr kumimoji="0" lang="ko-KR" altLang="ko-KR" sz="1200" b="0" i="0" u="none" strike="noStrike" cap="none" normalizeH="0" baseline="0" dirty="0">
+                <a:ln>
+                  <a:noFill/>
+                </a:ln>
+                <a:solidFill>
+                  <a:srgbClr val="EBEBEB"/>
+                </a:solidFill>
+                <a:effectLst/>
+                <a:latin typeface="Arial Unicode MS" panose="020B0604020202020204" pitchFamily="50" charset="-127"/>
+                <a:ea typeface="JetBrains Mono"/>
+              </a:rPr>
+              <a:t>        </a:t>
+            </a:r>
+            <a:r>
+              <a:rPr kumimoji="0" lang="ko-KR" altLang="ko-KR" sz="1200" b="0" i="0" u="none" strike="noStrike" cap="none" normalizeH="0" baseline="0" dirty="0" err="1">
+                <a:ln>
+                  <a:noFill/>
+                </a:ln>
+                <a:solidFill>
+                  <a:srgbClr val="FFFFFF"/>
+                </a:solidFill>
+                <a:effectLst/>
+                <a:latin typeface="Arial Unicode MS" panose="020B0604020202020204" pitchFamily="50" charset="-127"/>
+                <a:ea typeface="JetBrains Mono"/>
+              </a:rPr>
+              <a:t>Scanner</a:t>
+            </a:r>
+            <a:r>
+              <a:rPr kumimoji="0" lang="ko-KR" altLang="ko-KR" sz="1200" b="0" i="0" u="none" strike="noStrike" cap="none" normalizeH="0" baseline="0" dirty="0">
+                <a:ln>
+                  <a:noFill/>
+                </a:ln>
+                <a:solidFill>
+                  <a:srgbClr val="FFFFFF"/>
+                </a:solidFill>
+                <a:effectLst/>
+                <a:latin typeface="Arial Unicode MS" panose="020B0604020202020204" pitchFamily="50" charset="-127"/>
+                <a:ea typeface="JetBrains Mono"/>
+              </a:rPr>
+              <a:t> </a:t>
+            </a:r>
+            <a:r>
+              <a:rPr kumimoji="0" lang="ko-KR" altLang="ko-KR" sz="1200" b="0" i="0" u="none" strike="noStrike" cap="none" normalizeH="0" baseline="0" dirty="0" err="1">
+                <a:ln>
+                  <a:noFill/>
+                </a:ln>
+                <a:solidFill>
+                  <a:srgbClr val="FFFFFF"/>
+                </a:solidFill>
+                <a:effectLst/>
+                <a:latin typeface="Arial Unicode MS" panose="020B0604020202020204" pitchFamily="50" charset="-127"/>
+                <a:ea typeface="JetBrains Mono"/>
+              </a:rPr>
+              <a:t>scanner</a:t>
+            </a:r>
+            <a:r>
+              <a:rPr kumimoji="0" lang="ko-KR" altLang="ko-KR" sz="1200" b="0" i="0" u="none" strike="noStrike" cap="none" normalizeH="0" baseline="0" dirty="0">
+                <a:ln>
+                  <a:noFill/>
+                </a:ln>
+                <a:solidFill>
+                  <a:srgbClr val="FFFFFF"/>
+                </a:solidFill>
+                <a:effectLst/>
+                <a:latin typeface="Arial Unicode MS" panose="020B0604020202020204" pitchFamily="50" charset="-127"/>
+                <a:ea typeface="JetBrains Mono"/>
+              </a:rPr>
+              <a:t> </a:t>
+            </a:r>
+            <a:r>
+              <a:rPr kumimoji="0" lang="ko-KR" altLang="ko-KR" sz="1200" b="0" i="0" u="none" strike="noStrike" cap="none" normalizeH="0" baseline="0" dirty="0">
+                <a:ln>
+                  <a:noFill/>
+                </a:ln>
+                <a:solidFill>
+                  <a:srgbClr val="EBEBEB"/>
+                </a:solidFill>
+                <a:effectLst/>
+                <a:latin typeface="Arial Unicode MS" panose="020B0604020202020204" pitchFamily="50" charset="-127"/>
+                <a:ea typeface="JetBrains Mono"/>
+              </a:rPr>
+              <a:t>= </a:t>
+            </a:r>
+            <a:r>
+              <a:rPr kumimoji="0" lang="ko-KR" altLang="ko-KR" sz="1200" b="0" i="0" u="none" strike="noStrike" cap="none" normalizeH="0" baseline="0" dirty="0" err="1">
+                <a:ln>
+                  <a:noFill/>
+                </a:ln>
+                <a:solidFill>
+                  <a:srgbClr val="ED864A"/>
+                </a:solidFill>
+                <a:effectLst/>
+                <a:latin typeface="Arial Unicode MS" panose="020B0604020202020204" pitchFamily="50" charset="-127"/>
+                <a:ea typeface="JetBrains Mono"/>
+              </a:rPr>
+              <a:t>new</a:t>
+            </a:r>
+            <a:r>
+              <a:rPr kumimoji="0" lang="ko-KR" altLang="ko-KR" sz="1200" b="0" i="0" u="none" strike="noStrike" cap="none" normalizeH="0" baseline="0" dirty="0">
+                <a:ln>
+                  <a:noFill/>
+                </a:ln>
+                <a:solidFill>
+                  <a:srgbClr val="ED864A"/>
+                </a:solidFill>
+                <a:effectLst/>
+                <a:latin typeface="Arial Unicode MS" panose="020B0604020202020204" pitchFamily="50" charset="-127"/>
+                <a:ea typeface="JetBrains Mono"/>
+              </a:rPr>
+              <a:t> </a:t>
+            </a:r>
+            <a:r>
+              <a:rPr kumimoji="0" lang="ko-KR" altLang="ko-KR" sz="1200" b="0" i="0" u="none" strike="noStrike" cap="none" normalizeH="0" baseline="0" dirty="0" err="1">
+                <a:ln>
+                  <a:noFill/>
+                </a:ln>
+                <a:solidFill>
+                  <a:srgbClr val="EBEBEB"/>
+                </a:solidFill>
+                <a:effectLst/>
+                <a:latin typeface="Arial Unicode MS" panose="020B0604020202020204" pitchFamily="50" charset="-127"/>
+                <a:ea typeface="JetBrains Mono"/>
+              </a:rPr>
+              <a:t>Scanner</a:t>
+            </a:r>
+            <a:r>
+              <a:rPr kumimoji="0" lang="ko-KR" altLang="ko-KR" sz="1200" b="0" i="0" u="none" strike="noStrike" cap="none" normalizeH="0" baseline="0" dirty="0">
+                <a:ln>
+                  <a:noFill/>
+                </a:ln>
+                <a:solidFill>
+                  <a:srgbClr val="EBEBEB"/>
+                </a:solidFill>
+                <a:effectLst/>
+                <a:latin typeface="Arial Unicode MS" panose="020B0604020202020204" pitchFamily="50" charset="-127"/>
+                <a:ea typeface="JetBrains Mono"/>
+              </a:rPr>
+              <a:t>(</a:t>
+            </a:r>
+            <a:r>
+              <a:rPr kumimoji="0" lang="ko-KR" altLang="ko-KR" sz="1200" b="0" i="0" u="none" strike="noStrike" cap="none" normalizeH="0" baseline="0" dirty="0" err="1">
+                <a:ln>
+                  <a:noFill/>
+                </a:ln>
+                <a:solidFill>
+                  <a:srgbClr val="FFFFFF"/>
+                </a:solidFill>
+                <a:effectLst/>
+                <a:latin typeface="Arial Unicode MS" panose="020B0604020202020204" pitchFamily="50" charset="-127"/>
+                <a:ea typeface="JetBrains Mono"/>
+              </a:rPr>
+              <a:t>System</a:t>
+            </a:r>
+            <a:r>
+              <a:rPr kumimoji="0" lang="ko-KR" altLang="ko-KR" sz="1200" b="0" i="0" u="none" strike="noStrike" cap="none" normalizeH="0" baseline="0" dirty="0" err="1">
+                <a:ln>
+                  <a:noFill/>
+                </a:ln>
+                <a:solidFill>
+                  <a:srgbClr val="EBEBEB"/>
+                </a:solidFill>
+                <a:effectLst/>
+                <a:latin typeface="Arial Unicode MS" panose="020B0604020202020204" pitchFamily="50" charset="-127"/>
+                <a:ea typeface="JetBrains Mono"/>
+              </a:rPr>
+              <a:t>.</a:t>
+            </a:r>
+            <a:r>
+              <a:rPr kumimoji="0" lang="ko-KR" altLang="ko-KR" sz="1200" b="0" i="1" u="none" strike="noStrike" cap="none" normalizeH="0" baseline="0" dirty="0" err="1">
+                <a:ln>
+                  <a:noFill/>
+                </a:ln>
+                <a:solidFill>
+                  <a:srgbClr val="ED94FF"/>
+                </a:solidFill>
+                <a:effectLst/>
+                <a:latin typeface="Arial Unicode MS" panose="020B0604020202020204" pitchFamily="50" charset="-127"/>
+                <a:ea typeface="JetBrains Mono"/>
+              </a:rPr>
+              <a:t>in</a:t>
+            </a:r>
+            <a:r>
+              <a:rPr kumimoji="0" lang="ko-KR" altLang="ko-KR" sz="1200" b="0" i="0" u="none" strike="noStrike" cap="none" normalizeH="0" baseline="0" dirty="0">
+                <a:ln>
+                  <a:noFill/>
+                </a:ln>
+                <a:solidFill>
+                  <a:srgbClr val="EBEBEB"/>
+                </a:solidFill>
+                <a:effectLst/>
+                <a:latin typeface="Arial Unicode MS" panose="020B0604020202020204" pitchFamily="50" charset="-127"/>
+                <a:ea typeface="JetBrains Mono"/>
+              </a:rPr>
+              <a:t>)</a:t>
+            </a:r>
+            <a:r>
+              <a:rPr kumimoji="0" lang="ko-KR" altLang="ko-KR" sz="1200" b="1" i="0" u="none" strike="noStrike" cap="none" normalizeH="0" baseline="0" dirty="0">
+                <a:ln>
+                  <a:noFill/>
+                </a:ln>
+                <a:solidFill>
+                  <a:srgbClr val="ED864A"/>
+                </a:solidFill>
+                <a:effectLst/>
+                <a:latin typeface="Arial Unicode MS" panose="020B0604020202020204" pitchFamily="50" charset="-127"/>
+                <a:ea typeface="JetBrains Mono"/>
+              </a:rPr>
+              <a:t>;</a:t>
+            </a:r>
+            <a:br>
+              <a:rPr kumimoji="0" lang="ko-KR" altLang="ko-KR" sz="1200" b="1" i="0" u="none" strike="noStrike" cap="none" normalizeH="0" baseline="0" dirty="0">
+                <a:ln>
+                  <a:noFill/>
+                </a:ln>
+                <a:solidFill>
+                  <a:srgbClr val="ED864A"/>
+                </a:solidFill>
+                <a:effectLst/>
+                <a:latin typeface="Arial Unicode MS" panose="020B0604020202020204" pitchFamily="50" charset="-127"/>
+                <a:ea typeface="JetBrains Mono"/>
+              </a:rPr>
+            </a:br>
+            <a:br>
+              <a:rPr kumimoji="0" lang="ko-KR" altLang="ko-KR" sz="1200" b="1" i="0" u="none" strike="noStrike" cap="none" normalizeH="0" baseline="0" dirty="0">
+                <a:ln>
+                  <a:noFill/>
+                </a:ln>
+                <a:solidFill>
+                  <a:srgbClr val="ED864A"/>
+                </a:solidFill>
+                <a:effectLst/>
+                <a:latin typeface="Arial Unicode MS" panose="020B0604020202020204" pitchFamily="50" charset="-127"/>
+                <a:ea typeface="JetBrains Mono"/>
+              </a:rPr>
+            </a:br>
+            <a:r>
+              <a:rPr kumimoji="0" lang="ko-KR" altLang="ko-KR" sz="1200" b="1" i="0" u="none" strike="noStrike" cap="none" normalizeH="0" baseline="0" dirty="0">
+                <a:ln>
+                  <a:noFill/>
+                </a:ln>
+                <a:solidFill>
+                  <a:srgbClr val="ED864A"/>
+                </a:solidFill>
+                <a:effectLst/>
+                <a:latin typeface="Arial Unicode MS" panose="020B0604020202020204" pitchFamily="50" charset="-127"/>
+                <a:ea typeface="JetBrains Mono"/>
+              </a:rPr>
+              <a:t>        </a:t>
+            </a:r>
+            <a:r>
+              <a:rPr kumimoji="0" lang="ko-KR" altLang="ko-KR" sz="1200" b="0" i="0" u="none" strike="noStrike" cap="none" normalizeH="0" baseline="0" dirty="0">
+                <a:ln>
+                  <a:noFill/>
+                </a:ln>
+                <a:solidFill>
+                  <a:srgbClr val="7EC3E6"/>
+                </a:solidFill>
+                <a:effectLst/>
+                <a:latin typeface="Arial Unicode MS" panose="020B0604020202020204" pitchFamily="50" charset="-127"/>
+                <a:ea typeface="JetBrains Mono"/>
+              </a:rPr>
+              <a:t>// </a:t>
+            </a:r>
+            <a:r>
+              <a:rPr kumimoji="0" lang="ko-KR" altLang="ko-KR" sz="1200" b="0" i="0" u="none" strike="noStrike" cap="none" normalizeH="0" baseline="0" dirty="0">
+                <a:ln>
+                  <a:noFill/>
+                </a:ln>
+                <a:solidFill>
+                  <a:srgbClr val="7EC3E6"/>
+                </a:solidFill>
+                <a:effectLst/>
+                <a:latin typeface="맑은 고딕" panose="020B0503020000020004" pitchFamily="50" charset="-127"/>
+                <a:ea typeface="맑은 고딕" panose="020B0503020000020004" pitchFamily="50" charset="-127"/>
+              </a:rPr>
+              <a:t>사용자로부터 정수 입력 받기</a:t>
+            </a:r>
+            <a:br>
+              <a:rPr kumimoji="0" lang="ko-KR" altLang="ko-KR" sz="1200" b="0" i="0" u="none" strike="noStrike" cap="none" normalizeH="0" baseline="0" dirty="0">
+                <a:ln>
+                  <a:noFill/>
+                </a:ln>
+                <a:solidFill>
+                  <a:srgbClr val="7EC3E6"/>
+                </a:solidFill>
+                <a:effectLst/>
+                <a:latin typeface="맑은 고딕" panose="020B0503020000020004" pitchFamily="50" charset="-127"/>
+                <a:ea typeface="맑은 고딕" panose="020B0503020000020004" pitchFamily="50" charset="-127"/>
+              </a:rPr>
+            </a:br>
+            <a:r>
+              <a:rPr kumimoji="0" lang="ko-KR" altLang="ko-KR" sz="1200" b="0" i="0" u="none" strike="noStrike" cap="none" normalizeH="0" baseline="0" dirty="0">
+                <a:ln>
+                  <a:noFill/>
+                </a:ln>
+                <a:solidFill>
+                  <a:srgbClr val="7EC3E6"/>
+                </a:solidFill>
+                <a:effectLst/>
+                <a:latin typeface="맑은 고딕" panose="020B0503020000020004" pitchFamily="50" charset="-127"/>
+                <a:ea typeface="맑은 고딕" panose="020B0503020000020004" pitchFamily="50" charset="-127"/>
+              </a:rPr>
+              <a:t>        </a:t>
+            </a:r>
+            <a:r>
+              <a:rPr kumimoji="0" lang="ko-KR" altLang="ko-KR" sz="1200" b="0" i="0" u="none" strike="noStrike" cap="none" normalizeH="0" baseline="0" dirty="0" err="1">
+                <a:ln>
+                  <a:noFill/>
+                </a:ln>
+                <a:solidFill>
+                  <a:srgbClr val="FFFFFF"/>
+                </a:solidFill>
+                <a:effectLst/>
+                <a:latin typeface="Arial Unicode MS" panose="020B0604020202020204" pitchFamily="50" charset="-127"/>
+                <a:ea typeface="JetBrains Mono"/>
+              </a:rPr>
+              <a:t>System</a:t>
+            </a:r>
+            <a:r>
+              <a:rPr kumimoji="0" lang="ko-KR" altLang="ko-KR" sz="1200" b="0" i="0" u="none" strike="noStrike" cap="none" normalizeH="0" baseline="0" dirty="0" err="1">
+                <a:ln>
+                  <a:noFill/>
+                </a:ln>
+                <a:solidFill>
+                  <a:srgbClr val="EBEBEB"/>
+                </a:solidFill>
+                <a:effectLst/>
+                <a:latin typeface="Arial Unicode MS" panose="020B0604020202020204" pitchFamily="50" charset="-127"/>
+                <a:ea typeface="JetBrains Mono"/>
+              </a:rPr>
+              <a:t>.</a:t>
+            </a:r>
+            <a:r>
+              <a:rPr kumimoji="0" lang="ko-KR" altLang="ko-KR" sz="1200" b="0" i="1" u="none" strike="noStrike" cap="none" normalizeH="0" baseline="0" dirty="0" err="1">
+                <a:ln>
+                  <a:noFill/>
+                </a:ln>
+                <a:solidFill>
+                  <a:srgbClr val="ED94FF"/>
+                </a:solidFill>
+                <a:effectLst/>
+                <a:latin typeface="Arial Unicode MS" panose="020B0604020202020204" pitchFamily="50" charset="-127"/>
+                <a:ea typeface="JetBrains Mono"/>
+              </a:rPr>
+              <a:t>out</a:t>
+            </a:r>
+            <a:r>
+              <a:rPr kumimoji="0" lang="ko-KR" altLang="ko-KR" sz="1200" b="0" i="0" u="none" strike="noStrike" cap="none" normalizeH="0" baseline="0" dirty="0" err="1">
+                <a:ln>
+                  <a:noFill/>
+                </a:ln>
+                <a:solidFill>
+                  <a:srgbClr val="EBEBEB"/>
+                </a:solidFill>
+                <a:effectLst/>
+                <a:latin typeface="Arial Unicode MS" panose="020B0604020202020204" pitchFamily="50" charset="-127"/>
+                <a:ea typeface="JetBrains Mono"/>
+              </a:rPr>
+              <a:t>.print</a:t>
+            </a:r>
+            <a:r>
+              <a:rPr kumimoji="0" lang="ko-KR" altLang="ko-KR" sz="1200" b="0" i="0" u="none" strike="noStrike" cap="none" normalizeH="0" baseline="0" dirty="0">
+                <a:ln>
+                  <a:noFill/>
+                </a:ln>
+                <a:solidFill>
+                  <a:srgbClr val="EBEBEB"/>
+                </a:solidFill>
+                <a:effectLst/>
+                <a:latin typeface="Arial Unicode MS" panose="020B0604020202020204" pitchFamily="50" charset="-127"/>
+                <a:ea typeface="JetBrains Mono"/>
+              </a:rPr>
+              <a:t>(</a:t>
+            </a:r>
+            <a:r>
+              <a:rPr kumimoji="0" lang="ko-KR" altLang="ko-KR" sz="1200" b="0" i="0" u="none" strike="noStrike" cap="none" normalizeH="0" baseline="0" dirty="0">
+                <a:ln>
+                  <a:noFill/>
+                </a:ln>
+                <a:solidFill>
+                  <a:srgbClr val="54B33E"/>
+                </a:solidFill>
+                <a:effectLst/>
+                <a:latin typeface="Arial Unicode MS" panose="020B0604020202020204" pitchFamily="50" charset="-127"/>
+                <a:ea typeface="JetBrains Mono"/>
+              </a:rPr>
+              <a:t>"</a:t>
+            </a:r>
+            <a:r>
+              <a:rPr kumimoji="0" lang="ko-KR" altLang="ko-KR" sz="1200" b="0" i="0" u="none" strike="noStrike" cap="none" normalizeH="0" baseline="0" dirty="0">
+                <a:ln>
+                  <a:noFill/>
+                </a:ln>
+                <a:solidFill>
+                  <a:srgbClr val="54B33E"/>
+                </a:solidFill>
+                <a:effectLst/>
+                <a:latin typeface="맑은 고딕" panose="020B0503020000020004" pitchFamily="50" charset="-127"/>
+                <a:ea typeface="맑은 고딕" panose="020B0503020000020004" pitchFamily="50" charset="-127"/>
+              </a:rPr>
+              <a:t>금액을 입력하세요</a:t>
+            </a:r>
+            <a:r>
+              <a:rPr kumimoji="0" lang="ko-KR" altLang="ko-KR" sz="1200" b="0" i="0" u="none" strike="noStrike" cap="none" normalizeH="0" baseline="0" dirty="0">
+                <a:ln>
+                  <a:noFill/>
+                </a:ln>
+                <a:solidFill>
+                  <a:srgbClr val="54B33E"/>
+                </a:solidFill>
+                <a:effectLst/>
+                <a:latin typeface="Arial Unicode MS" panose="020B0604020202020204" pitchFamily="50" charset="-127"/>
+                <a:ea typeface="JetBrains Mono"/>
+              </a:rPr>
+              <a:t>: "</a:t>
+            </a:r>
+            <a:r>
+              <a:rPr kumimoji="0" lang="ko-KR" altLang="ko-KR" sz="1200" b="0" i="0" u="none" strike="noStrike" cap="none" normalizeH="0" baseline="0" dirty="0">
+                <a:ln>
+                  <a:noFill/>
+                </a:ln>
+                <a:solidFill>
+                  <a:srgbClr val="EBEBEB"/>
+                </a:solidFill>
+                <a:effectLst/>
+                <a:latin typeface="Arial Unicode MS" panose="020B0604020202020204" pitchFamily="50" charset="-127"/>
+                <a:ea typeface="JetBrains Mono"/>
+              </a:rPr>
+              <a:t>)</a:t>
+            </a:r>
+            <a:r>
+              <a:rPr kumimoji="0" lang="ko-KR" altLang="ko-KR" sz="1200" b="1" i="0" u="none" strike="noStrike" cap="none" normalizeH="0" baseline="0" dirty="0">
+                <a:ln>
+                  <a:noFill/>
+                </a:ln>
+                <a:solidFill>
+                  <a:srgbClr val="ED864A"/>
+                </a:solidFill>
+                <a:effectLst/>
+                <a:latin typeface="Arial Unicode MS" panose="020B0604020202020204" pitchFamily="50" charset="-127"/>
+                <a:ea typeface="JetBrains Mono"/>
+              </a:rPr>
+              <a:t>;</a:t>
+            </a:r>
+            <a:br>
+              <a:rPr kumimoji="0" lang="ko-KR" altLang="ko-KR" sz="1200" b="1" i="0" u="none" strike="noStrike" cap="none" normalizeH="0" baseline="0" dirty="0">
+                <a:ln>
+                  <a:noFill/>
+                </a:ln>
+                <a:solidFill>
+                  <a:srgbClr val="ED864A"/>
+                </a:solidFill>
+                <a:effectLst/>
+                <a:latin typeface="Arial Unicode MS" panose="020B0604020202020204" pitchFamily="50" charset="-127"/>
+                <a:ea typeface="JetBrains Mono"/>
+              </a:rPr>
+            </a:br>
+            <a:r>
+              <a:rPr kumimoji="0" lang="ko-KR" altLang="ko-KR" sz="1200" b="1" i="0" u="none" strike="noStrike" cap="none" normalizeH="0" baseline="0" dirty="0">
+                <a:ln>
+                  <a:noFill/>
+                </a:ln>
+                <a:solidFill>
+                  <a:srgbClr val="ED864A"/>
+                </a:solidFill>
+                <a:effectLst/>
+                <a:latin typeface="Arial Unicode MS" panose="020B0604020202020204" pitchFamily="50" charset="-127"/>
+                <a:ea typeface="JetBrains Mono"/>
+              </a:rPr>
+              <a:t>        </a:t>
+            </a:r>
+            <a:r>
+              <a:rPr kumimoji="0" lang="ko-KR" altLang="ko-KR" sz="1200" b="0" i="0" u="none" strike="noStrike" cap="none" normalizeH="0" baseline="0" dirty="0" err="1">
+                <a:ln>
+                  <a:noFill/>
+                </a:ln>
+                <a:solidFill>
+                  <a:srgbClr val="ED864A"/>
+                </a:solidFill>
+                <a:effectLst/>
+                <a:latin typeface="Arial Unicode MS" panose="020B0604020202020204" pitchFamily="50" charset="-127"/>
+                <a:ea typeface="JetBrains Mono"/>
+              </a:rPr>
+              <a:t>long</a:t>
+            </a:r>
+            <a:r>
+              <a:rPr kumimoji="0" lang="ko-KR" altLang="ko-KR" sz="1200" b="0" i="0" u="none" strike="noStrike" cap="none" normalizeH="0" baseline="0" dirty="0">
+                <a:ln>
+                  <a:noFill/>
+                </a:ln>
+                <a:solidFill>
+                  <a:srgbClr val="ED864A"/>
+                </a:solidFill>
+                <a:effectLst/>
+                <a:latin typeface="Arial Unicode MS" panose="020B0604020202020204" pitchFamily="50" charset="-127"/>
+                <a:ea typeface="JetBrains Mono"/>
+              </a:rPr>
+              <a:t> </a:t>
+            </a:r>
+            <a:r>
+              <a:rPr kumimoji="0" lang="ko-KR" altLang="ko-KR" sz="1200" b="0" i="0" u="none" strike="noStrike" cap="none" normalizeH="0" baseline="0" dirty="0" err="1">
+                <a:ln>
+                  <a:noFill/>
+                </a:ln>
+                <a:solidFill>
+                  <a:srgbClr val="FFFFFF"/>
+                </a:solidFill>
+                <a:effectLst/>
+                <a:latin typeface="Arial Unicode MS" panose="020B0604020202020204" pitchFamily="50" charset="-127"/>
+                <a:ea typeface="JetBrains Mono"/>
+              </a:rPr>
+              <a:t>inputNumber</a:t>
+            </a:r>
+            <a:r>
+              <a:rPr kumimoji="0" lang="ko-KR" altLang="ko-KR" sz="1200" b="0" i="0" u="none" strike="noStrike" cap="none" normalizeH="0" baseline="0" dirty="0">
+                <a:ln>
+                  <a:noFill/>
+                </a:ln>
+                <a:solidFill>
+                  <a:srgbClr val="FFFFFF"/>
+                </a:solidFill>
+                <a:effectLst/>
+                <a:latin typeface="Arial Unicode MS" panose="020B0604020202020204" pitchFamily="50" charset="-127"/>
+                <a:ea typeface="JetBrains Mono"/>
+              </a:rPr>
+              <a:t> </a:t>
+            </a:r>
+            <a:r>
+              <a:rPr kumimoji="0" lang="ko-KR" altLang="ko-KR" sz="1200" b="0" i="0" u="none" strike="noStrike" cap="none" normalizeH="0" baseline="0" dirty="0">
+                <a:ln>
+                  <a:noFill/>
+                </a:ln>
+                <a:solidFill>
+                  <a:srgbClr val="EBEBEB"/>
+                </a:solidFill>
+                <a:effectLst/>
+                <a:latin typeface="Arial Unicode MS" panose="020B0604020202020204" pitchFamily="50" charset="-127"/>
+                <a:ea typeface="JetBrains Mono"/>
+              </a:rPr>
+              <a:t>= </a:t>
+            </a:r>
+            <a:r>
+              <a:rPr kumimoji="0" lang="ko-KR" altLang="ko-KR" sz="1200" b="0" i="0" u="none" strike="noStrike" cap="none" normalizeH="0" baseline="0" dirty="0" err="1">
+                <a:ln>
+                  <a:noFill/>
+                </a:ln>
+                <a:solidFill>
+                  <a:srgbClr val="FFFFFF"/>
+                </a:solidFill>
+                <a:effectLst/>
+                <a:latin typeface="Arial Unicode MS" panose="020B0604020202020204" pitchFamily="50" charset="-127"/>
+                <a:ea typeface="JetBrains Mono"/>
+              </a:rPr>
+              <a:t>scanner</a:t>
+            </a:r>
+            <a:r>
+              <a:rPr kumimoji="0" lang="ko-KR" altLang="ko-KR" sz="1200" b="0" i="0" u="none" strike="noStrike" cap="none" normalizeH="0" baseline="0" dirty="0" err="1">
+                <a:ln>
+                  <a:noFill/>
+                </a:ln>
+                <a:solidFill>
+                  <a:srgbClr val="EBEBEB"/>
+                </a:solidFill>
+                <a:effectLst/>
+                <a:latin typeface="Arial Unicode MS" panose="020B0604020202020204" pitchFamily="50" charset="-127"/>
+                <a:ea typeface="JetBrains Mono"/>
+              </a:rPr>
+              <a:t>.nextLong</a:t>
+            </a:r>
+            <a:r>
+              <a:rPr kumimoji="0" lang="ko-KR" altLang="ko-KR" sz="1200" b="0" i="0" u="none" strike="noStrike" cap="none" normalizeH="0" baseline="0" dirty="0">
+                <a:ln>
+                  <a:noFill/>
+                </a:ln>
+                <a:solidFill>
+                  <a:srgbClr val="EBEBEB"/>
+                </a:solidFill>
+                <a:effectLst/>
+                <a:latin typeface="Arial Unicode MS" panose="020B0604020202020204" pitchFamily="50" charset="-127"/>
+                <a:ea typeface="JetBrains Mono"/>
+              </a:rPr>
+              <a:t>()</a:t>
+            </a:r>
+            <a:r>
+              <a:rPr kumimoji="0" lang="ko-KR" altLang="ko-KR" sz="1200" b="1" i="0" u="none" strike="noStrike" cap="none" normalizeH="0" baseline="0" dirty="0">
+                <a:ln>
+                  <a:noFill/>
+                </a:ln>
+                <a:solidFill>
+                  <a:srgbClr val="ED864A"/>
+                </a:solidFill>
+                <a:effectLst/>
+                <a:latin typeface="Arial Unicode MS" panose="020B0604020202020204" pitchFamily="50" charset="-127"/>
+                <a:ea typeface="JetBrains Mono"/>
+              </a:rPr>
+              <a:t>;</a:t>
+            </a:r>
+            <a:br>
+              <a:rPr kumimoji="0" lang="ko-KR" altLang="ko-KR" sz="1200" b="1" i="0" u="none" strike="noStrike" cap="none" normalizeH="0" baseline="0" dirty="0">
+                <a:ln>
+                  <a:noFill/>
+                </a:ln>
+                <a:solidFill>
+                  <a:srgbClr val="ED864A"/>
+                </a:solidFill>
+                <a:effectLst/>
+                <a:latin typeface="Arial Unicode MS" panose="020B0604020202020204" pitchFamily="50" charset="-127"/>
+                <a:ea typeface="JetBrains Mono"/>
+              </a:rPr>
+            </a:br>
+            <a:br>
+              <a:rPr kumimoji="0" lang="ko-KR" altLang="ko-KR" sz="1200" b="1" i="0" u="none" strike="noStrike" cap="none" normalizeH="0" baseline="0" dirty="0">
+                <a:ln>
+                  <a:noFill/>
+                </a:ln>
+                <a:solidFill>
+                  <a:srgbClr val="ED864A"/>
+                </a:solidFill>
+                <a:effectLst/>
+                <a:latin typeface="Arial Unicode MS" panose="020B0604020202020204" pitchFamily="50" charset="-127"/>
+                <a:ea typeface="JetBrains Mono"/>
+              </a:rPr>
+            </a:br>
+            <a:r>
+              <a:rPr kumimoji="0" lang="ko-KR" altLang="ko-KR" sz="1200" b="1" i="0" u="none" strike="noStrike" cap="none" normalizeH="0" baseline="0" dirty="0">
+                <a:ln>
+                  <a:noFill/>
+                </a:ln>
+                <a:solidFill>
+                  <a:srgbClr val="ED864A"/>
+                </a:solidFill>
+                <a:effectLst/>
+                <a:latin typeface="Arial Unicode MS" panose="020B0604020202020204" pitchFamily="50" charset="-127"/>
+                <a:ea typeface="JetBrains Mono"/>
+              </a:rPr>
+              <a:t>        </a:t>
+            </a:r>
+            <a:r>
+              <a:rPr kumimoji="0" lang="ko-KR" altLang="ko-KR" sz="1200" b="0" i="0" u="none" strike="noStrike" cap="none" normalizeH="0" baseline="0" dirty="0">
+                <a:ln>
+                  <a:noFill/>
+                </a:ln>
+                <a:solidFill>
+                  <a:srgbClr val="7EC3E6"/>
+                </a:solidFill>
+                <a:effectLst/>
+                <a:latin typeface="Arial Unicode MS" panose="020B0604020202020204" pitchFamily="50" charset="-127"/>
+                <a:ea typeface="JetBrains Mono"/>
+              </a:rPr>
+              <a:t>// </a:t>
+            </a:r>
+            <a:r>
+              <a:rPr kumimoji="0" lang="ko-KR" altLang="ko-KR" sz="1200" b="0" i="0" u="none" strike="noStrike" cap="none" normalizeH="0" baseline="0" dirty="0">
+                <a:ln>
+                  <a:noFill/>
+                </a:ln>
+                <a:solidFill>
+                  <a:srgbClr val="7EC3E6"/>
+                </a:solidFill>
+                <a:effectLst/>
+                <a:latin typeface="맑은 고딕" panose="020B0503020000020004" pitchFamily="50" charset="-127"/>
+                <a:ea typeface="맑은 고딕" panose="020B0503020000020004" pitchFamily="50" charset="-127"/>
+              </a:rPr>
+              <a:t>입력 받은 정수를 문자열로 변환하여 한글로 출력</a:t>
+            </a:r>
+            <a:br>
+              <a:rPr kumimoji="0" lang="ko-KR" altLang="ko-KR" sz="1200" b="0" i="0" u="none" strike="noStrike" cap="none" normalizeH="0" baseline="0" dirty="0">
+                <a:ln>
+                  <a:noFill/>
+                </a:ln>
+                <a:solidFill>
+                  <a:srgbClr val="7EC3E6"/>
+                </a:solidFill>
+                <a:effectLst/>
+                <a:latin typeface="맑은 고딕" panose="020B0503020000020004" pitchFamily="50" charset="-127"/>
+                <a:ea typeface="맑은 고딕" panose="020B0503020000020004" pitchFamily="50" charset="-127"/>
+              </a:rPr>
+            </a:br>
+            <a:r>
+              <a:rPr kumimoji="0" lang="ko-KR" altLang="ko-KR" sz="1200" b="0" i="0" u="none" strike="noStrike" cap="none" normalizeH="0" baseline="0" dirty="0">
+                <a:ln>
+                  <a:noFill/>
+                </a:ln>
+                <a:solidFill>
+                  <a:srgbClr val="7EC3E6"/>
+                </a:solidFill>
+                <a:effectLst/>
+                <a:latin typeface="맑은 고딕" panose="020B0503020000020004" pitchFamily="50" charset="-127"/>
+                <a:ea typeface="맑은 고딕" panose="020B0503020000020004" pitchFamily="50" charset="-127"/>
+              </a:rPr>
+              <a:t>        </a:t>
+            </a:r>
+            <a:r>
+              <a:rPr kumimoji="0" lang="ko-KR" altLang="ko-KR" sz="1200" b="0" i="0" u="none" strike="noStrike" cap="none" normalizeH="0" baseline="0" dirty="0" err="1">
+                <a:ln>
+                  <a:noFill/>
+                </a:ln>
+                <a:solidFill>
+                  <a:srgbClr val="FFFFFF"/>
+                </a:solidFill>
+                <a:effectLst/>
+                <a:latin typeface="Arial Unicode MS" panose="020B0604020202020204" pitchFamily="50" charset="-127"/>
+                <a:ea typeface="JetBrains Mono"/>
+              </a:rPr>
+              <a:t>String</a:t>
+            </a:r>
+            <a:r>
+              <a:rPr kumimoji="0" lang="ko-KR" altLang="ko-KR" sz="1200" b="0" i="0" u="none" strike="noStrike" cap="none" normalizeH="0" baseline="0" dirty="0">
+                <a:ln>
+                  <a:noFill/>
+                </a:ln>
+                <a:solidFill>
+                  <a:srgbClr val="FFFFFF"/>
+                </a:solidFill>
+                <a:effectLst/>
+                <a:latin typeface="Arial Unicode MS" panose="020B0604020202020204" pitchFamily="50" charset="-127"/>
+                <a:ea typeface="JetBrains Mono"/>
+              </a:rPr>
+              <a:t> </a:t>
+            </a:r>
+            <a:r>
+              <a:rPr kumimoji="0" lang="ko-KR" altLang="ko-KR" sz="1200" b="0" i="0" u="none" strike="noStrike" cap="none" normalizeH="0" baseline="0" dirty="0" err="1">
+                <a:ln>
+                  <a:noFill/>
+                </a:ln>
+                <a:solidFill>
+                  <a:srgbClr val="FFFFFF"/>
+                </a:solidFill>
+                <a:effectLst/>
+                <a:latin typeface="Arial Unicode MS" panose="020B0604020202020204" pitchFamily="50" charset="-127"/>
+                <a:ea typeface="JetBrains Mono"/>
+              </a:rPr>
+              <a:t>numberString</a:t>
+            </a:r>
+            <a:r>
+              <a:rPr kumimoji="0" lang="ko-KR" altLang="ko-KR" sz="1200" b="0" i="0" u="none" strike="noStrike" cap="none" normalizeH="0" baseline="0" dirty="0">
+                <a:ln>
+                  <a:noFill/>
+                </a:ln>
+                <a:solidFill>
+                  <a:srgbClr val="FFFFFF"/>
+                </a:solidFill>
+                <a:effectLst/>
+                <a:latin typeface="Arial Unicode MS" panose="020B0604020202020204" pitchFamily="50" charset="-127"/>
+                <a:ea typeface="JetBrains Mono"/>
+              </a:rPr>
+              <a:t> </a:t>
+            </a:r>
+            <a:r>
+              <a:rPr kumimoji="0" lang="ko-KR" altLang="ko-KR" sz="1200" b="0" i="0" u="none" strike="noStrike" cap="none" normalizeH="0" baseline="0" dirty="0">
+                <a:ln>
+                  <a:noFill/>
+                </a:ln>
+                <a:solidFill>
+                  <a:srgbClr val="EBEBEB"/>
+                </a:solidFill>
+                <a:effectLst/>
+                <a:latin typeface="Arial Unicode MS" panose="020B0604020202020204" pitchFamily="50" charset="-127"/>
+                <a:ea typeface="JetBrains Mono"/>
+              </a:rPr>
+              <a:t>= </a:t>
+            </a:r>
+            <a:r>
+              <a:rPr kumimoji="0" lang="ko-KR" altLang="ko-KR" sz="1200" b="0" i="0" u="none" strike="noStrike" cap="none" normalizeH="0" baseline="0" dirty="0" err="1">
+                <a:ln>
+                  <a:noFill/>
+                </a:ln>
+                <a:solidFill>
+                  <a:srgbClr val="FFFFFF"/>
+                </a:solidFill>
+                <a:effectLst/>
+                <a:latin typeface="Arial Unicode MS" panose="020B0604020202020204" pitchFamily="50" charset="-127"/>
+                <a:ea typeface="JetBrains Mono"/>
+              </a:rPr>
+              <a:t>Long</a:t>
+            </a:r>
+            <a:r>
+              <a:rPr kumimoji="0" lang="ko-KR" altLang="ko-KR" sz="1200" b="0" i="0" u="none" strike="noStrike" cap="none" normalizeH="0" baseline="0" dirty="0" err="1">
+                <a:ln>
+                  <a:noFill/>
+                </a:ln>
+                <a:solidFill>
+                  <a:srgbClr val="EBEBEB"/>
+                </a:solidFill>
+                <a:effectLst/>
+                <a:latin typeface="Arial Unicode MS" panose="020B0604020202020204" pitchFamily="50" charset="-127"/>
+                <a:ea typeface="JetBrains Mono"/>
+              </a:rPr>
+              <a:t>.</a:t>
+            </a:r>
+            <a:r>
+              <a:rPr kumimoji="0" lang="ko-KR" altLang="ko-KR" sz="1200" b="0" i="1" u="none" strike="noStrike" cap="none" normalizeH="0" baseline="0" dirty="0" err="1">
+                <a:ln>
+                  <a:noFill/>
+                </a:ln>
+                <a:solidFill>
+                  <a:srgbClr val="EBEBEB"/>
+                </a:solidFill>
+                <a:effectLst/>
+                <a:latin typeface="Arial Unicode MS" panose="020B0604020202020204" pitchFamily="50" charset="-127"/>
+                <a:ea typeface="JetBrains Mono"/>
+              </a:rPr>
+              <a:t>toString</a:t>
+            </a:r>
+            <a:r>
+              <a:rPr kumimoji="0" lang="ko-KR" altLang="ko-KR" sz="1200" b="0" i="0" u="none" strike="noStrike" cap="none" normalizeH="0" baseline="0" dirty="0">
+                <a:ln>
+                  <a:noFill/>
+                </a:ln>
+                <a:solidFill>
+                  <a:srgbClr val="EBEBEB"/>
+                </a:solidFill>
+                <a:effectLst/>
+                <a:latin typeface="Arial Unicode MS" panose="020B0604020202020204" pitchFamily="50" charset="-127"/>
+                <a:ea typeface="JetBrains Mono"/>
+              </a:rPr>
+              <a:t>(</a:t>
+            </a:r>
+            <a:r>
+              <a:rPr kumimoji="0" lang="ko-KR" altLang="ko-KR" sz="1200" b="0" i="0" u="none" strike="noStrike" cap="none" normalizeH="0" baseline="0" dirty="0" err="1">
+                <a:ln>
+                  <a:noFill/>
+                </a:ln>
+                <a:solidFill>
+                  <a:srgbClr val="FFFFFF"/>
+                </a:solidFill>
+                <a:effectLst/>
+                <a:latin typeface="Arial Unicode MS" panose="020B0604020202020204" pitchFamily="50" charset="-127"/>
+                <a:ea typeface="JetBrains Mono"/>
+              </a:rPr>
+              <a:t>inputNumber</a:t>
+            </a:r>
+            <a:r>
+              <a:rPr kumimoji="0" lang="ko-KR" altLang="ko-KR" sz="1200" b="0" i="0" u="none" strike="noStrike" cap="none" normalizeH="0" baseline="0" dirty="0">
+                <a:ln>
+                  <a:noFill/>
+                </a:ln>
+                <a:solidFill>
+                  <a:srgbClr val="EBEBEB"/>
+                </a:solidFill>
+                <a:effectLst/>
+                <a:latin typeface="Arial Unicode MS" panose="020B0604020202020204" pitchFamily="50" charset="-127"/>
+                <a:ea typeface="JetBrains Mono"/>
+              </a:rPr>
+              <a:t>)</a:t>
+            </a:r>
+            <a:r>
+              <a:rPr kumimoji="0" lang="ko-KR" altLang="ko-KR" sz="1200" b="1" i="0" u="none" strike="noStrike" cap="none" normalizeH="0" baseline="0" dirty="0">
+                <a:ln>
+                  <a:noFill/>
+                </a:ln>
+                <a:solidFill>
+                  <a:srgbClr val="ED864A"/>
+                </a:solidFill>
+                <a:effectLst/>
+                <a:latin typeface="Arial Unicode MS" panose="020B0604020202020204" pitchFamily="50" charset="-127"/>
+                <a:ea typeface="JetBrains Mono"/>
+              </a:rPr>
+              <a:t>;</a:t>
+            </a:r>
+            <a:br>
+              <a:rPr kumimoji="0" lang="ko-KR" altLang="ko-KR" sz="1200" b="1" i="0" u="none" strike="noStrike" cap="none" normalizeH="0" baseline="0" dirty="0">
+                <a:ln>
+                  <a:noFill/>
+                </a:ln>
+                <a:solidFill>
+                  <a:srgbClr val="ED864A"/>
+                </a:solidFill>
+                <a:effectLst/>
+                <a:latin typeface="Arial Unicode MS" panose="020B0604020202020204" pitchFamily="50" charset="-127"/>
+                <a:ea typeface="JetBrains Mono"/>
+              </a:rPr>
+            </a:br>
+            <a:r>
+              <a:rPr kumimoji="0" lang="ko-KR" altLang="ko-KR" sz="1200" b="1" i="0" u="none" strike="noStrike" cap="none" normalizeH="0" baseline="0" dirty="0">
+                <a:ln>
+                  <a:noFill/>
+                </a:ln>
+                <a:solidFill>
+                  <a:srgbClr val="ED864A"/>
+                </a:solidFill>
+                <a:effectLst/>
+                <a:latin typeface="Arial Unicode MS" panose="020B0604020202020204" pitchFamily="50" charset="-127"/>
+                <a:ea typeface="JetBrains Mono"/>
+              </a:rPr>
+              <a:t>        </a:t>
+            </a:r>
+            <a:r>
+              <a:rPr kumimoji="0" lang="ko-KR" altLang="ko-KR" sz="1200" b="0" i="0" u="none" strike="noStrike" cap="none" normalizeH="0" baseline="0" dirty="0" err="1">
+                <a:ln>
+                  <a:noFill/>
+                </a:ln>
+                <a:solidFill>
+                  <a:srgbClr val="FFFFFF"/>
+                </a:solidFill>
+                <a:effectLst/>
+                <a:latin typeface="Arial Unicode MS" panose="020B0604020202020204" pitchFamily="50" charset="-127"/>
+                <a:ea typeface="JetBrains Mono"/>
+              </a:rPr>
+              <a:t>String</a:t>
+            </a:r>
+            <a:r>
+              <a:rPr kumimoji="0" lang="ko-KR" altLang="ko-KR" sz="1200" b="0" i="0" u="none" strike="noStrike" cap="none" normalizeH="0" baseline="0" dirty="0">
+                <a:ln>
+                  <a:noFill/>
+                </a:ln>
+                <a:solidFill>
+                  <a:srgbClr val="FFFFFF"/>
+                </a:solidFill>
+                <a:effectLst/>
+                <a:latin typeface="Arial Unicode MS" panose="020B0604020202020204" pitchFamily="50" charset="-127"/>
+                <a:ea typeface="JetBrains Mono"/>
+              </a:rPr>
+              <a:t> </a:t>
+            </a:r>
+            <a:r>
+              <a:rPr kumimoji="0" lang="ko-KR" altLang="ko-KR" sz="1200" b="0" i="0" u="none" strike="noStrike" cap="none" normalizeH="0" baseline="0" dirty="0" err="1">
+                <a:ln>
+                  <a:noFill/>
+                </a:ln>
+                <a:solidFill>
+                  <a:srgbClr val="FFFFFF"/>
+                </a:solidFill>
+                <a:effectLst/>
+                <a:latin typeface="Arial Unicode MS" panose="020B0604020202020204" pitchFamily="50" charset="-127"/>
+                <a:ea typeface="JetBrains Mono"/>
+              </a:rPr>
+              <a:t>hangulResult</a:t>
+            </a:r>
+            <a:r>
+              <a:rPr kumimoji="0" lang="ko-KR" altLang="ko-KR" sz="1200" b="0" i="0" u="none" strike="noStrike" cap="none" normalizeH="0" baseline="0" dirty="0">
+                <a:ln>
+                  <a:noFill/>
+                </a:ln>
+                <a:solidFill>
+                  <a:srgbClr val="FFFFFF"/>
+                </a:solidFill>
+                <a:effectLst/>
+                <a:latin typeface="Arial Unicode MS" panose="020B0604020202020204" pitchFamily="50" charset="-127"/>
+                <a:ea typeface="JetBrains Mono"/>
+              </a:rPr>
+              <a:t> </a:t>
+            </a:r>
+            <a:r>
+              <a:rPr kumimoji="0" lang="ko-KR" altLang="ko-KR" sz="1200" b="0" i="0" u="none" strike="noStrike" cap="none" normalizeH="0" baseline="0" dirty="0">
+                <a:ln>
+                  <a:noFill/>
+                </a:ln>
+                <a:solidFill>
+                  <a:srgbClr val="EBEBEB"/>
+                </a:solidFill>
+                <a:effectLst/>
+                <a:latin typeface="Arial Unicode MS" panose="020B0604020202020204" pitchFamily="50" charset="-127"/>
+                <a:ea typeface="JetBrains Mono"/>
+              </a:rPr>
+              <a:t>= </a:t>
+            </a:r>
+            <a:r>
+              <a:rPr kumimoji="0" lang="ko-KR" altLang="ko-KR" sz="1200" b="0" i="1" u="none" strike="noStrike" cap="none" normalizeH="0" baseline="0" dirty="0" err="1">
+                <a:ln>
+                  <a:noFill/>
+                </a:ln>
+                <a:solidFill>
+                  <a:srgbClr val="EBEBEB"/>
+                </a:solidFill>
+                <a:effectLst/>
+                <a:latin typeface="Arial Unicode MS" panose="020B0604020202020204" pitchFamily="50" charset="-127"/>
+                <a:ea typeface="JetBrains Mono"/>
+              </a:rPr>
+              <a:t>convertNumberToHangul</a:t>
+            </a:r>
+            <a:r>
+              <a:rPr kumimoji="0" lang="ko-KR" altLang="ko-KR" sz="1200" b="0" i="0" u="none" strike="noStrike" cap="none" normalizeH="0" baseline="0" dirty="0">
+                <a:ln>
+                  <a:noFill/>
+                </a:ln>
+                <a:solidFill>
+                  <a:srgbClr val="EBEBEB"/>
+                </a:solidFill>
+                <a:effectLst/>
+                <a:latin typeface="Arial Unicode MS" panose="020B0604020202020204" pitchFamily="50" charset="-127"/>
+                <a:ea typeface="JetBrains Mono"/>
+              </a:rPr>
+              <a:t>(</a:t>
+            </a:r>
+            <a:r>
+              <a:rPr kumimoji="0" lang="ko-KR" altLang="ko-KR" sz="1200" b="0" i="0" u="none" strike="noStrike" cap="none" normalizeH="0" baseline="0" dirty="0" err="1">
+                <a:ln>
+                  <a:noFill/>
+                </a:ln>
+                <a:solidFill>
+                  <a:srgbClr val="FFFFFF"/>
+                </a:solidFill>
+                <a:effectLst/>
+                <a:latin typeface="Arial Unicode MS" panose="020B0604020202020204" pitchFamily="50" charset="-127"/>
+                <a:ea typeface="JetBrains Mono"/>
+              </a:rPr>
+              <a:t>numberString</a:t>
+            </a:r>
+            <a:r>
+              <a:rPr kumimoji="0" lang="ko-KR" altLang="ko-KR" sz="1200" b="0" i="0" u="none" strike="noStrike" cap="none" normalizeH="0" baseline="0" dirty="0">
+                <a:ln>
+                  <a:noFill/>
+                </a:ln>
+                <a:solidFill>
+                  <a:srgbClr val="EBEBEB"/>
+                </a:solidFill>
+                <a:effectLst/>
+                <a:latin typeface="Arial Unicode MS" panose="020B0604020202020204" pitchFamily="50" charset="-127"/>
+                <a:ea typeface="JetBrains Mono"/>
+              </a:rPr>
+              <a:t>)</a:t>
+            </a:r>
+            <a:r>
+              <a:rPr kumimoji="0" lang="ko-KR" altLang="ko-KR" sz="1200" b="1" i="0" u="none" strike="noStrike" cap="none" normalizeH="0" baseline="0" dirty="0">
+                <a:ln>
+                  <a:noFill/>
+                </a:ln>
+                <a:solidFill>
+                  <a:srgbClr val="ED864A"/>
+                </a:solidFill>
+                <a:effectLst/>
+                <a:latin typeface="Arial Unicode MS" panose="020B0604020202020204" pitchFamily="50" charset="-127"/>
+                <a:ea typeface="JetBrains Mono"/>
+              </a:rPr>
+              <a:t>;</a:t>
+            </a:r>
+            <a:br>
+              <a:rPr kumimoji="0" lang="ko-KR" altLang="ko-KR" sz="1200" b="1" i="0" u="none" strike="noStrike" cap="none" normalizeH="0" baseline="0" dirty="0">
+                <a:ln>
+                  <a:noFill/>
+                </a:ln>
+                <a:solidFill>
+                  <a:srgbClr val="ED864A"/>
+                </a:solidFill>
+                <a:effectLst/>
+                <a:latin typeface="Arial Unicode MS" panose="020B0604020202020204" pitchFamily="50" charset="-127"/>
+                <a:ea typeface="JetBrains Mono"/>
+              </a:rPr>
+            </a:br>
+            <a:br>
+              <a:rPr kumimoji="0" lang="ko-KR" altLang="ko-KR" sz="1200" b="1" i="0" u="none" strike="noStrike" cap="none" normalizeH="0" baseline="0" dirty="0">
+                <a:ln>
+                  <a:noFill/>
+                </a:ln>
+                <a:solidFill>
+                  <a:srgbClr val="ED864A"/>
+                </a:solidFill>
+                <a:effectLst/>
+                <a:latin typeface="Arial Unicode MS" panose="020B0604020202020204" pitchFamily="50" charset="-127"/>
+                <a:ea typeface="JetBrains Mono"/>
+              </a:rPr>
+            </a:br>
+            <a:r>
+              <a:rPr kumimoji="0" lang="ko-KR" altLang="ko-KR" sz="1200" b="1" i="0" u="none" strike="noStrike" cap="none" normalizeH="0" baseline="0" dirty="0">
+                <a:ln>
+                  <a:noFill/>
+                </a:ln>
+                <a:solidFill>
+                  <a:srgbClr val="ED864A"/>
+                </a:solidFill>
+                <a:effectLst/>
+                <a:latin typeface="Arial Unicode MS" panose="020B0604020202020204" pitchFamily="50" charset="-127"/>
+                <a:ea typeface="JetBrains Mono"/>
+              </a:rPr>
+              <a:t>        </a:t>
+            </a:r>
+            <a:r>
+              <a:rPr kumimoji="0" lang="ko-KR" altLang="ko-KR" sz="1200" b="0" i="0" u="none" strike="noStrike" cap="none" normalizeH="0" baseline="0" dirty="0" err="1">
+                <a:ln>
+                  <a:noFill/>
+                </a:ln>
+                <a:solidFill>
+                  <a:srgbClr val="FFFFFF"/>
+                </a:solidFill>
+                <a:effectLst/>
+                <a:latin typeface="Arial Unicode MS" panose="020B0604020202020204" pitchFamily="50" charset="-127"/>
+                <a:ea typeface="JetBrains Mono"/>
+              </a:rPr>
+              <a:t>System</a:t>
+            </a:r>
+            <a:r>
+              <a:rPr kumimoji="0" lang="ko-KR" altLang="ko-KR" sz="1200" b="0" i="0" u="none" strike="noStrike" cap="none" normalizeH="0" baseline="0" dirty="0" err="1">
+                <a:ln>
+                  <a:noFill/>
+                </a:ln>
+                <a:solidFill>
+                  <a:srgbClr val="EBEBEB"/>
+                </a:solidFill>
+                <a:effectLst/>
+                <a:latin typeface="Arial Unicode MS" panose="020B0604020202020204" pitchFamily="50" charset="-127"/>
+                <a:ea typeface="JetBrains Mono"/>
+              </a:rPr>
+              <a:t>.</a:t>
+            </a:r>
+            <a:r>
+              <a:rPr kumimoji="0" lang="ko-KR" altLang="ko-KR" sz="1200" b="0" i="1" u="none" strike="noStrike" cap="none" normalizeH="0" baseline="0" dirty="0" err="1">
+                <a:ln>
+                  <a:noFill/>
+                </a:ln>
+                <a:solidFill>
+                  <a:srgbClr val="ED94FF"/>
+                </a:solidFill>
+                <a:effectLst/>
+                <a:latin typeface="Arial Unicode MS" panose="020B0604020202020204" pitchFamily="50" charset="-127"/>
+                <a:ea typeface="JetBrains Mono"/>
+              </a:rPr>
+              <a:t>out</a:t>
+            </a:r>
+            <a:r>
+              <a:rPr kumimoji="0" lang="ko-KR" altLang="ko-KR" sz="1200" b="0" i="0" u="none" strike="noStrike" cap="none" normalizeH="0" baseline="0" dirty="0" err="1">
+                <a:ln>
+                  <a:noFill/>
+                </a:ln>
+                <a:solidFill>
+                  <a:srgbClr val="EBEBEB"/>
+                </a:solidFill>
+                <a:effectLst/>
+                <a:latin typeface="Arial Unicode MS" panose="020B0604020202020204" pitchFamily="50" charset="-127"/>
+                <a:ea typeface="JetBrains Mono"/>
+              </a:rPr>
+              <a:t>.println</a:t>
+            </a:r>
+            <a:r>
+              <a:rPr kumimoji="0" lang="ko-KR" altLang="ko-KR" sz="1200" b="0" i="0" u="none" strike="noStrike" cap="none" normalizeH="0" baseline="0" dirty="0">
+                <a:ln>
+                  <a:noFill/>
+                </a:ln>
+                <a:solidFill>
+                  <a:srgbClr val="EBEBEB"/>
+                </a:solidFill>
+                <a:effectLst/>
+                <a:latin typeface="Arial Unicode MS" panose="020B0604020202020204" pitchFamily="50" charset="-127"/>
+                <a:ea typeface="JetBrains Mono"/>
+              </a:rPr>
+              <a:t>(</a:t>
+            </a:r>
+            <a:r>
+              <a:rPr kumimoji="0" lang="ko-KR" altLang="ko-KR" sz="1200" b="0" i="0" u="none" strike="noStrike" cap="none" normalizeH="0" baseline="0" dirty="0">
+                <a:ln>
+                  <a:noFill/>
+                </a:ln>
+                <a:solidFill>
+                  <a:srgbClr val="54B33E"/>
+                </a:solidFill>
+                <a:effectLst/>
+                <a:latin typeface="Arial Unicode MS" panose="020B0604020202020204" pitchFamily="50" charset="-127"/>
+                <a:ea typeface="JetBrains Mono"/>
+              </a:rPr>
+              <a:t>"</a:t>
+            </a:r>
+            <a:r>
+              <a:rPr kumimoji="0" lang="ko-KR" altLang="ko-KR" sz="1200" b="0" i="0" u="none" strike="noStrike" cap="none" normalizeH="0" baseline="0" dirty="0">
+                <a:ln>
+                  <a:noFill/>
+                </a:ln>
+                <a:solidFill>
+                  <a:srgbClr val="54B33E"/>
+                </a:solidFill>
+                <a:effectLst/>
+                <a:latin typeface="맑은 고딕" panose="020B0503020000020004" pitchFamily="50" charset="-127"/>
+                <a:ea typeface="맑은 고딕" panose="020B0503020000020004" pitchFamily="50" charset="-127"/>
+              </a:rPr>
+              <a:t>한글로 변환된 결과</a:t>
+            </a:r>
+            <a:r>
+              <a:rPr kumimoji="0" lang="ko-KR" altLang="ko-KR" sz="1200" b="0" i="0" u="none" strike="noStrike" cap="none" normalizeH="0" baseline="0" dirty="0">
+                <a:ln>
+                  <a:noFill/>
+                </a:ln>
+                <a:solidFill>
+                  <a:srgbClr val="54B33E"/>
+                </a:solidFill>
+                <a:effectLst/>
+                <a:latin typeface="Arial Unicode MS" panose="020B0604020202020204" pitchFamily="50" charset="-127"/>
+                <a:ea typeface="JetBrains Mono"/>
+              </a:rPr>
+              <a:t>: " </a:t>
+            </a:r>
+            <a:r>
+              <a:rPr kumimoji="0" lang="ko-KR" altLang="ko-KR" sz="1200" b="0" i="0" u="none" strike="noStrike" cap="none" normalizeH="0" baseline="0" dirty="0">
+                <a:ln>
+                  <a:noFill/>
+                </a:ln>
+                <a:solidFill>
+                  <a:srgbClr val="EBEBEB"/>
+                </a:solidFill>
+                <a:effectLst/>
+                <a:latin typeface="Arial Unicode MS" panose="020B0604020202020204" pitchFamily="50" charset="-127"/>
+                <a:ea typeface="JetBrains Mono"/>
+              </a:rPr>
+              <a:t>+ </a:t>
+            </a:r>
+            <a:r>
+              <a:rPr kumimoji="0" lang="ko-KR" altLang="ko-KR" sz="1200" b="0" i="0" u="none" strike="noStrike" cap="none" normalizeH="0" baseline="0" dirty="0" err="1">
+                <a:ln>
+                  <a:noFill/>
+                </a:ln>
+                <a:solidFill>
+                  <a:srgbClr val="FFFFFF"/>
+                </a:solidFill>
+                <a:effectLst/>
+                <a:latin typeface="Arial Unicode MS" panose="020B0604020202020204" pitchFamily="50" charset="-127"/>
+                <a:ea typeface="JetBrains Mono"/>
+              </a:rPr>
+              <a:t>hangulResult</a:t>
+            </a:r>
+            <a:r>
+              <a:rPr kumimoji="0" lang="ko-KR" altLang="ko-KR" sz="1200" b="0" i="0" u="none" strike="noStrike" cap="none" normalizeH="0" baseline="0" dirty="0">
+                <a:ln>
+                  <a:noFill/>
+                </a:ln>
+                <a:solidFill>
+                  <a:srgbClr val="FFFFFF"/>
+                </a:solidFill>
+                <a:effectLst/>
+                <a:latin typeface="Arial Unicode MS" panose="020B0604020202020204" pitchFamily="50" charset="-127"/>
+                <a:ea typeface="JetBrains Mono"/>
+              </a:rPr>
+              <a:t> </a:t>
+            </a:r>
+            <a:r>
+              <a:rPr kumimoji="0" lang="ko-KR" altLang="ko-KR" sz="1200" b="0" i="0" u="none" strike="noStrike" cap="none" normalizeH="0" baseline="0" dirty="0">
+                <a:ln>
+                  <a:noFill/>
+                </a:ln>
+                <a:solidFill>
+                  <a:srgbClr val="EBEBEB"/>
+                </a:solidFill>
+                <a:effectLst/>
+                <a:latin typeface="Arial Unicode MS" panose="020B0604020202020204" pitchFamily="50" charset="-127"/>
+                <a:ea typeface="JetBrains Mono"/>
+              </a:rPr>
+              <a:t>+ </a:t>
+            </a:r>
+            <a:r>
+              <a:rPr kumimoji="0" lang="ko-KR" altLang="ko-KR" sz="1200" b="0" i="0" u="none" strike="noStrike" cap="none" normalizeH="0" baseline="0" dirty="0">
+                <a:ln>
+                  <a:noFill/>
+                </a:ln>
+                <a:solidFill>
+                  <a:srgbClr val="54B33E"/>
+                </a:solidFill>
+                <a:effectLst/>
+                <a:latin typeface="Arial Unicode MS" panose="020B0604020202020204" pitchFamily="50" charset="-127"/>
+                <a:ea typeface="JetBrains Mono"/>
+              </a:rPr>
+              <a:t>"</a:t>
+            </a:r>
+            <a:r>
+              <a:rPr kumimoji="0" lang="ko-KR" altLang="ko-KR" sz="1200" b="0" i="0" u="none" strike="noStrike" cap="none" normalizeH="0" baseline="0" dirty="0">
+                <a:ln>
+                  <a:noFill/>
+                </a:ln>
+                <a:solidFill>
+                  <a:srgbClr val="54B33E"/>
+                </a:solidFill>
+                <a:effectLst/>
+                <a:latin typeface="맑은 고딕" panose="020B0503020000020004" pitchFamily="50" charset="-127"/>
+                <a:ea typeface="맑은 고딕" panose="020B0503020000020004" pitchFamily="50" charset="-127"/>
+              </a:rPr>
+              <a:t>원</a:t>
+            </a:r>
+            <a:r>
+              <a:rPr kumimoji="0" lang="ko-KR" altLang="ko-KR" sz="1200" b="0" i="0" u="none" strike="noStrike" cap="none" normalizeH="0" baseline="0" dirty="0">
+                <a:ln>
+                  <a:noFill/>
+                </a:ln>
+                <a:solidFill>
+                  <a:srgbClr val="54B33E"/>
+                </a:solidFill>
+                <a:effectLst/>
+                <a:latin typeface="Arial Unicode MS" panose="020B0604020202020204" pitchFamily="50" charset="-127"/>
+                <a:ea typeface="JetBrains Mono"/>
+              </a:rPr>
+              <a:t>"</a:t>
+            </a:r>
+            <a:r>
+              <a:rPr kumimoji="0" lang="ko-KR" altLang="ko-KR" sz="1200" b="0" i="0" u="none" strike="noStrike" cap="none" normalizeH="0" baseline="0" dirty="0">
+                <a:ln>
+                  <a:noFill/>
+                </a:ln>
+                <a:solidFill>
+                  <a:srgbClr val="EBEBEB"/>
+                </a:solidFill>
+                <a:effectLst/>
+                <a:latin typeface="Arial Unicode MS" panose="020B0604020202020204" pitchFamily="50" charset="-127"/>
+                <a:ea typeface="JetBrains Mono"/>
+              </a:rPr>
+              <a:t>)</a:t>
+            </a:r>
+            <a:r>
+              <a:rPr kumimoji="0" lang="ko-KR" altLang="ko-KR" sz="1200" b="1" i="0" u="none" strike="noStrike" cap="none" normalizeH="0" baseline="0" dirty="0">
+                <a:ln>
+                  <a:noFill/>
+                </a:ln>
+                <a:solidFill>
+                  <a:srgbClr val="ED864A"/>
+                </a:solidFill>
+                <a:effectLst/>
+                <a:latin typeface="Arial Unicode MS" panose="020B0604020202020204" pitchFamily="50" charset="-127"/>
+                <a:ea typeface="JetBrains Mono"/>
+              </a:rPr>
+              <a:t>;</a:t>
+            </a:r>
+            <a:br>
+              <a:rPr kumimoji="0" lang="ko-KR" altLang="ko-KR" sz="1200" b="1" i="0" u="none" strike="noStrike" cap="none" normalizeH="0" baseline="0" dirty="0">
+                <a:ln>
+                  <a:noFill/>
+                </a:ln>
+                <a:solidFill>
+                  <a:srgbClr val="ED864A"/>
+                </a:solidFill>
+                <a:effectLst/>
+                <a:latin typeface="Arial Unicode MS" panose="020B0604020202020204" pitchFamily="50" charset="-127"/>
+                <a:ea typeface="JetBrains Mono"/>
+              </a:rPr>
+            </a:br>
+            <a:br>
+              <a:rPr kumimoji="0" lang="ko-KR" altLang="ko-KR" sz="1200" b="1" i="0" u="none" strike="noStrike" cap="none" normalizeH="0" baseline="0" dirty="0">
+                <a:ln>
+                  <a:noFill/>
+                </a:ln>
+                <a:solidFill>
+                  <a:srgbClr val="ED864A"/>
+                </a:solidFill>
+                <a:effectLst/>
+                <a:latin typeface="Arial Unicode MS" panose="020B0604020202020204" pitchFamily="50" charset="-127"/>
+                <a:ea typeface="JetBrains Mono"/>
+              </a:rPr>
+            </a:br>
+            <a:r>
+              <a:rPr kumimoji="0" lang="ko-KR" altLang="ko-KR" sz="1200" b="1" i="0" u="none" strike="noStrike" cap="none" normalizeH="0" baseline="0" dirty="0">
+                <a:ln>
+                  <a:noFill/>
+                </a:ln>
+                <a:solidFill>
+                  <a:srgbClr val="ED864A"/>
+                </a:solidFill>
+                <a:effectLst/>
+                <a:latin typeface="Arial Unicode MS" panose="020B0604020202020204" pitchFamily="50" charset="-127"/>
+                <a:ea typeface="JetBrains Mono"/>
+              </a:rPr>
+              <a:t>        </a:t>
+            </a:r>
+            <a:r>
+              <a:rPr kumimoji="0" lang="ko-KR" altLang="ko-KR" sz="1200" b="0" i="0" u="none" strike="noStrike" cap="none" normalizeH="0" baseline="0" dirty="0" err="1">
+                <a:ln>
+                  <a:noFill/>
+                </a:ln>
+                <a:solidFill>
+                  <a:srgbClr val="FFFFFF"/>
+                </a:solidFill>
+                <a:effectLst/>
+                <a:latin typeface="Arial Unicode MS" panose="020B0604020202020204" pitchFamily="50" charset="-127"/>
+                <a:ea typeface="JetBrains Mono"/>
+              </a:rPr>
+              <a:t>scanner</a:t>
+            </a:r>
+            <a:r>
+              <a:rPr kumimoji="0" lang="ko-KR" altLang="ko-KR" sz="1200" b="0" i="0" u="none" strike="noStrike" cap="none" normalizeH="0" baseline="0" dirty="0" err="1">
+                <a:ln>
+                  <a:noFill/>
+                </a:ln>
+                <a:solidFill>
+                  <a:srgbClr val="EBEBEB"/>
+                </a:solidFill>
+                <a:effectLst/>
+                <a:latin typeface="Arial Unicode MS" panose="020B0604020202020204" pitchFamily="50" charset="-127"/>
+                <a:ea typeface="JetBrains Mono"/>
+              </a:rPr>
+              <a:t>.close</a:t>
+            </a:r>
+            <a:r>
+              <a:rPr kumimoji="0" lang="ko-KR" altLang="ko-KR" sz="1200" b="0" i="0" u="none" strike="noStrike" cap="none" normalizeH="0" baseline="0" dirty="0">
+                <a:ln>
+                  <a:noFill/>
+                </a:ln>
+                <a:solidFill>
+                  <a:srgbClr val="EBEBEB"/>
+                </a:solidFill>
+                <a:effectLst/>
+                <a:latin typeface="Arial Unicode MS" panose="020B0604020202020204" pitchFamily="50" charset="-127"/>
+                <a:ea typeface="JetBrains Mono"/>
+              </a:rPr>
+              <a:t>()</a:t>
+            </a:r>
+            <a:r>
+              <a:rPr kumimoji="0" lang="ko-KR" altLang="ko-KR" sz="1200" b="1" i="0" u="none" strike="noStrike" cap="none" normalizeH="0" baseline="0" dirty="0">
+                <a:ln>
+                  <a:noFill/>
+                </a:ln>
+                <a:solidFill>
+                  <a:srgbClr val="ED864A"/>
+                </a:solidFill>
+                <a:effectLst/>
+                <a:latin typeface="Arial Unicode MS" panose="020B0604020202020204" pitchFamily="50" charset="-127"/>
+                <a:ea typeface="JetBrains Mono"/>
+              </a:rPr>
+              <a:t>;</a:t>
+            </a:r>
+            <a:br>
+              <a:rPr kumimoji="0" lang="ko-KR" altLang="ko-KR" sz="1200" b="1" i="0" u="none" strike="noStrike" cap="none" normalizeH="0" baseline="0" dirty="0">
+                <a:ln>
+                  <a:noFill/>
+                </a:ln>
+                <a:solidFill>
+                  <a:srgbClr val="ED864A"/>
+                </a:solidFill>
+                <a:effectLst/>
+                <a:latin typeface="Arial Unicode MS" panose="020B0604020202020204" pitchFamily="50" charset="-127"/>
+                <a:ea typeface="JetBrains Mono"/>
+              </a:rPr>
+            </a:br>
+            <a:r>
+              <a:rPr kumimoji="0" lang="ko-KR" altLang="ko-KR" sz="1200" b="1" i="0" u="none" strike="noStrike" cap="none" normalizeH="0" baseline="0" dirty="0">
+                <a:ln>
+                  <a:noFill/>
+                </a:ln>
+                <a:solidFill>
+                  <a:srgbClr val="ED864A"/>
+                </a:solidFill>
+                <a:effectLst/>
+                <a:latin typeface="Arial Unicode MS" panose="020B0604020202020204" pitchFamily="50" charset="-127"/>
+                <a:ea typeface="JetBrains Mono"/>
+              </a:rPr>
+              <a:t>    </a:t>
+            </a:r>
+            <a:r>
+              <a:rPr kumimoji="0" lang="ko-KR" altLang="ko-KR" sz="1200" b="0" i="0" u="none" strike="noStrike" cap="none" normalizeH="0" baseline="0" dirty="0">
+                <a:ln>
+                  <a:noFill/>
+                </a:ln>
+                <a:solidFill>
+                  <a:srgbClr val="EBEBEB"/>
+                </a:solidFill>
+                <a:effectLst/>
+                <a:latin typeface="Arial Unicode MS" panose="020B0604020202020204" pitchFamily="50" charset="-127"/>
+                <a:ea typeface="JetBrains Mono"/>
+              </a:rPr>
+              <a:t>}</a:t>
+            </a:r>
+            <a:br>
+              <a:rPr kumimoji="0" lang="ko-KR" altLang="ko-KR" sz="1200" b="0" i="0" u="none" strike="noStrike" cap="none" normalizeH="0" baseline="0" dirty="0">
+                <a:ln>
+                  <a:noFill/>
+                </a:ln>
+                <a:solidFill>
+                  <a:srgbClr val="EBEBEB"/>
+                </a:solidFill>
+                <a:effectLst/>
+                <a:latin typeface="Arial Unicode MS" panose="020B0604020202020204" pitchFamily="50" charset="-127"/>
+                <a:ea typeface="JetBrains Mono"/>
+              </a:rPr>
+            </a:br>
+            <a:r>
+              <a:rPr kumimoji="0" lang="ko-KR" altLang="ko-KR" sz="1200" b="0" i="0" u="none" strike="noStrike" cap="none" normalizeH="0" baseline="0" dirty="0">
+                <a:ln>
+                  <a:noFill/>
+                </a:ln>
+                <a:solidFill>
+                  <a:srgbClr val="EBEBEB"/>
+                </a:solidFill>
+                <a:effectLst/>
+                <a:latin typeface="Arial Unicode MS" panose="020B0604020202020204" pitchFamily="50" charset="-127"/>
+                <a:ea typeface="JetBrains Mono"/>
+              </a:rPr>
+              <a:t>}</a:t>
+            </a:r>
+            <a:endParaRPr lang="ko-KR" altLang="en-US" sz="1200" dirty="0"/>
           </a:p>
         </p:txBody>
       </p:sp>
+      <p:pic>
+        <p:nvPicPr>
+          <p:cNvPr id="12" name="그림 11">
+            <a:extLst>
+              <a:ext uri="{FF2B5EF4-FFF2-40B4-BE49-F238E27FC236}">
+                <a16:creationId xmlns:a16="http://schemas.microsoft.com/office/drawing/2014/main" id="{E0D02A8D-9293-F43F-A317-F810FC8EDE3C}"/>
+              </a:ext>
+            </a:extLst>
+          </p:cNvPr>
+          <p:cNvPicPr>
+            <a:picLocks noChangeAspect="1"/>
+          </p:cNvPicPr>
+          <p:nvPr/>
+        </p:nvPicPr>
+        <p:blipFill>
+          <a:blip r:embed="rId2"/>
+          <a:stretch>
+            <a:fillRect/>
+          </a:stretch>
+        </p:blipFill>
+        <p:spPr>
+          <a:xfrm>
+            <a:off x="5486400" y="4490364"/>
+            <a:ext cx="6705600" cy="2367636"/>
+          </a:xfrm>
+          <a:prstGeom prst="rect">
+            <a:avLst/>
+          </a:prstGeom>
+        </p:spPr>
+      </p:pic>
     </p:spTree>
     <p:extLst>
       <p:ext uri="{BB962C8B-B14F-4D97-AF65-F5344CB8AC3E}">
-        <p14:creationId xmlns:p14="http://schemas.microsoft.com/office/powerpoint/2010/main" val="3446982852"/>
+        <p14:creationId xmlns:p14="http://schemas.microsoft.com/office/powerpoint/2010/main" val="3224838394"/>
       </p:ext>
     </p:extLst>
   </p:cSld>
@@ -8763,7 +14863,7 @@
         <p:spPr>
           <a:xfrm>
             <a:off x="193589" y="1152530"/>
-            <a:ext cx="12282616" cy="2123658"/>
+            <a:ext cx="12282616" cy="1107996"/>
           </a:xfrm>
           <a:prstGeom prst="rect">
             <a:avLst/>
@@ -8781,16 +14881,20 @@
               <a:buChar char="l"/>
             </a:pPr>
             <a:r>
+              <a:rPr lang="en-US" altLang="ko-KR" sz="2200" b="1" dirty="0"/>
+              <a:t>Report 3</a:t>
+            </a:r>
+            <a:r>
               <a:rPr lang="ko-KR" altLang="en-US" sz="2200" b="1" dirty="0"/>
-              <a:t>프로그램을 완성해서 최적화를 진행하면서 </a:t>
-            </a:r>
-            <a:r>
-              <a:rPr lang="ko-KR" altLang="en-US" sz="2200" b="1" dirty="0" err="1"/>
-              <a:t>조잡하다라고</a:t>
+              <a:t>번 문제에 대해 어떻게 풀이를 진행해 가야 하는지</a:t>
+            </a:r>
+            <a:r>
+              <a:rPr lang="en-US" altLang="ko-KR" sz="2200" b="1" dirty="0"/>
+              <a:t>, </a:t>
             </a:r>
             <a:r>
               <a:rPr lang="ko-KR" altLang="en-US" sz="2200" b="1" dirty="0"/>
-              <a:t> 느꼈는데 처음에 배열 선정에서</a:t>
+              <a:t>기존에 비슷하거나 같은 계열의</a:t>
             </a:r>
             <a:endParaRPr lang="en-US" altLang="ko-KR" sz="2200" b="1" dirty="0"/>
           </a:p>
@@ -8801,46 +14905,47 @@
             </a:r>
             <a:r>
               <a:rPr lang="ko-KR" altLang="en-US" sz="2200" b="1" dirty="0"/>
-              <a:t>실수를 하였다는 것을 </a:t>
-            </a:r>
-            <a:r>
-              <a:rPr lang="ko-KR" altLang="en-US" sz="2200" b="1" dirty="0" err="1"/>
-              <a:t>깨달았다</a:t>
+              <a:t>문제를 풀어보지 못하여</a:t>
             </a:r>
             <a:r>
               <a:rPr lang="en-US" altLang="ko-KR" sz="2200" b="1" dirty="0"/>
-              <a:t>.</a:t>
-            </a:r>
-          </a:p>
-          <a:p>
+              <a:t>, </a:t>
+            </a:r>
+            <a:r>
+              <a:rPr lang="ko-KR" altLang="en-US" sz="2200" b="1" dirty="0"/>
+              <a:t>어렵다고 느껴졌다</a:t>
+            </a:r>
+            <a:r>
+              <a:rPr lang="en-US" altLang="ko-KR" sz="2200" b="1" dirty="0"/>
+              <a:t> </a:t>
+            </a:r>
+            <a:r>
+              <a:rPr lang="ko-KR" altLang="en-US" sz="2200" b="1" dirty="0"/>
+              <a:t>그리고</a:t>
+            </a:r>
+            <a:r>
+              <a:rPr lang="en-US" altLang="ko-KR" sz="2200" b="1" dirty="0"/>
+              <a:t>, </a:t>
+            </a:r>
+            <a:r>
+              <a:rPr lang="ko-KR" altLang="en-US" sz="2200" b="1" dirty="0"/>
+              <a:t>온라인에 업로드 되어 있는 메소드를</a:t>
+            </a:r>
             <a:endParaRPr lang="en-US" altLang="ko-KR" sz="2200" b="1" dirty="0"/>
           </a:p>
           <a:p>
-            <a:pPr marL="342900" indent="-342900">
-              <a:buFont typeface="Wingdings" panose="05000000000000000000" pitchFamily="2" charset="2"/>
-              <a:buChar char="l"/>
-            </a:pPr>
-            <a:r>
-              <a:rPr lang="ko-KR" altLang="en-US" sz="2200" b="1" dirty="0"/>
-              <a:t>배열을 만들 때 프로그램에서 필요한 배열이 무엇이 있는지 선정을 잘 해야 프로그램을</a:t>
-            </a:r>
-            <a:endParaRPr lang="en-US" altLang="ko-KR" sz="2200" b="1" dirty="0"/>
-          </a:p>
-          <a:p>
             <a:r>
               <a:rPr lang="en-US" altLang="ko-KR" sz="2200" b="1" dirty="0"/>
               <a:t>   </a:t>
             </a:r>
             <a:r>
               <a:rPr lang="ko-KR" altLang="en-US" sz="2200" b="1" dirty="0"/>
-              <a:t>작성하면서 번거로움과 프로그램의 최적화가 쉽다는 것을 알게 되었다</a:t>
-            </a:r>
-            <a:r>
-              <a:rPr lang="en-US" altLang="ko-KR" sz="2200" b="1" dirty="0"/>
+              <a:t>가지고 와서 문제에 대입을 하는 과정이 중요하다고 느껴졌다</a:t>
+            </a:r>
+            <a:r>
+              <a:rPr lang="en-US" altLang="ko-KR" sz="2200" b="1"/>
               <a:t>.</a:t>
             </a:r>
-          </a:p>
-          <a:p>
             <a:endParaRPr lang="en-US" altLang="ko-KR" sz="2200" b="1" dirty="0"/>
           </a:p>
         </p:txBody>
